--- a/Presentation.pptx
+++ b/Presentation.pptx
@@ -8,16 +8,17 @@
     <p:sldId id="256" r:id="rId2"/>
     <p:sldId id="257" r:id="rId3"/>
     <p:sldId id="258" r:id="rId4"/>
-    <p:sldId id="259" r:id="rId5"/>
-    <p:sldId id="261" r:id="rId6"/>
-    <p:sldId id="262" r:id="rId7"/>
-    <p:sldId id="263" r:id="rId8"/>
-    <p:sldId id="264" r:id="rId9"/>
-    <p:sldId id="269" r:id="rId10"/>
-    <p:sldId id="266" r:id="rId11"/>
-    <p:sldId id="270" r:id="rId12"/>
-    <p:sldId id="268" r:id="rId13"/>
-    <p:sldId id="271" r:id="rId14"/>
+    <p:sldId id="272" r:id="rId5"/>
+    <p:sldId id="259" r:id="rId6"/>
+    <p:sldId id="261" r:id="rId7"/>
+    <p:sldId id="262" r:id="rId8"/>
+    <p:sldId id="263" r:id="rId9"/>
+    <p:sldId id="264" r:id="rId10"/>
+    <p:sldId id="269" r:id="rId11"/>
+    <p:sldId id="266" r:id="rId12"/>
+    <p:sldId id="270" r:id="rId13"/>
+    <p:sldId id="268" r:id="rId14"/>
+    <p:sldId id="271" r:id="rId15"/>
   </p:sldIdLst>
   <p:sldSz cx="12192000" cy="6858000"/>
   <p:notesSz cx="6858000" cy="9144000"/>
@@ -3132,30 +3133,15 @@
           <a:p>
             <a:r>
               <a:rPr lang="en-US" dirty="0" smtClean="0"/>
-              <a:t>Experiment</a:t>
-            </a:r>
-            <a:endParaRPr lang="en-US" dirty="0"/>
-          </a:p>
-        </p:txBody>
-      </p:sp>
-      <p:sp>
-        <p:nvSpPr>
-          <p:cNvPr id="3" name="Content Placeholder 2"/>
-          <p:cNvSpPr>
-            <a:spLocks noGrp="1"/>
-          </p:cNvSpPr>
-          <p:nvPr>
-            <p:ph idx="1"/>
-          </p:nvPr>
-        </p:nvSpPr>
-        <p:spPr/>
-        <p:txBody>
-          <a:bodyPr/>
-          <a:lstStyle/>
-          <a:p>
+              <a:t>Experiment </a:t>
+            </a:r>
+            <a:r>
+              <a:rPr lang="en-IL" dirty="0" smtClean="0"/>
+              <a:t>–</a:t>
+            </a:r>
             <a:r>
               <a:rPr lang="en-US" dirty="0" smtClean="0"/>
-              <a:t>Start with constant V</a:t>
+              <a:t> Sanity check </a:t>
             </a:r>
             <a:endParaRPr lang="en-US" dirty="0"/>
           </a:p>
@@ -3163,7 +3149,7 @@
       </p:sp>
       <p:pic>
         <p:nvPicPr>
-          <p:cNvPr id="8" name="Picture 7"/>
+          <p:cNvPr id="4" name="Picture 3"/>
           <p:cNvPicPr>
             <a:picLocks noChangeAspect="1"/>
           </p:cNvPicPr>
@@ -3177,18 +3163,278 @@
         </p:blipFill>
         <p:spPr>
           <a:xfrm>
-            <a:off x="-447675" y="2052424"/>
-            <a:ext cx="12420582" cy="5002188"/>
+            <a:off x="838200" y="1806769"/>
+            <a:ext cx="10341773" cy="4164982"/>
           </a:xfrm>
           <a:prstGeom prst="rect">
             <a:avLst/>
           </a:prstGeom>
         </p:spPr>
       </p:pic>
+      <p:cxnSp>
+        <p:nvCxnSpPr>
+          <p:cNvPr id="7" name="Straight Arrow Connector 6"/>
+          <p:cNvCxnSpPr/>
+          <p:nvPr/>
+        </p:nvCxnSpPr>
+        <p:spPr>
+          <a:xfrm>
+            <a:off x="1666875" y="1998881"/>
+            <a:ext cx="590550" cy="538411"/>
+          </a:xfrm>
+          <a:prstGeom prst="straightConnector1">
+            <a:avLst/>
+          </a:prstGeom>
+          <a:ln w="57150">
+            <a:tailEnd type="triangle"/>
+          </a:ln>
+        </p:spPr>
+        <p:style>
+          <a:lnRef idx="3">
+            <a:schemeClr val="accent1"/>
+          </a:lnRef>
+          <a:fillRef idx="0">
+            <a:schemeClr val="accent1"/>
+          </a:fillRef>
+          <a:effectRef idx="2">
+            <a:schemeClr val="accent1"/>
+          </a:effectRef>
+          <a:fontRef idx="minor">
+            <a:schemeClr val="tx1"/>
+          </a:fontRef>
+        </p:style>
+      </p:cxnSp>
+      <p:sp>
+        <p:nvSpPr>
+          <p:cNvPr id="8" name="TextBox 7"/>
+          <p:cNvSpPr txBox="1"/>
+          <p:nvPr/>
+        </p:nvSpPr>
+        <p:spPr>
+          <a:xfrm>
+            <a:off x="571500" y="1352550"/>
+            <a:ext cx="2905125" cy="646331"/>
+          </a:xfrm>
+          <a:prstGeom prst="rect">
+            <a:avLst/>
+          </a:prstGeom>
+          <a:noFill/>
+        </p:spPr>
+        <p:txBody>
+          <a:bodyPr wrap="square" rtlCol="0">
+            <a:spAutoFit/>
+          </a:bodyPr>
+          <a:lstStyle/>
+          <a:p>
+            <a:r>
+              <a:rPr lang="en-US" dirty="0" smtClean="0"/>
+              <a:t>The error is not zero.. As expected.</a:t>
+            </a:r>
+            <a:endParaRPr lang="en-US" dirty="0"/>
+          </a:p>
+        </p:txBody>
+      </p:sp>
+      <p:sp>
+        <p:nvSpPr>
+          <p:cNvPr id="9" name="TextBox 8"/>
+          <p:cNvSpPr txBox="1"/>
+          <p:nvPr/>
+        </p:nvSpPr>
+        <p:spPr>
+          <a:xfrm>
+            <a:off x="276225" y="3732040"/>
+            <a:ext cx="3705225" cy="369332"/>
+          </a:xfrm>
+          <a:prstGeom prst="rect">
+            <a:avLst/>
+          </a:prstGeom>
+          <a:noFill/>
+        </p:spPr>
+        <p:txBody>
+          <a:bodyPr wrap="square" rtlCol="0">
+            <a:spAutoFit/>
+          </a:bodyPr>
+          <a:lstStyle/>
+          <a:p>
+            <a:r>
+              <a:rPr lang="en-US" dirty="0" smtClean="0"/>
+              <a:t>We don</a:t>
+            </a:r>
+            <a:r>
+              <a:rPr lang="en-IL" dirty="0" smtClean="0"/>
+              <a:t>’</a:t>
+            </a:r>
+            <a:r>
+              <a:rPr lang="en-US" dirty="0" smtClean="0"/>
+              <a:t>t change any point in v</a:t>
+            </a:r>
+            <a:endParaRPr lang="en-US" dirty="0"/>
+          </a:p>
+        </p:txBody>
+      </p:sp>
+      <p:sp>
+        <p:nvSpPr>
+          <p:cNvPr id="10" name="TextBox 9"/>
+          <p:cNvSpPr txBox="1"/>
+          <p:nvPr/>
+        </p:nvSpPr>
+        <p:spPr>
+          <a:xfrm>
+            <a:off x="6829425" y="1321356"/>
+            <a:ext cx="4067175" cy="369332"/>
+          </a:xfrm>
+          <a:prstGeom prst="rect">
+            <a:avLst/>
+          </a:prstGeom>
+          <a:noFill/>
+        </p:spPr>
+        <p:txBody>
+          <a:bodyPr wrap="square" rtlCol="0">
+            <a:spAutoFit/>
+          </a:bodyPr>
+          <a:lstStyle/>
+          <a:p>
+            <a:r>
+              <a:rPr lang="en-US" dirty="0" smtClean="0"/>
+              <a:t>The point we choose remains the same</a:t>
+            </a:r>
+            <a:endParaRPr lang="en-US" dirty="0"/>
+          </a:p>
+        </p:txBody>
+      </p:sp>
+      <p:cxnSp>
+        <p:nvCxnSpPr>
+          <p:cNvPr id="13" name="Straight Arrow Connector 12"/>
+          <p:cNvCxnSpPr/>
+          <p:nvPr/>
+        </p:nvCxnSpPr>
+        <p:spPr>
+          <a:xfrm>
+            <a:off x="8410575" y="1690688"/>
+            <a:ext cx="238125" cy="747712"/>
+          </a:xfrm>
+          <a:prstGeom prst="straightConnector1">
+            <a:avLst/>
+          </a:prstGeom>
+          <a:ln w="57150">
+            <a:tailEnd type="triangle"/>
+          </a:ln>
+        </p:spPr>
+        <p:style>
+          <a:lnRef idx="3">
+            <a:schemeClr val="accent1"/>
+          </a:lnRef>
+          <a:fillRef idx="0">
+            <a:schemeClr val="accent1"/>
+          </a:fillRef>
+          <a:effectRef idx="2">
+            <a:schemeClr val="accent1"/>
+          </a:effectRef>
+          <a:fontRef idx="minor">
+            <a:schemeClr val="tx1"/>
+          </a:fontRef>
+        </p:style>
+      </p:cxnSp>
+      <p:cxnSp>
+        <p:nvCxnSpPr>
+          <p:cNvPr id="15" name="Straight Arrow Connector 14"/>
+          <p:cNvCxnSpPr/>
+          <p:nvPr/>
+        </p:nvCxnSpPr>
+        <p:spPr>
+          <a:xfrm>
+            <a:off x="1390650" y="4150133"/>
+            <a:ext cx="1200150" cy="512572"/>
+          </a:xfrm>
+          <a:prstGeom prst="straightConnector1">
+            <a:avLst/>
+          </a:prstGeom>
+          <a:ln w="57150">
+            <a:tailEnd type="triangle"/>
+          </a:ln>
+        </p:spPr>
+        <p:style>
+          <a:lnRef idx="3">
+            <a:schemeClr val="accent1"/>
+          </a:lnRef>
+          <a:fillRef idx="0">
+            <a:schemeClr val="accent1"/>
+          </a:fillRef>
+          <a:effectRef idx="2">
+            <a:schemeClr val="accent1"/>
+          </a:effectRef>
+          <a:fontRef idx="minor">
+            <a:schemeClr val="tx1"/>
+          </a:fontRef>
+        </p:style>
+      </p:cxnSp>
+      <p:sp>
+        <p:nvSpPr>
+          <p:cNvPr id="19" name="TextBox 18"/>
+          <p:cNvSpPr txBox="1"/>
+          <p:nvPr/>
+        </p:nvSpPr>
+        <p:spPr>
+          <a:xfrm>
+            <a:off x="6629400" y="3555077"/>
+            <a:ext cx="3705225" cy="369332"/>
+          </a:xfrm>
+          <a:prstGeom prst="rect">
+            <a:avLst/>
+          </a:prstGeom>
+          <a:noFill/>
+        </p:spPr>
+        <p:txBody>
+          <a:bodyPr wrap="square" rtlCol="0">
+            <a:spAutoFit/>
+          </a:bodyPr>
+          <a:lstStyle/>
+          <a:p>
+            <a:r>
+              <a:rPr lang="en-US" dirty="0" smtClean="0"/>
+              <a:t>The eigenvalues are not equal</a:t>
+            </a:r>
+            <a:endParaRPr lang="en-US" dirty="0"/>
+          </a:p>
+        </p:txBody>
+      </p:sp>
+      <p:cxnSp>
+        <p:nvCxnSpPr>
+          <p:cNvPr id="20" name="Straight Arrow Connector 19"/>
+          <p:cNvCxnSpPr/>
+          <p:nvPr/>
+        </p:nvCxnSpPr>
+        <p:spPr>
+          <a:xfrm>
+            <a:off x="7743825" y="3973170"/>
+            <a:ext cx="1200150" cy="512572"/>
+          </a:xfrm>
+          <a:prstGeom prst="straightConnector1">
+            <a:avLst/>
+          </a:prstGeom>
+          <a:ln w="57150">
+            <a:tailEnd type="triangle"/>
+          </a:ln>
+        </p:spPr>
+        <p:style>
+          <a:lnRef idx="3">
+            <a:schemeClr val="accent1"/>
+          </a:lnRef>
+          <a:fillRef idx="0">
+            <a:schemeClr val="accent1"/>
+          </a:fillRef>
+          <a:effectRef idx="2">
+            <a:schemeClr val="accent1"/>
+          </a:effectRef>
+          <a:fontRef idx="minor">
+            <a:schemeClr val="tx1"/>
+          </a:fontRef>
+        </p:style>
+      </p:cxnSp>
     </p:spTree>
     <p:extLst>
       <p:ext uri="{BB962C8B-B14F-4D97-AF65-F5344CB8AC3E}">
-        <p14:creationId xmlns:p14="http://schemas.microsoft.com/office/powerpoint/2010/main" val="1070724005"/>
+        <p14:creationId xmlns:p14="http://schemas.microsoft.com/office/powerpoint/2010/main" val="4210701173"/>
       </p:ext>
     </p:extLst>
   </p:cSld>
@@ -3239,7 +3485,7 @@
           <a:p>
             <a:r>
               <a:rPr lang="en-US" dirty="0" smtClean="0"/>
-              <a:t>Doesn’t works</a:t>
+              <a:t>Experiment</a:t>
             </a:r>
             <a:endParaRPr lang="en-US" dirty="0"/>
           </a:p>
@@ -3262,16 +3508,40 @@
           <a:p>
             <a:r>
               <a:rPr lang="en-US" dirty="0" smtClean="0"/>
-              <a:t>The article suggests to initialize v randomly and pick the best results</a:t>
+              <a:t>Start with constant V</a:t>
             </a:r>
             <a:endParaRPr lang="en-US" dirty="0"/>
           </a:p>
         </p:txBody>
       </p:sp>
+      <p:pic>
+        <p:nvPicPr>
+          <p:cNvPr id="8" name="Picture 7"/>
+          <p:cNvPicPr>
+            <a:picLocks noChangeAspect="1"/>
+          </p:cNvPicPr>
+          <p:nvPr/>
+        </p:nvPicPr>
+        <p:blipFill>
+          <a:blip r:embed="rId2"/>
+          <a:stretch>
+            <a:fillRect/>
+          </a:stretch>
+        </p:blipFill>
+        <p:spPr>
+          <a:xfrm>
+            <a:off x="-447675" y="2052424"/>
+            <a:ext cx="12420582" cy="5002188"/>
+          </a:xfrm>
+          <a:prstGeom prst="rect">
+            <a:avLst/>
+          </a:prstGeom>
+        </p:spPr>
+      </p:pic>
     </p:spTree>
     <p:extLst>
       <p:ext uri="{BB962C8B-B14F-4D97-AF65-F5344CB8AC3E}">
-        <p14:creationId xmlns:p14="http://schemas.microsoft.com/office/powerpoint/2010/main" val="3690720587"/>
+        <p14:creationId xmlns:p14="http://schemas.microsoft.com/office/powerpoint/2010/main" val="1070724005"/>
       </p:ext>
     </p:extLst>
   </p:cSld>
@@ -3322,6 +3592,89 @@
           <a:p>
             <a:r>
               <a:rPr lang="en-US" dirty="0" smtClean="0"/>
+              <a:t>Doesn’t works</a:t>
+            </a:r>
+            <a:endParaRPr lang="en-US" dirty="0"/>
+          </a:p>
+        </p:txBody>
+      </p:sp>
+      <p:sp>
+        <p:nvSpPr>
+          <p:cNvPr id="3" name="Content Placeholder 2"/>
+          <p:cNvSpPr>
+            <a:spLocks noGrp="1"/>
+          </p:cNvSpPr>
+          <p:nvPr>
+            <p:ph idx="1"/>
+          </p:nvPr>
+        </p:nvSpPr>
+        <p:spPr/>
+        <p:txBody>
+          <a:bodyPr/>
+          <a:lstStyle/>
+          <a:p>
+            <a:r>
+              <a:rPr lang="en-US" dirty="0" smtClean="0"/>
+              <a:t>The article suggests to initialize v randomly and pick the best results</a:t>
+            </a:r>
+            <a:endParaRPr lang="en-US" dirty="0"/>
+          </a:p>
+        </p:txBody>
+      </p:sp>
+    </p:spTree>
+    <p:extLst>
+      <p:ext uri="{BB962C8B-B14F-4D97-AF65-F5344CB8AC3E}">
+        <p14:creationId xmlns:p14="http://schemas.microsoft.com/office/powerpoint/2010/main" val="3690720587"/>
+      </p:ext>
+    </p:extLst>
+  </p:cSld>
+  <p:clrMapOvr>
+    <a:masterClrMapping/>
+  </p:clrMapOvr>
+  <p:timing>
+    <p:tnLst>
+      <p:par>
+        <p:cTn id="1" dur="indefinite" restart="never" nodeType="tmRoot"/>
+      </p:par>
+    </p:tnLst>
+  </p:timing>
+</p:sld>
+</file>
+
+<file path=ppt/slides/slide13.xml><?xml version="1.0" encoding="utf-8"?>
+<p:sld xmlns:a="http://schemas.openxmlformats.org/drawingml/2006/main" xmlns:r="http://schemas.openxmlformats.org/officeDocument/2006/relationships" xmlns:p="http://schemas.openxmlformats.org/presentationml/2006/main">
+  <p:cSld>
+    <p:spTree>
+      <p:nvGrpSpPr>
+        <p:cNvPr id="1" name=""/>
+        <p:cNvGrpSpPr/>
+        <p:nvPr/>
+      </p:nvGrpSpPr>
+      <p:grpSpPr>
+        <a:xfrm>
+          <a:off x="0" y="0"/>
+          <a:ext cx="0" cy="0"/>
+          <a:chOff x="0" y="0"/>
+          <a:chExt cx="0" cy="0"/>
+        </a:xfrm>
+      </p:grpSpPr>
+      <p:sp>
+        <p:nvSpPr>
+          <p:cNvPr id="2" name="Title 1"/>
+          <p:cNvSpPr>
+            <a:spLocks noGrp="1"/>
+          </p:cNvSpPr>
+          <p:nvPr>
+            <p:ph type="title"/>
+          </p:nvPr>
+        </p:nvSpPr>
+        <p:spPr/>
+        <p:txBody>
+          <a:bodyPr/>
+          <a:lstStyle/>
+          <a:p>
+            <a:r>
+              <a:rPr lang="en-US" dirty="0" smtClean="0"/>
               <a:t>Future work </a:t>
             </a:r>
             <a:endParaRPr lang="en-US" dirty="0"/>
@@ -3384,13 +3737,7 @@
                           <a:rPr lang="en-US" b="0" i="1" smtClean="0">
                             <a:latin typeface="Cambria Math" panose="02040503050406030204" pitchFamily="18" charset="0"/>
                           </a:rPr>
-                          <m:t>≥</m:t>
-                        </m:r>
-                        <m:r>
-                          <a:rPr lang="en-US" b="0" i="1" smtClean="0">
-                            <a:latin typeface="Cambria Math" panose="02040503050406030204" pitchFamily="18" charset="0"/>
-                          </a:rPr>
-                          <m:t>0</m:t>
+                          <m:t>≥0</m:t>
                         </m:r>
                       </m:lim>
                     </m:limLow>
@@ -3673,7 +4020,7 @@
 </p:sld>
 </file>
 
-<file path=ppt/slides/slide13.xml><?xml version="1.0" encoding="utf-8"?>
+<file path=ppt/slides/slide14.xml><?xml version="1.0" encoding="utf-8"?>
 <p:sld xmlns:a="http://schemas.openxmlformats.org/drawingml/2006/main" xmlns:r="http://schemas.openxmlformats.org/officeDocument/2006/relationships" xmlns:p="http://schemas.openxmlformats.org/presentationml/2006/main">
   <p:cSld>
     <p:spTree>
@@ -4836,6 +5183,319 @@
           <a:p>
             <a:r>
               <a:rPr lang="en-US" dirty="0" smtClean="0"/>
+              <a:t>Background-</a:t>
+            </a:r>
+            <a:r>
+              <a:rPr lang="en-US" dirty="0" smtClean="0"/>
+              <a:t>Laplacian Beltrami </a:t>
+            </a:r>
+            <a:r>
+              <a:rPr lang="en-US" dirty="0" err="1" smtClean="0"/>
+              <a:t>propreties</a:t>
+            </a:r>
+            <a:r>
+              <a:rPr lang="en-US" dirty="0" smtClean="0"/>
+              <a:t> </a:t>
+            </a:r>
+            <a:endParaRPr lang="en-US" dirty="0"/>
+          </a:p>
+        </p:txBody>
+      </p:sp>
+      <mc:AlternateContent xmlns:mc="http://schemas.openxmlformats.org/markup-compatibility/2006">
+        <mc:Choice xmlns:a14="http://schemas.microsoft.com/office/drawing/2010/main" Requires="a14">
+          <p:sp>
+            <p:nvSpPr>
+              <p:cNvPr id="3" name="Content Placeholder 2"/>
+              <p:cNvSpPr>
+                <a:spLocks noGrp="1"/>
+              </p:cNvSpPr>
+              <p:nvPr>
+                <p:ph idx="1"/>
+              </p:nvPr>
+            </p:nvSpPr>
+            <p:spPr/>
+            <p:txBody>
+              <a:bodyPr/>
+              <a:lstStyle/>
+              <a:p>
+                <a14:m>
+                  <m:oMath xmlns:m="http://schemas.openxmlformats.org/officeDocument/2006/math">
+                    <a:fld id="{35948721-5E93-4450-98AB-54258C0F0040}" type="mathplaceholder">
+                      <a:rPr lang="en-US" b="0" i="1" smtClean="0">
+                        <a:latin typeface="Cambria Math" panose="02040503050406030204" pitchFamily="18" charset="0"/>
+                        <a:ea typeface="Cambria Math" panose="02040503050406030204" pitchFamily="18" charset="0"/>
+                      </a:rPr>
+                      <a:t>Type equation here.</a:t>
+                    </a:fld>
+                  </m:oMath>
+                </a14:m>
+                <a:endParaRPr lang="en-US" b="0" i="1" dirty="0" smtClean="0">
+                  <a:latin typeface="Cambria Math" panose="02040503050406030204" pitchFamily="18" charset="0"/>
+                  <a:ea typeface="Cambria Math" panose="02040503050406030204" pitchFamily="18" charset="0"/>
+                </a:endParaRPr>
+              </a:p>
+              <a:p>
+                <a14:m>
+                  <m:oMath xmlns:m="http://schemas.openxmlformats.org/officeDocument/2006/math">
+                    <m:sSub>
+                      <m:sSubPr>
+                        <m:ctrlPr>
+                          <a:rPr lang="en-US" b="0" i="1" smtClean="0">
+                            <a:latin typeface="Cambria Math" panose="02040503050406030204" pitchFamily="18" charset="0"/>
+                            <a:ea typeface="Cambria Math" panose="02040503050406030204" pitchFamily="18" charset="0"/>
+                          </a:rPr>
+                        </m:ctrlPr>
+                      </m:sSubPr>
+                      <m:e>
+                        <m:r>
+                          <m:rPr>
+                            <m:sty m:val="p"/>
+                          </m:rPr>
+                          <a:rPr lang="el-GR" i="1" smtClean="0">
+                            <a:latin typeface="Cambria Math" panose="02040503050406030204" pitchFamily="18" charset="0"/>
+                            <a:ea typeface="Cambria Math" panose="02040503050406030204" pitchFamily="18" charset="0"/>
+                          </a:rPr>
+                          <m:t>Δ</m:t>
+                        </m:r>
+                      </m:e>
+                      <m:sub>
+                        <m:r>
+                          <a:rPr lang="en-US" b="0" i="1" smtClean="0">
+                            <a:latin typeface="Cambria Math" panose="02040503050406030204" pitchFamily="18" charset="0"/>
+                            <a:ea typeface="Cambria Math" panose="02040503050406030204" pitchFamily="18" charset="0"/>
+                          </a:rPr>
+                          <m:t>𝑥</m:t>
+                        </m:r>
+                      </m:sub>
+                    </m:sSub>
+                    <m:sSub>
+                      <m:sSubPr>
+                        <m:ctrlPr>
+                          <a:rPr lang="en-US" b="0" i="1" smtClean="0">
+                            <a:latin typeface="Cambria Math" panose="02040503050406030204" pitchFamily="18" charset="0"/>
+                            <a:ea typeface="Cambria Math" panose="02040503050406030204" pitchFamily="18" charset="0"/>
+                          </a:rPr>
+                        </m:ctrlPr>
+                      </m:sSubPr>
+                      <m:e>
+                        <m:r>
+                          <a:rPr lang="en-US" b="0" i="1" smtClean="0">
+                            <a:latin typeface="Cambria Math" panose="02040503050406030204" pitchFamily="18" charset="0"/>
+                            <a:ea typeface="Cambria Math" panose="02040503050406030204" pitchFamily="18" charset="0"/>
+                          </a:rPr>
+                          <m:t>𝜙</m:t>
+                        </m:r>
+                      </m:e>
+                      <m:sub>
+                        <m:r>
+                          <a:rPr lang="en-US" b="0" i="1" smtClean="0">
+                            <a:latin typeface="Cambria Math" panose="02040503050406030204" pitchFamily="18" charset="0"/>
+                            <a:ea typeface="Cambria Math" panose="02040503050406030204" pitchFamily="18" charset="0"/>
+                          </a:rPr>
+                          <m:t>𝑖</m:t>
+                        </m:r>
+                      </m:sub>
+                    </m:sSub>
+                    <m:r>
+                      <a:rPr lang="en-US" b="0" i="1" smtClean="0">
+                        <a:latin typeface="Cambria Math" panose="02040503050406030204" pitchFamily="18" charset="0"/>
+                        <a:ea typeface="Cambria Math" panose="02040503050406030204" pitchFamily="18" charset="0"/>
+                      </a:rPr>
+                      <m:t>=</m:t>
+                    </m:r>
+                    <m:sSub>
+                      <m:sSubPr>
+                        <m:ctrlPr>
+                          <a:rPr lang="en-US" b="0" i="1" smtClean="0">
+                            <a:latin typeface="Cambria Math" panose="02040503050406030204" pitchFamily="18" charset="0"/>
+                            <a:ea typeface="Cambria Math" panose="02040503050406030204" pitchFamily="18" charset="0"/>
+                          </a:rPr>
+                        </m:ctrlPr>
+                      </m:sSubPr>
+                      <m:e>
+                        <m:r>
+                          <a:rPr lang="en-US" b="0" i="1" smtClean="0">
+                            <a:latin typeface="Cambria Math" panose="02040503050406030204" pitchFamily="18" charset="0"/>
+                            <a:ea typeface="Cambria Math" panose="02040503050406030204" pitchFamily="18" charset="0"/>
+                          </a:rPr>
+                          <m:t>𝜆</m:t>
+                        </m:r>
+                      </m:e>
+                      <m:sub>
+                        <m:r>
+                          <a:rPr lang="en-US" b="0" i="1" smtClean="0">
+                            <a:latin typeface="Cambria Math" panose="02040503050406030204" pitchFamily="18" charset="0"/>
+                            <a:ea typeface="Cambria Math" panose="02040503050406030204" pitchFamily="18" charset="0"/>
+                          </a:rPr>
+                          <m:t>𝑖</m:t>
+                        </m:r>
+                      </m:sub>
+                    </m:sSub>
+                    <m:sSub>
+                      <m:sSubPr>
+                        <m:ctrlPr>
+                          <a:rPr lang="en-US" b="0" i="1" smtClean="0">
+                            <a:latin typeface="Cambria Math" panose="02040503050406030204" pitchFamily="18" charset="0"/>
+                            <a:ea typeface="Cambria Math" panose="02040503050406030204" pitchFamily="18" charset="0"/>
+                          </a:rPr>
+                        </m:ctrlPr>
+                      </m:sSubPr>
+                      <m:e>
+                        <m:r>
+                          <a:rPr lang="en-US" b="0" i="1" smtClean="0">
+                            <a:latin typeface="Cambria Math" panose="02040503050406030204" pitchFamily="18" charset="0"/>
+                            <a:ea typeface="Cambria Math" panose="02040503050406030204" pitchFamily="18" charset="0"/>
+                          </a:rPr>
+                          <m:t>𝜙</m:t>
+                        </m:r>
+                      </m:e>
+                      <m:sub>
+                        <m:r>
+                          <a:rPr lang="en-US" b="0" i="1" smtClean="0">
+                            <a:latin typeface="Cambria Math" panose="02040503050406030204" pitchFamily="18" charset="0"/>
+                            <a:ea typeface="Cambria Math" panose="02040503050406030204" pitchFamily="18" charset="0"/>
+                          </a:rPr>
+                          <m:t>𝑖</m:t>
+                        </m:r>
+                      </m:sub>
+                    </m:sSub>
+                  </m:oMath>
+                </a14:m>
+                <a:endParaRPr lang="en-US" dirty="0" smtClean="0"/>
+              </a:p>
+              <a:p>
+                <a:r>
+                  <a:rPr lang="en-US" dirty="0" smtClean="0"/>
+                  <a:t>Eigenvalues of the </a:t>
+                </a:r>
+                <a:r>
+                  <a:rPr lang="en-US" dirty="0" err="1" smtClean="0"/>
+                  <a:t>laplacian</a:t>
+                </a:r>
+                <a:r>
+                  <a:rPr lang="en-US" dirty="0" smtClean="0"/>
+                  <a:t> corresponding to the frequencies </a:t>
+                </a:r>
+              </a:p>
+              <a:p>
+                <a:r>
+                  <a:rPr lang="en-US" dirty="0" smtClean="0"/>
+                  <a:t>The </a:t>
+                </a:r>
+                <a:r>
+                  <a:rPr lang="en-US" dirty="0" err="1" smtClean="0"/>
+                  <a:t>eigenfunctions</a:t>
+                </a:r>
+                <a:r>
+                  <a:rPr lang="en-US" dirty="0" smtClean="0"/>
+                  <a:t>  are orthogonal to each other </a:t>
+                </a:r>
+              </a:p>
+              <a:p>
+                <a:r>
+                  <a:rPr lang="en-US" dirty="0" smtClean="0"/>
+                  <a:t>The </a:t>
+                </a:r>
+                <a:r>
+                  <a:rPr lang="en-US" dirty="0" err="1" smtClean="0"/>
+                  <a:t>laplacian</a:t>
+                </a:r>
+                <a:r>
+                  <a:rPr lang="en-US" dirty="0" smtClean="0"/>
+                  <a:t> Beltrami is isometry invariant</a:t>
+                </a:r>
+              </a:p>
+            </p:txBody>
+          </p:sp>
+        </mc:Choice>
+        <mc:Fallback>
+          <p:sp>
+            <p:nvSpPr>
+              <p:cNvPr id="3" name="Content Placeholder 2"/>
+              <p:cNvSpPr>
+                <a:spLocks noGrp="1" noRot="1" noChangeAspect="1" noMove="1" noResize="1" noEditPoints="1" noAdjustHandles="1" noChangeArrowheads="1" noChangeShapeType="1" noTextEdit="1"/>
+              </p:cNvSpPr>
+              <p:nvPr>
+                <p:ph idx="1"/>
+              </p:nvPr>
+            </p:nvSpPr>
+            <p:spPr>
+              <a:blipFill>
+                <a:blip r:embed="rId2"/>
+                <a:stretch>
+                  <a:fillRect l="-1043"/>
+                </a:stretch>
+              </a:blipFill>
+            </p:spPr>
+            <p:txBody>
+              <a:bodyPr/>
+              <a:lstStyle/>
+              <a:p>
+                <a:r>
+                  <a:rPr lang="en-US">
+                    <a:noFill/>
+                  </a:rPr>
+                  <a:t> </a:t>
+                </a:r>
+              </a:p>
+            </p:txBody>
+          </p:sp>
+        </mc:Fallback>
+      </mc:AlternateContent>
+    </p:spTree>
+    <p:extLst>
+      <p:ext uri="{BB962C8B-B14F-4D97-AF65-F5344CB8AC3E}">
+        <p14:creationId xmlns:p14="http://schemas.microsoft.com/office/powerpoint/2010/main" val="2241171536"/>
+      </p:ext>
+    </p:extLst>
+  </p:cSld>
+  <p:clrMapOvr>
+    <a:masterClrMapping/>
+  </p:clrMapOvr>
+  <p:timing>
+    <p:tnLst>
+      <p:par>
+        <p:cTn id="1" dur="indefinite" restart="never" nodeType="tmRoot"/>
+      </p:par>
+    </p:tnLst>
+  </p:timing>
+</p:sld>
+</file>
+
+<file path=ppt/slides/slide5.xml><?xml version="1.0" encoding="utf-8"?>
+<p:sld xmlns:a="http://schemas.openxmlformats.org/drawingml/2006/main" xmlns:r="http://schemas.openxmlformats.org/officeDocument/2006/relationships" xmlns:p="http://schemas.openxmlformats.org/presentationml/2006/main">
+  <p:cSld>
+    <p:spTree>
+      <p:nvGrpSpPr>
+        <p:cNvPr id="1" name=""/>
+        <p:cNvGrpSpPr/>
+        <p:nvPr/>
+      </p:nvGrpSpPr>
+      <p:grpSpPr>
+        <a:xfrm>
+          <a:off x="0" y="0"/>
+          <a:ext cx="0" cy="0"/>
+          <a:chOff x="0" y="0"/>
+          <a:chExt cx="0" cy="0"/>
+        </a:xfrm>
+      </p:grpSpPr>
+      <p:sp>
+        <p:nvSpPr>
+          <p:cNvPr id="2" name="Title 1"/>
+          <p:cNvSpPr>
+            <a:spLocks noGrp="1"/>
+          </p:cNvSpPr>
+          <p:nvPr>
+            <p:ph type="title"/>
+          </p:nvPr>
+        </p:nvSpPr>
+        <p:spPr/>
+        <p:txBody>
+          <a:bodyPr/>
+          <a:lstStyle/>
+          <a:p>
+            <a:r>
+              <a:rPr lang="en-US" dirty="0" smtClean="0"/>
               <a:t>Background-Laplacian Beltrami</a:t>
             </a:r>
             <a:endParaRPr lang="en-US" dirty="0"/>
@@ -4856,20 +5516,6 @@
         <p:txBody>
           <a:bodyPr/>
           <a:lstStyle/>
-          <a:p>
-            <a:r>
-              <a:rPr lang="en-US" dirty="0" smtClean="0"/>
-              <a:t>The </a:t>
-            </a:r>
-            <a:r>
-              <a:rPr lang="en-US" dirty="0" err="1" smtClean="0"/>
-              <a:t>eigenfunctions</a:t>
-            </a:r>
-            <a:r>
-              <a:rPr lang="en-US" dirty="0" smtClean="0"/>
-              <a:t> and eigenvalues of Laplacian Beltrami</a:t>
-            </a:r>
-          </a:p>
           <a:p>
             <a:r>
               <a:rPr lang="en-US" dirty="0" smtClean="0"/>
@@ -4912,7 +5558,7 @@
         </p:blipFill>
         <p:spPr>
           <a:xfrm>
-            <a:off x="1627655" y="3252107"/>
+            <a:off x="1627655" y="3042557"/>
             <a:ext cx="8936690" cy="3605893"/>
           </a:xfrm>
           <a:prstGeom prst="rect">
@@ -4940,7 +5586,7 @@
 </p:sld>
 </file>
 
-<file path=ppt/slides/slide5.xml><?xml version="1.0" encoding="utf-8"?>
+<file path=ppt/slides/slide6.xml><?xml version="1.0" encoding="utf-8"?>
 <p:sld xmlns:a="http://schemas.openxmlformats.org/drawingml/2006/main" xmlns:r="http://schemas.openxmlformats.org/officeDocument/2006/relationships" xmlns:p="http://schemas.openxmlformats.org/presentationml/2006/main">
   <p:cSld>
     <p:spTree>
@@ -6275,7 +6921,7 @@
 </p:sld>
 </file>
 
-<file path=ppt/slides/slide6.xml><?xml version="1.0" encoding="utf-8"?>
+<file path=ppt/slides/slide7.xml><?xml version="1.0" encoding="utf-8"?>
 <p:sld xmlns:a="http://schemas.openxmlformats.org/drawingml/2006/main" xmlns:r="http://schemas.openxmlformats.org/officeDocument/2006/relationships" xmlns:p="http://schemas.openxmlformats.org/presentationml/2006/main">
   <p:cSld>
     <p:spTree>
@@ -6362,7 +7008,7 @@
 </p:sld>
 </file>
 
-<file path=ppt/slides/slide7.xml><?xml version="1.0" encoding="utf-8"?>
+<file path=ppt/slides/slide8.xml><?xml version="1.0" encoding="utf-8"?>
 <p:sld xmlns:a="http://schemas.openxmlformats.org/drawingml/2006/main" xmlns:r="http://schemas.openxmlformats.org/officeDocument/2006/relationships" xmlns:p="http://schemas.openxmlformats.org/presentationml/2006/main">
   <p:cSld>
     <p:spTree>
@@ -7100,7 +7746,7 @@
 </p:sld>
 </file>
 
-<file path=ppt/slides/slide8.xml><?xml version="1.0" encoding="utf-8"?>
+<file path=ppt/slides/slide9.xml><?xml version="1.0" encoding="utf-8"?>
 <p:sld xmlns:a="http://schemas.openxmlformats.org/drawingml/2006/main" xmlns:r="http://schemas.openxmlformats.org/officeDocument/2006/relationships" xmlns:p="http://schemas.openxmlformats.org/presentationml/2006/main">
   <p:cSld>
     <p:spTree>
@@ -7826,358 +8472,6 @@
     <p:extLst>
       <p:ext uri="{BB962C8B-B14F-4D97-AF65-F5344CB8AC3E}">
         <p14:creationId xmlns:p14="http://schemas.microsoft.com/office/powerpoint/2010/main" val="3624126027"/>
-      </p:ext>
-    </p:extLst>
-  </p:cSld>
-  <p:clrMapOvr>
-    <a:masterClrMapping/>
-  </p:clrMapOvr>
-  <p:timing>
-    <p:tnLst>
-      <p:par>
-        <p:cTn id="1" dur="indefinite" restart="never" nodeType="tmRoot"/>
-      </p:par>
-    </p:tnLst>
-  </p:timing>
-</p:sld>
-</file>
-
-<file path=ppt/slides/slide9.xml><?xml version="1.0" encoding="utf-8"?>
-<p:sld xmlns:a="http://schemas.openxmlformats.org/drawingml/2006/main" xmlns:r="http://schemas.openxmlformats.org/officeDocument/2006/relationships" xmlns:p="http://schemas.openxmlformats.org/presentationml/2006/main">
-  <p:cSld>
-    <p:spTree>
-      <p:nvGrpSpPr>
-        <p:cNvPr id="1" name=""/>
-        <p:cNvGrpSpPr/>
-        <p:nvPr/>
-      </p:nvGrpSpPr>
-      <p:grpSpPr>
-        <a:xfrm>
-          <a:off x="0" y="0"/>
-          <a:ext cx="0" cy="0"/>
-          <a:chOff x="0" y="0"/>
-          <a:chExt cx="0" cy="0"/>
-        </a:xfrm>
-      </p:grpSpPr>
-      <p:sp>
-        <p:nvSpPr>
-          <p:cNvPr id="2" name="Title 1"/>
-          <p:cNvSpPr>
-            <a:spLocks noGrp="1"/>
-          </p:cNvSpPr>
-          <p:nvPr>
-            <p:ph type="title"/>
-          </p:nvPr>
-        </p:nvSpPr>
-        <p:spPr/>
-        <p:txBody>
-          <a:bodyPr/>
-          <a:lstStyle/>
-          <a:p>
-            <a:r>
-              <a:rPr lang="en-US" dirty="0" smtClean="0"/>
-              <a:t>Experiment </a:t>
-            </a:r>
-            <a:r>
-              <a:rPr lang="en-IL" dirty="0" smtClean="0"/>
-              <a:t>–</a:t>
-            </a:r>
-            <a:r>
-              <a:rPr lang="en-US" dirty="0" smtClean="0"/>
-              <a:t> Sanity check </a:t>
-            </a:r>
-            <a:endParaRPr lang="en-US" dirty="0"/>
-          </a:p>
-        </p:txBody>
-      </p:sp>
-      <p:pic>
-        <p:nvPicPr>
-          <p:cNvPr id="4" name="Picture 3"/>
-          <p:cNvPicPr>
-            <a:picLocks noChangeAspect="1"/>
-          </p:cNvPicPr>
-          <p:nvPr/>
-        </p:nvPicPr>
-        <p:blipFill>
-          <a:blip r:embed="rId2"/>
-          <a:stretch>
-            <a:fillRect/>
-          </a:stretch>
-        </p:blipFill>
-        <p:spPr>
-          <a:xfrm>
-            <a:off x="838200" y="1806769"/>
-            <a:ext cx="10341773" cy="4164982"/>
-          </a:xfrm>
-          <a:prstGeom prst="rect">
-            <a:avLst/>
-          </a:prstGeom>
-        </p:spPr>
-      </p:pic>
-      <p:cxnSp>
-        <p:nvCxnSpPr>
-          <p:cNvPr id="7" name="Straight Arrow Connector 6"/>
-          <p:cNvCxnSpPr/>
-          <p:nvPr/>
-        </p:nvCxnSpPr>
-        <p:spPr>
-          <a:xfrm>
-            <a:off x="1666875" y="1998881"/>
-            <a:ext cx="590550" cy="538411"/>
-          </a:xfrm>
-          <a:prstGeom prst="straightConnector1">
-            <a:avLst/>
-          </a:prstGeom>
-          <a:ln w="57150">
-            <a:tailEnd type="triangle"/>
-          </a:ln>
-        </p:spPr>
-        <p:style>
-          <a:lnRef idx="3">
-            <a:schemeClr val="accent1"/>
-          </a:lnRef>
-          <a:fillRef idx="0">
-            <a:schemeClr val="accent1"/>
-          </a:fillRef>
-          <a:effectRef idx="2">
-            <a:schemeClr val="accent1"/>
-          </a:effectRef>
-          <a:fontRef idx="minor">
-            <a:schemeClr val="tx1"/>
-          </a:fontRef>
-        </p:style>
-      </p:cxnSp>
-      <p:sp>
-        <p:nvSpPr>
-          <p:cNvPr id="8" name="TextBox 7"/>
-          <p:cNvSpPr txBox="1"/>
-          <p:nvPr/>
-        </p:nvSpPr>
-        <p:spPr>
-          <a:xfrm>
-            <a:off x="571500" y="1352550"/>
-            <a:ext cx="2905125" cy="646331"/>
-          </a:xfrm>
-          <a:prstGeom prst="rect">
-            <a:avLst/>
-          </a:prstGeom>
-          <a:noFill/>
-        </p:spPr>
-        <p:txBody>
-          <a:bodyPr wrap="square" rtlCol="0">
-            <a:spAutoFit/>
-          </a:bodyPr>
-          <a:lstStyle/>
-          <a:p>
-            <a:r>
-              <a:rPr lang="en-US" dirty="0" smtClean="0"/>
-              <a:t>The error is not zero.. As expected.</a:t>
-            </a:r>
-            <a:endParaRPr lang="en-US" dirty="0"/>
-          </a:p>
-        </p:txBody>
-      </p:sp>
-      <p:sp>
-        <p:nvSpPr>
-          <p:cNvPr id="9" name="TextBox 8"/>
-          <p:cNvSpPr txBox="1"/>
-          <p:nvPr/>
-        </p:nvSpPr>
-        <p:spPr>
-          <a:xfrm>
-            <a:off x="276225" y="3732040"/>
-            <a:ext cx="3705225" cy="369332"/>
-          </a:xfrm>
-          <a:prstGeom prst="rect">
-            <a:avLst/>
-          </a:prstGeom>
-          <a:noFill/>
-        </p:spPr>
-        <p:txBody>
-          <a:bodyPr wrap="square" rtlCol="0">
-            <a:spAutoFit/>
-          </a:bodyPr>
-          <a:lstStyle/>
-          <a:p>
-            <a:r>
-              <a:rPr lang="en-US" dirty="0" smtClean="0"/>
-              <a:t>We don</a:t>
-            </a:r>
-            <a:r>
-              <a:rPr lang="en-IL" dirty="0" smtClean="0"/>
-              <a:t>’</a:t>
-            </a:r>
-            <a:r>
-              <a:rPr lang="en-US" dirty="0" smtClean="0"/>
-              <a:t>t change any point in v</a:t>
-            </a:r>
-            <a:endParaRPr lang="en-US" dirty="0"/>
-          </a:p>
-        </p:txBody>
-      </p:sp>
-      <p:sp>
-        <p:nvSpPr>
-          <p:cNvPr id="10" name="TextBox 9"/>
-          <p:cNvSpPr txBox="1"/>
-          <p:nvPr/>
-        </p:nvSpPr>
-        <p:spPr>
-          <a:xfrm>
-            <a:off x="6829425" y="1321356"/>
-            <a:ext cx="4067175" cy="369332"/>
-          </a:xfrm>
-          <a:prstGeom prst="rect">
-            <a:avLst/>
-          </a:prstGeom>
-          <a:noFill/>
-        </p:spPr>
-        <p:txBody>
-          <a:bodyPr wrap="square" rtlCol="0">
-            <a:spAutoFit/>
-          </a:bodyPr>
-          <a:lstStyle/>
-          <a:p>
-            <a:r>
-              <a:rPr lang="en-US" dirty="0" smtClean="0"/>
-              <a:t>The point we choose remains the same</a:t>
-            </a:r>
-            <a:endParaRPr lang="en-US" dirty="0"/>
-          </a:p>
-        </p:txBody>
-      </p:sp>
-      <p:cxnSp>
-        <p:nvCxnSpPr>
-          <p:cNvPr id="13" name="Straight Arrow Connector 12"/>
-          <p:cNvCxnSpPr/>
-          <p:nvPr/>
-        </p:nvCxnSpPr>
-        <p:spPr>
-          <a:xfrm>
-            <a:off x="8410575" y="1690688"/>
-            <a:ext cx="238125" cy="747712"/>
-          </a:xfrm>
-          <a:prstGeom prst="straightConnector1">
-            <a:avLst/>
-          </a:prstGeom>
-          <a:ln w="57150">
-            <a:tailEnd type="triangle"/>
-          </a:ln>
-        </p:spPr>
-        <p:style>
-          <a:lnRef idx="3">
-            <a:schemeClr val="accent1"/>
-          </a:lnRef>
-          <a:fillRef idx="0">
-            <a:schemeClr val="accent1"/>
-          </a:fillRef>
-          <a:effectRef idx="2">
-            <a:schemeClr val="accent1"/>
-          </a:effectRef>
-          <a:fontRef idx="minor">
-            <a:schemeClr val="tx1"/>
-          </a:fontRef>
-        </p:style>
-      </p:cxnSp>
-      <p:cxnSp>
-        <p:nvCxnSpPr>
-          <p:cNvPr id="15" name="Straight Arrow Connector 14"/>
-          <p:cNvCxnSpPr/>
-          <p:nvPr/>
-        </p:nvCxnSpPr>
-        <p:spPr>
-          <a:xfrm>
-            <a:off x="1390650" y="4150133"/>
-            <a:ext cx="1200150" cy="512572"/>
-          </a:xfrm>
-          <a:prstGeom prst="straightConnector1">
-            <a:avLst/>
-          </a:prstGeom>
-          <a:ln w="57150">
-            <a:tailEnd type="triangle"/>
-          </a:ln>
-        </p:spPr>
-        <p:style>
-          <a:lnRef idx="3">
-            <a:schemeClr val="accent1"/>
-          </a:lnRef>
-          <a:fillRef idx="0">
-            <a:schemeClr val="accent1"/>
-          </a:fillRef>
-          <a:effectRef idx="2">
-            <a:schemeClr val="accent1"/>
-          </a:effectRef>
-          <a:fontRef idx="minor">
-            <a:schemeClr val="tx1"/>
-          </a:fontRef>
-        </p:style>
-      </p:cxnSp>
-      <p:sp>
-        <p:nvSpPr>
-          <p:cNvPr id="19" name="TextBox 18"/>
-          <p:cNvSpPr txBox="1"/>
-          <p:nvPr/>
-        </p:nvSpPr>
-        <p:spPr>
-          <a:xfrm>
-            <a:off x="6629400" y="3555077"/>
-            <a:ext cx="3705225" cy="369332"/>
-          </a:xfrm>
-          <a:prstGeom prst="rect">
-            <a:avLst/>
-          </a:prstGeom>
-          <a:noFill/>
-        </p:spPr>
-        <p:txBody>
-          <a:bodyPr wrap="square" rtlCol="0">
-            <a:spAutoFit/>
-          </a:bodyPr>
-          <a:lstStyle/>
-          <a:p>
-            <a:r>
-              <a:rPr lang="en-US" dirty="0" smtClean="0"/>
-              <a:t>The eigenvalues are not equal</a:t>
-            </a:r>
-            <a:endParaRPr lang="en-US" dirty="0"/>
-          </a:p>
-        </p:txBody>
-      </p:sp>
-      <p:cxnSp>
-        <p:nvCxnSpPr>
-          <p:cNvPr id="20" name="Straight Arrow Connector 19"/>
-          <p:cNvCxnSpPr/>
-          <p:nvPr/>
-        </p:nvCxnSpPr>
-        <p:spPr>
-          <a:xfrm>
-            <a:off x="7743825" y="3973170"/>
-            <a:ext cx="1200150" cy="512572"/>
-          </a:xfrm>
-          <a:prstGeom prst="straightConnector1">
-            <a:avLst/>
-          </a:prstGeom>
-          <a:ln w="57150">
-            <a:tailEnd type="triangle"/>
-          </a:ln>
-        </p:spPr>
-        <p:style>
-          <a:lnRef idx="3">
-            <a:schemeClr val="accent1"/>
-          </a:lnRef>
-          <a:fillRef idx="0">
-            <a:schemeClr val="accent1"/>
-          </a:fillRef>
-          <a:effectRef idx="2">
-            <a:schemeClr val="accent1"/>
-          </a:effectRef>
-          <a:fontRef idx="minor">
-            <a:schemeClr val="tx1"/>
-          </a:fontRef>
-        </p:style>
-      </p:cxnSp>
-    </p:spTree>
-    <p:extLst>
-      <p:ext uri="{BB962C8B-B14F-4D97-AF65-F5344CB8AC3E}">
-        <p14:creationId xmlns:p14="http://schemas.microsoft.com/office/powerpoint/2010/main" val="4210701173"/>
       </p:ext>
     </p:extLst>
   </p:cSld>

--- a/Presentation.pptx
+++ b/Presentation.pptx
@@ -5187,15 +5187,11 @@
             </a:r>
             <a:r>
               <a:rPr lang="en-US" dirty="0" smtClean="0"/>
-              <a:t>Laplacian Beltrami </a:t>
-            </a:r>
-            <a:r>
-              <a:rPr lang="en-US" dirty="0" err="1" smtClean="0"/>
-              <a:t>propreties</a:t>
-            </a:r>
-            <a:r>
-              <a:rPr lang="en-US" dirty="0" smtClean="0"/>
-              <a:t> </a:t>
+              <a:t>Laplacian </a:t>
+            </a:r>
+            <a:r>
+              <a:rPr lang="en-US" smtClean="0"/>
+              <a:t>Beltrami properties </a:t>
             </a:r>
             <a:endParaRPr lang="en-US" dirty="0"/>
           </a:p>
@@ -5220,23 +5216,6 @@
               <a:p>
                 <a14:m>
                   <m:oMath xmlns:m="http://schemas.openxmlformats.org/officeDocument/2006/math">
-                    <a:fld id="{35948721-5E93-4450-98AB-54258C0F0040}" type="mathplaceholder">
-                      <a:rPr lang="en-US" b="0" i="1" smtClean="0">
-                        <a:latin typeface="Cambria Math" panose="02040503050406030204" pitchFamily="18" charset="0"/>
-                        <a:ea typeface="Cambria Math" panose="02040503050406030204" pitchFamily="18" charset="0"/>
-                      </a:rPr>
-                      <a:t>Type equation here.</a:t>
-                    </a:fld>
-                  </m:oMath>
-                </a14:m>
-                <a:endParaRPr lang="en-US" b="0" i="1" dirty="0" smtClean="0">
-                  <a:latin typeface="Cambria Math" panose="02040503050406030204" pitchFamily="18" charset="0"/>
-                  <a:ea typeface="Cambria Math" panose="02040503050406030204" pitchFamily="18" charset="0"/>
-                </a:endParaRPr>
-              </a:p>
-              <a:p>
-                <a14:m>
-                  <m:oMath xmlns:m="http://schemas.openxmlformats.org/officeDocument/2006/math">
                     <m:sSub>
                       <m:sSubPr>
                         <m:ctrlPr>
@@ -5366,15 +5345,7 @@
               <a:p>
                 <a:r>
                   <a:rPr lang="en-US" dirty="0" smtClean="0"/>
-                  <a:t>Eigenvalues of the </a:t>
-                </a:r>
-                <a:r>
-                  <a:rPr lang="en-US" dirty="0" err="1" smtClean="0"/>
-                  <a:t>laplacian</a:t>
-                </a:r>
-                <a:r>
-                  <a:rPr lang="en-US" dirty="0" smtClean="0"/>
-                  <a:t> corresponding to the frequencies </a:t>
+                  <a:t>Eigenvalues of the Laplacian corresponding to the frequencies </a:t>
                 </a:r>
               </a:p>
               <a:p>
@@ -5394,15 +5365,7 @@
               <a:p>
                 <a:r>
                   <a:rPr lang="en-US" dirty="0" smtClean="0"/>
-                  <a:t>The </a:t>
-                </a:r>
-                <a:r>
-                  <a:rPr lang="en-US" dirty="0" err="1" smtClean="0"/>
-                  <a:t>laplacian</a:t>
-                </a:r>
-                <a:r>
-                  <a:rPr lang="en-US" dirty="0" smtClean="0"/>
-                  <a:t> Beltrami is isometry invariant</a:t>
+                  <a:t>The Laplacian Beltrami is isometry invariant</a:t>
                 </a:r>
               </a:p>
             </p:txBody>

--- a/Presentation.pptx
+++ b/Presentation.pptx
@@ -11,14 +11,15 @@
     <p:sldId id="272" r:id="rId5"/>
     <p:sldId id="259" r:id="rId6"/>
     <p:sldId id="261" r:id="rId7"/>
-    <p:sldId id="262" r:id="rId8"/>
-    <p:sldId id="263" r:id="rId9"/>
-    <p:sldId id="264" r:id="rId10"/>
-    <p:sldId id="269" r:id="rId11"/>
-    <p:sldId id="266" r:id="rId12"/>
-    <p:sldId id="270" r:id="rId13"/>
-    <p:sldId id="268" r:id="rId14"/>
-    <p:sldId id="271" r:id="rId15"/>
+    <p:sldId id="273" r:id="rId8"/>
+    <p:sldId id="262" r:id="rId9"/>
+    <p:sldId id="263" r:id="rId10"/>
+    <p:sldId id="264" r:id="rId11"/>
+    <p:sldId id="269" r:id="rId12"/>
+    <p:sldId id="266" r:id="rId13"/>
+    <p:sldId id="270" r:id="rId14"/>
+    <p:sldId id="268" r:id="rId15"/>
+    <p:sldId id="271" r:id="rId16"/>
   </p:sldIdLst>
   <p:sldSz cx="12192000" cy="6858000"/>
   <p:notesSz cx="6858000" cy="9144000"/>
@@ -3071,7 +3072,7 @@
         </p:blipFill>
         <p:spPr>
           <a:xfrm>
-            <a:off x="5781166" y="3687516"/>
+            <a:off x="4228591" y="3030291"/>
             <a:ext cx="3648075" cy="3019425"/>
           </a:xfrm>
           <a:prstGeom prst="rect">
@@ -3100,6 +3101,571 @@
 </file>
 
 <file path=ppt/slides/slide10.xml><?xml version="1.0" encoding="utf-8"?>
+<p:sld xmlns:a="http://schemas.openxmlformats.org/drawingml/2006/main" xmlns:r="http://schemas.openxmlformats.org/officeDocument/2006/relationships" xmlns:p="http://schemas.openxmlformats.org/presentationml/2006/main">
+  <p:cSld>
+    <p:spTree>
+      <p:nvGrpSpPr>
+        <p:cNvPr id="1" name=""/>
+        <p:cNvGrpSpPr/>
+        <p:nvPr/>
+      </p:nvGrpSpPr>
+      <p:grpSpPr>
+        <a:xfrm>
+          <a:off x="0" y="0"/>
+          <a:ext cx="0" cy="0"/>
+          <a:chOff x="0" y="0"/>
+          <a:chExt cx="0" cy="0"/>
+        </a:xfrm>
+      </p:grpSpPr>
+      <p:sp>
+        <p:nvSpPr>
+          <p:cNvPr id="2" name="Title 1"/>
+          <p:cNvSpPr>
+            <a:spLocks noGrp="1"/>
+          </p:cNvSpPr>
+          <p:nvPr>
+            <p:ph type="title"/>
+          </p:nvPr>
+        </p:nvSpPr>
+        <p:spPr/>
+        <p:txBody>
+          <a:bodyPr/>
+          <a:lstStyle/>
+          <a:p>
+            <a:r>
+              <a:rPr lang="en-US" dirty="0" smtClean="0"/>
+              <a:t>Background-</a:t>
+            </a:r>
+            <a:r>
+              <a:rPr lang="en-US" dirty="0" err="1" smtClean="0"/>
+              <a:t>Hemiltonian</a:t>
+            </a:r>
+            <a:r>
+              <a:rPr lang="en-US" dirty="0" smtClean="0"/>
+              <a:t> </a:t>
+            </a:r>
+            <a:endParaRPr lang="en-US" dirty="0"/>
+          </a:p>
+        </p:txBody>
+      </p:sp>
+      <mc:AlternateContent xmlns:mc="http://schemas.openxmlformats.org/markup-compatibility/2006">
+        <mc:Choice xmlns:a14="http://schemas.microsoft.com/office/drawing/2010/main" Requires="a14">
+          <p:sp>
+            <p:nvSpPr>
+              <p:cNvPr id="3" name="Content Placeholder 2"/>
+              <p:cNvSpPr>
+                <a:spLocks noGrp="1"/>
+              </p:cNvSpPr>
+              <p:nvPr>
+                <p:ph idx="1"/>
+              </p:nvPr>
+            </p:nvSpPr>
+            <p:spPr/>
+            <p:txBody>
+              <a:bodyPr>
+                <a:normAutofit/>
+              </a:bodyPr>
+              <a:lstStyle/>
+              <a:p>
+                <a14:m>
+                  <m:oMath xmlns:m="http://schemas.openxmlformats.org/officeDocument/2006/math">
+                    <m:sSub>
+                      <m:sSubPr>
+                        <m:ctrlPr>
+                          <a:rPr lang="en-US" b="0" i="1" smtClean="0">
+                            <a:latin typeface="Cambria Math" panose="02040503050406030204" pitchFamily="18" charset="0"/>
+                          </a:rPr>
+                        </m:ctrlPr>
+                      </m:sSubPr>
+                      <m:e>
+                        <m:r>
+                          <a:rPr lang="en-US" b="0" i="1" smtClean="0">
+                            <a:latin typeface="Cambria Math" panose="02040503050406030204" pitchFamily="18" charset="0"/>
+                          </a:rPr>
+                          <m:t>𝜆</m:t>
+                        </m:r>
+                      </m:e>
+                      <m:sub>
+                        <m:r>
+                          <a:rPr lang="en-US" b="0" i="1" smtClean="0">
+                            <a:latin typeface="Cambria Math" panose="02040503050406030204" pitchFamily="18" charset="0"/>
+                          </a:rPr>
+                          <m:t>𝑖</m:t>
+                        </m:r>
+                      </m:sub>
+                    </m:sSub>
+                  </m:oMath>
+                </a14:m>
+                <a:r>
+                  <a:rPr lang="en-US" dirty="0" smtClean="0"/>
+                  <a:t> is the eigenvalue of the </a:t>
+                </a:r>
+                <a:r>
+                  <a:rPr lang="en-US" dirty="0" err="1" smtClean="0"/>
+                  <a:t>Hemiltonian</a:t>
+                </a:r>
+                <a:endParaRPr lang="en-US" dirty="0"/>
+              </a:p>
+              <a:p>
+                <a14:m>
+                  <m:oMath xmlns:m="http://schemas.openxmlformats.org/officeDocument/2006/math">
+                    <m:sSub>
+                      <m:sSubPr>
+                        <m:ctrlPr>
+                          <a:rPr lang="en-US" b="0" i="1" smtClean="0">
+                            <a:latin typeface="Cambria Math" panose="02040503050406030204" pitchFamily="18" charset="0"/>
+                          </a:rPr>
+                        </m:ctrlPr>
+                      </m:sSubPr>
+                      <m:e>
+                        <m:r>
+                          <a:rPr lang="en-US" b="0" i="1" smtClean="0">
+                            <a:latin typeface="Cambria Math" panose="02040503050406030204" pitchFamily="18" charset="0"/>
+                          </a:rPr>
+                          <m:t>𝜇</m:t>
+                        </m:r>
+                      </m:e>
+                      <m:sub>
+                        <m:r>
+                          <a:rPr lang="en-US" b="0" i="1" smtClean="0">
+                            <a:latin typeface="Cambria Math" panose="02040503050406030204" pitchFamily="18" charset="0"/>
+                          </a:rPr>
+                          <m:t>𝑖</m:t>
+                        </m:r>
+                      </m:sub>
+                    </m:sSub>
+                  </m:oMath>
+                </a14:m>
+                <a:r>
+                  <a:rPr lang="en-US" dirty="0" smtClean="0"/>
+                  <a:t> is the eigenvalue of the partial </a:t>
+                </a:r>
+              </a:p>
+              <a:p>
+                <a14:m>
+                  <m:oMath xmlns:m="http://schemas.openxmlformats.org/officeDocument/2006/math">
+                    <m:sSub>
+                      <m:sSubPr>
+                        <m:ctrlPr>
+                          <a:rPr lang="en-US" b="0" i="1" smtClean="0">
+                            <a:latin typeface="Cambria Math" panose="02040503050406030204" pitchFamily="18" charset="0"/>
+                          </a:rPr>
+                        </m:ctrlPr>
+                      </m:sSubPr>
+                      <m:e>
+                        <m:r>
+                          <a:rPr lang="en-IL" b="0" i="1" smtClean="0">
+                            <a:latin typeface="Cambria Math" panose="02040503050406030204" pitchFamily="18" charset="0"/>
+                            <a:ea typeface="Cambria Math" panose="02040503050406030204" pitchFamily="18" charset="0"/>
+                          </a:rPr>
+                          <m:t>𝜓</m:t>
+                        </m:r>
+                      </m:e>
+                      <m:sub>
+                        <m:r>
+                          <a:rPr lang="en-US" b="0" i="1" smtClean="0">
+                            <a:latin typeface="Cambria Math" panose="02040503050406030204" pitchFamily="18" charset="0"/>
+                          </a:rPr>
+                          <m:t>𝑖</m:t>
+                        </m:r>
+                      </m:sub>
+                    </m:sSub>
+                  </m:oMath>
+                </a14:m>
+                <a:r>
+                  <a:rPr lang="en-US" dirty="0" smtClean="0"/>
+                  <a:t> is the eigenvalue of the </a:t>
+                </a:r>
+                <a:r>
+                  <a:rPr lang="en-US" dirty="0" err="1" smtClean="0"/>
+                  <a:t>Hemiltonian</a:t>
+                </a:r>
+                <a:endParaRPr lang="en-US" dirty="0" smtClean="0"/>
+              </a:p>
+              <a:p>
+                <a14:m>
+                  <m:oMath xmlns:m="http://schemas.openxmlformats.org/officeDocument/2006/math">
+                    <m:sSub>
+                      <m:sSubPr>
+                        <m:ctrlPr>
+                          <a:rPr lang="en-US" b="0" i="1" smtClean="0">
+                            <a:latin typeface="Cambria Math" panose="02040503050406030204" pitchFamily="18" charset="0"/>
+                          </a:rPr>
+                        </m:ctrlPr>
+                      </m:sSubPr>
+                      <m:e>
+                        <m:r>
+                          <a:rPr lang="en-US" b="0" i="1" smtClean="0">
+                            <a:latin typeface="Cambria Math" panose="02040503050406030204" pitchFamily="18" charset="0"/>
+                          </a:rPr>
+                          <m:t>𝜙</m:t>
+                        </m:r>
+                      </m:e>
+                      <m:sub>
+                        <m:r>
+                          <a:rPr lang="en-US" b="0" i="1" smtClean="0">
+                            <a:latin typeface="Cambria Math" panose="02040503050406030204" pitchFamily="18" charset="0"/>
+                          </a:rPr>
+                          <m:t>𝑖</m:t>
+                        </m:r>
+                      </m:sub>
+                    </m:sSub>
+                  </m:oMath>
+                </a14:m>
+                <a:r>
+                  <a:rPr lang="en-US" dirty="0" smtClean="0"/>
+                  <a:t> is the eigenvalue of the partial</a:t>
+                </a:r>
+              </a:p>
+              <a:p>
+                <a14:m>
+                  <m:oMath xmlns:m="http://schemas.openxmlformats.org/officeDocument/2006/math">
+                    <m:sSub>
+                      <m:sSubPr>
+                        <m:ctrlPr>
+                          <a:rPr lang="en-US" b="0" i="1" smtClean="0">
+                            <a:latin typeface="Cambria Math" panose="02040503050406030204" pitchFamily="18" charset="0"/>
+                          </a:rPr>
+                        </m:ctrlPr>
+                      </m:sSubPr>
+                      <m:e>
+                        <m:r>
+                          <a:rPr lang="en-US" b="0" i="1" smtClean="0">
+                            <a:latin typeface="Cambria Math" panose="02040503050406030204" pitchFamily="18" charset="0"/>
+                          </a:rPr>
+                          <m:t>𝜆</m:t>
+                        </m:r>
+                      </m:e>
+                      <m:sub>
+                        <m:r>
+                          <a:rPr lang="en-US" b="0" i="1" smtClean="0">
+                            <a:latin typeface="Cambria Math" panose="02040503050406030204" pitchFamily="18" charset="0"/>
+                          </a:rPr>
+                          <m:t>𝑖</m:t>
+                        </m:r>
+                      </m:sub>
+                    </m:sSub>
+                    <m:sSub>
+                      <m:sSubPr>
+                        <m:ctrlPr>
+                          <a:rPr lang="en-US" b="0" i="1" smtClean="0">
+                            <a:latin typeface="Cambria Math" panose="02040503050406030204" pitchFamily="18" charset="0"/>
+                          </a:rPr>
+                        </m:ctrlPr>
+                      </m:sSubPr>
+                      <m:e>
+                        <m:r>
+                          <a:rPr lang="en-IL" b="0" i="1" smtClean="0">
+                            <a:latin typeface="Cambria Math" panose="02040503050406030204" pitchFamily="18" charset="0"/>
+                            <a:ea typeface="Cambria Math" panose="02040503050406030204" pitchFamily="18" charset="0"/>
+                          </a:rPr>
+                          <m:t>𝜓</m:t>
+                        </m:r>
+                      </m:e>
+                      <m:sub>
+                        <m:r>
+                          <a:rPr lang="en-US" b="0" i="1" smtClean="0">
+                            <a:latin typeface="Cambria Math" panose="02040503050406030204" pitchFamily="18" charset="0"/>
+                          </a:rPr>
+                          <m:t>𝑖</m:t>
+                        </m:r>
+                      </m:sub>
+                    </m:sSub>
+                    <m:r>
+                      <a:rPr lang="en-US" b="0" i="1" smtClean="0">
+                        <a:latin typeface="Cambria Math" panose="02040503050406030204" pitchFamily="18" charset="0"/>
+                      </a:rPr>
+                      <m:t>=</m:t>
+                    </m:r>
+                    <m:d>
+                      <m:dPr>
+                        <m:ctrlPr>
+                          <a:rPr lang="en-US" b="0" i="1" smtClean="0">
+                            <a:latin typeface="Cambria Math" panose="02040503050406030204" pitchFamily="18" charset="0"/>
+                            <a:ea typeface="Cambria Math" panose="02040503050406030204" pitchFamily="18" charset="0"/>
+                          </a:rPr>
+                        </m:ctrlPr>
+                      </m:dPr>
+                      <m:e>
+                        <m:sSub>
+                          <m:sSubPr>
+                            <m:ctrlPr>
+                              <a:rPr lang="en-US" b="0" i="1" smtClean="0">
+                                <a:latin typeface="Cambria Math" panose="02040503050406030204" pitchFamily="18" charset="0"/>
+                                <a:ea typeface="Cambria Math" panose="02040503050406030204" pitchFamily="18" charset="0"/>
+                              </a:rPr>
+                            </m:ctrlPr>
+                          </m:sSubPr>
+                          <m:e>
+                            <m:r>
+                              <a:rPr lang="en-IL" b="0" i="1" smtClean="0">
+                                <a:latin typeface="Cambria Math" panose="02040503050406030204" pitchFamily="18" charset="0"/>
+                                <a:ea typeface="Cambria Math" panose="02040503050406030204" pitchFamily="18" charset="0"/>
+                              </a:rPr>
+                              <m:t>∆</m:t>
+                            </m:r>
+                          </m:e>
+                          <m:sub>
+                            <m:r>
+                              <a:rPr lang="en-US" b="0" i="1" smtClean="0">
+                                <a:latin typeface="Cambria Math" panose="02040503050406030204" pitchFamily="18" charset="0"/>
+                                <a:ea typeface="Cambria Math" panose="02040503050406030204" pitchFamily="18" charset="0"/>
+                              </a:rPr>
+                              <m:t>𝑥</m:t>
+                            </m:r>
+                          </m:sub>
+                        </m:sSub>
+                        <m:r>
+                          <a:rPr lang="en-US" b="0" i="1" smtClean="0">
+                            <a:latin typeface="Cambria Math" panose="02040503050406030204" pitchFamily="18" charset="0"/>
+                            <a:ea typeface="Cambria Math" panose="02040503050406030204" pitchFamily="18" charset="0"/>
+                          </a:rPr>
+                          <m:t>+</m:t>
+                        </m:r>
+                        <m:sSub>
+                          <m:sSubPr>
+                            <m:ctrlPr>
+                              <a:rPr lang="en-US" b="0" i="1" smtClean="0">
+                                <a:latin typeface="Cambria Math" panose="02040503050406030204" pitchFamily="18" charset="0"/>
+                                <a:ea typeface="Cambria Math" panose="02040503050406030204" pitchFamily="18" charset="0"/>
+                              </a:rPr>
+                            </m:ctrlPr>
+                          </m:sSubPr>
+                          <m:e>
+                            <m:r>
+                              <a:rPr lang="en-US" b="0" i="1" smtClean="0">
+                                <a:latin typeface="Cambria Math" panose="02040503050406030204" pitchFamily="18" charset="0"/>
+                                <a:ea typeface="Cambria Math" panose="02040503050406030204" pitchFamily="18" charset="0"/>
+                              </a:rPr>
+                              <m:t>𝑣</m:t>
+                            </m:r>
+                          </m:e>
+                          <m:sub>
+                            <m:r>
+                              <a:rPr lang="en-US" b="0" i="1" smtClean="0">
+                                <a:latin typeface="Cambria Math" panose="02040503050406030204" pitchFamily="18" charset="0"/>
+                                <a:ea typeface="Cambria Math" panose="02040503050406030204" pitchFamily="18" charset="0"/>
+                              </a:rPr>
+                              <m:t>𝜏</m:t>
+                            </m:r>
+                          </m:sub>
+                        </m:sSub>
+                      </m:e>
+                    </m:d>
+                    <m:sSub>
+                      <m:sSubPr>
+                        <m:ctrlPr>
+                          <a:rPr lang="en-US" b="0" i="1" smtClean="0">
+                            <a:latin typeface="Cambria Math" panose="02040503050406030204" pitchFamily="18" charset="0"/>
+                          </a:rPr>
+                        </m:ctrlPr>
+                      </m:sSubPr>
+                      <m:e>
+                        <m:r>
+                          <a:rPr lang="en-IL" b="0" i="1" smtClean="0">
+                            <a:latin typeface="Cambria Math" panose="02040503050406030204" pitchFamily="18" charset="0"/>
+                            <a:ea typeface="Cambria Math" panose="02040503050406030204" pitchFamily="18" charset="0"/>
+                          </a:rPr>
+                          <m:t>𝜓</m:t>
+                        </m:r>
+                      </m:e>
+                      <m:sub>
+                        <m:r>
+                          <a:rPr lang="en-US" b="0" i="1" smtClean="0">
+                            <a:latin typeface="Cambria Math" panose="02040503050406030204" pitchFamily="18" charset="0"/>
+                          </a:rPr>
+                          <m:t>𝑖</m:t>
+                        </m:r>
+                      </m:sub>
+                    </m:sSub>
+                    <m:r>
+                      <a:rPr lang="en-US" b="0" i="1" smtClean="0">
+                        <a:latin typeface="Cambria Math" panose="02040503050406030204" pitchFamily="18" charset="0"/>
+                      </a:rPr>
+                      <m:t>=</m:t>
+                    </m:r>
+                    <m:sSub>
+                      <m:sSubPr>
+                        <m:ctrlPr>
+                          <a:rPr lang="en-US" b="0" i="1" smtClean="0">
+                            <a:latin typeface="Cambria Math" panose="02040503050406030204" pitchFamily="18" charset="0"/>
+                            <a:ea typeface="Cambria Math" panose="02040503050406030204" pitchFamily="18" charset="0"/>
+                          </a:rPr>
+                        </m:ctrlPr>
+                      </m:sSubPr>
+                      <m:e>
+                        <m:r>
+                          <a:rPr lang="en-IL" b="0" i="1" smtClean="0">
+                            <a:latin typeface="Cambria Math" panose="02040503050406030204" pitchFamily="18" charset="0"/>
+                            <a:ea typeface="Cambria Math" panose="02040503050406030204" pitchFamily="18" charset="0"/>
+                          </a:rPr>
+                          <m:t>∆</m:t>
+                        </m:r>
+                      </m:e>
+                      <m:sub>
+                        <m:r>
+                          <a:rPr lang="en-US" b="0" i="1" smtClean="0">
+                            <a:latin typeface="Cambria Math" panose="02040503050406030204" pitchFamily="18" charset="0"/>
+                            <a:ea typeface="Cambria Math" panose="02040503050406030204" pitchFamily="18" charset="0"/>
+                          </a:rPr>
+                          <m:t>𝑅</m:t>
+                        </m:r>
+                      </m:sub>
+                    </m:sSub>
+                    <m:sSub>
+                      <m:sSubPr>
+                        <m:ctrlPr>
+                          <a:rPr lang="en-US" b="0" i="1" smtClean="0">
+                            <a:latin typeface="Cambria Math" panose="02040503050406030204" pitchFamily="18" charset="0"/>
+                          </a:rPr>
+                        </m:ctrlPr>
+                      </m:sSubPr>
+                      <m:e>
+                        <m:r>
+                          <a:rPr lang="en-IL" b="0" i="1" smtClean="0">
+                            <a:latin typeface="Cambria Math" panose="02040503050406030204" pitchFamily="18" charset="0"/>
+                            <a:ea typeface="Cambria Math" panose="02040503050406030204" pitchFamily="18" charset="0"/>
+                          </a:rPr>
+                          <m:t>𝜓</m:t>
+                        </m:r>
+                      </m:e>
+                      <m:sub>
+                        <m:r>
+                          <a:rPr lang="en-US" b="0" i="1" smtClean="0">
+                            <a:latin typeface="Cambria Math" panose="02040503050406030204" pitchFamily="18" charset="0"/>
+                          </a:rPr>
+                          <m:t>𝑖</m:t>
+                        </m:r>
+                      </m:sub>
+                    </m:sSub>
+                    <m:r>
+                      <a:rPr lang="en-US" b="0" i="1" smtClean="0">
+                        <a:latin typeface="Cambria Math" panose="02040503050406030204" pitchFamily="18" charset="0"/>
+                      </a:rPr>
+                      <m:t>=</m:t>
+                    </m:r>
+                    <m:sSub>
+                      <m:sSubPr>
+                        <m:ctrlPr>
+                          <a:rPr lang="en-US" b="0" i="1" smtClean="0">
+                            <a:latin typeface="Cambria Math" panose="02040503050406030204" pitchFamily="18" charset="0"/>
+                          </a:rPr>
+                        </m:ctrlPr>
+                      </m:sSubPr>
+                      <m:e>
+                        <m:r>
+                          <a:rPr lang="en-US" b="0" i="1" smtClean="0">
+                            <a:latin typeface="Cambria Math" panose="02040503050406030204" pitchFamily="18" charset="0"/>
+                          </a:rPr>
+                          <m:t>𝜇</m:t>
+                        </m:r>
+                      </m:e>
+                      <m:sub>
+                        <m:r>
+                          <a:rPr lang="en-US" b="0" i="1" smtClean="0">
+                            <a:latin typeface="Cambria Math" panose="02040503050406030204" pitchFamily="18" charset="0"/>
+                          </a:rPr>
+                          <m:t>𝑖</m:t>
+                        </m:r>
+                      </m:sub>
+                    </m:sSub>
+                    <m:sSub>
+                      <m:sSubPr>
+                        <m:ctrlPr>
+                          <a:rPr lang="en-US" b="0" i="1" smtClean="0">
+                            <a:latin typeface="Cambria Math" panose="02040503050406030204" pitchFamily="18" charset="0"/>
+                          </a:rPr>
+                        </m:ctrlPr>
+                      </m:sSubPr>
+                      <m:e>
+                        <m:r>
+                          <a:rPr lang="en-US" b="0" i="1" smtClean="0">
+                            <a:latin typeface="Cambria Math" panose="02040503050406030204" pitchFamily="18" charset="0"/>
+                          </a:rPr>
+                          <m:t>𝜙</m:t>
+                        </m:r>
+                      </m:e>
+                      <m:sub>
+                        <m:r>
+                          <a:rPr lang="en-US" b="0" i="1" smtClean="0">
+                            <a:latin typeface="Cambria Math" panose="02040503050406030204" pitchFamily="18" charset="0"/>
+                          </a:rPr>
+                          <m:t>𝑖</m:t>
+                        </m:r>
+                      </m:sub>
+                    </m:sSub>
+                  </m:oMath>
+                </a14:m>
+                <a:r>
+                  <a:rPr lang="en-US" dirty="0" smtClean="0"/>
+                  <a:t> </a:t>
+                </a:r>
+              </a:p>
+              <a:p>
+                <a:pPr lvl="1"/>
+                <a:r>
+                  <a:rPr lang="en-US" dirty="0" smtClean="0"/>
+                  <a:t>Same eigenvalues !</a:t>
+                </a:r>
+              </a:p>
+            </p:txBody>
+          </p:sp>
+        </mc:Choice>
+        <mc:Fallback>
+          <p:sp>
+            <p:nvSpPr>
+              <p:cNvPr id="3" name="Content Placeholder 2"/>
+              <p:cNvSpPr>
+                <a:spLocks noGrp="1" noRot="1" noChangeAspect="1" noMove="1" noResize="1" noEditPoints="1" noAdjustHandles="1" noChangeArrowheads="1" noChangeShapeType="1" noTextEdit="1"/>
+              </p:cNvSpPr>
+              <p:nvPr>
+                <p:ph idx="1"/>
+              </p:nvPr>
+            </p:nvSpPr>
+            <p:spPr>
+              <a:blipFill>
+                <a:blip r:embed="rId2"/>
+                <a:stretch>
+                  <a:fillRect t="-2241"/>
+                </a:stretch>
+              </a:blipFill>
+            </p:spPr>
+            <p:txBody>
+              <a:bodyPr/>
+              <a:lstStyle/>
+              <a:p>
+                <a:r>
+                  <a:rPr lang="en-US">
+                    <a:noFill/>
+                  </a:rPr>
+                  <a:t> </a:t>
+                </a:r>
+              </a:p>
+            </p:txBody>
+          </p:sp>
+        </mc:Fallback>
+      </mc:AlternateContent>
+    </p:spTree>
+    <p:extLst>
+      <p:ext uri="{BB962C8B-B14F-4D97-AF65-F5344CB8AC3E}">
+        <p14:creationId xmlns:p14="http://schemas.microsoft.com/office/powerpoint/2010/main" val="3624126027"/>
+      </p:ext>
+    </p:extLst>
+  </p:cSld>
+  <p:clrMapOvr>
+    <a:masterClrMapping/>
+  </p:clrMapOvr>
+  <p:timing>
+    <p:tnLst>
+      <p:par>
+        <p:cTn id="1" dur="indefinite" restart="never" nodeType="tmRoot"/>
+      </p:par>
+    </p:tnLst>
+  </p:timing>
+</p:sld>
+</file>
+
+<file path=ppt/slides/slide11.xml><?xml version="1.0" encoding="utf-8"?>
 <p:sld xmlns:a="http://schemas.openxmlformats.org/drawingml/2006/main" xmlns:r="http://schemas.openxmlformats.org/officeDocument/2006/relationships" xmlns:p="http://schemas.openxmlformats.org/presentationml/2006/main">
   <p:cSld>
     <p:spTree>
@@ -3431,6 +3997,52 @@
           </a:fontRef>
         </p:style>
       </p:cxnSp>
+      <p:sp>
+        <p:nvSpPr>
+          <p:cNvPr id="21" name="TextBox 20"/>
+          <p:cNvSpPr txBox="1"/>
+          <p:nvPr/>
+        </p:nvSpPr>
+        <p:spPr>
+          <a:xfrm>
+            <a:off x="6677024" y="5697690"/>
+            <a:ext cx="3705225" cy="923330"/>
+          </a:xfrm>
+          <a:prstGeom prst="rect">
+            <a:avLst/>
+          </a:prstGeom>
+          <a:noFill/>
+        </p:spPr>
+        <p:txBody>
+          <a:bodyPr wrap="square" rtlCol="0">
+            <a:spAutoFit/>
+          </a:bodyPr>
+          <a:lstStyle/>
+          <a:p>
+            <a:r>
+              <a:rPr lang="en-US" dirty="0" smtClean="0"/>
+              <a:t>Probably cause we don</a:t>
+            </a:r>
+            <a:r>
+              <a:rPr lang="en-IL" dirty="0" smtClean="0"/>
+              <a:t>’</a:t>
+            </a:r>
+            <a:r>
+              <a:rPr lang="en-US" dirty="0" smtClean="0"/>
+              <a:t>t use </a:t>
+            </a:r>
+            <a:r>
+              <a:rPr lang="en-US" dirty="0" err="1" smtClean="0"/>
+              <a:t>Dirichlet</a:t>
+            </a:r>
+            <a:r>
+              <a:rPr lang="en-US" dirty="0" smtClean="0"/>
+              <a:t> boundary condition with consideration to the potential v</a:t>
+            </a:r>
+            <a:endParaRPr lang="en-US" dirty="0"/>
+          </a:p>
+        </p:txBody>
+      </p:sp>
     </p:spTree>
     <p:extLst>
       <p:ext uri="{BB962C8B-B14F-4D97-AF65-F5344CB8AC3E}">
@@ -3444,14 +4056,377 @@
   <p:timing>
     <p:tnLst>
       <p:par>
-        <p:cTn id="1" dur="indefinite" restart="never" nodeType="tmRoot"/>
+        <p:cTn id="1" dur="indefinite" restart="never" nodeType="tmRoot">
+          <p:childTnLst>
+            <p:seq concurrent="1" nextAc="seek">
+              <p:cTn id="2" dur="indefinite" nodeType="mainSeq">
+                <p:childTnLst>
+                  <p:par>
+                    <p:cTn id="3" fill="hold">
+                      <p:stCondLst>
+                        <p:cond delay="indefinite"/>
+                      </p:stCondLst>
+                      <p:childTnLst>
+                        <p:par>
+                          <p:cTn id="4" fill="hold">
+                            <p:stCondLst>
+                              <p:cond delay="0"/>
+                            </p:stCondLst>
+                            <p:childTnLst>
+                              <p:par>
+                                <p:cTn id="5" presetID="1" presetClass="entr" presetSubtype="0" fill="hold" grpId="0" nodeType="clickEffect">
+                                  <p:stCondLst>
+                                    <p:cond delay="0"/>
+                                  </p:stCondLst>
+                                  <p:childTnLst>
+                                    <p:set>
+                                      <p:cBhvr>
+                                        <p:cTn id="6" dur="1" fill="hold">
+                                          <p:stCondLst>
+                                            <p:cond delay="0"/>
+                                          </p:stCondLst>
+                                        </p:cTn>
+                                        <p:tgtEl>
+                                          <p:spTgt spid="8"/>
+                                        </p:tgtEl>
+                                        <p:attrNameLst>
+                                          <p:attrName>style.visibility</p:attrName>
+                                        </p:attrNameLst>
+                                      </p:cBhvr>
+                                      <p:to>
+                                        <p:strVal val="visible"/>
+                                      </p:to>
+                                    </p:set>
+                                  </p:childTnLst>
+                                </p:cTn>
+                              </p:par>
+                              <p:par>
+                                <p:cTn id="7" presetID="1" presetClass="entr" presetSubtype="0" fill="hold" nodeType="withEffect">
+                                  <p:stCondLst>
+                                    <p:cond delay="0"/>
+                                  </p:stCondLst>
+                                  <p:childTnLst>
+                                    <p:set>
+                                      <p:cBhvr>
+                                        <p:cTn id="8" dur="1" fill="hold">
+                                          <p:stCondLst>
+                                            <p:cond delay="0"/>
+                                          </p:stCondLst>
+                                        </p:cTn>
+                                        <p:tgtEl>
+                                          <p:spTgt spid="7"/>
+                                        </p:tgtEl>
+                                        <p:attrNameLst>
+                                          <p:attrName>style.visibility</p:attrName>
+                                        </p:attrNameLst>
+                                      </p:cBhvr>
+                                      <p:to>
+                                        <p:strVal val="visible"/>
+                                      </p:to>
+                                    </p:set>
+                                  </p:childTnLst>
+                                </p:cTn>
+                              </p:par>
+                            </p:childTnLst>
+                          </p:cTn>
+                        </p:par>
+                      </p:childTnLst>
+                    </p:cTn>
+                  </p:par>
+                  <p:par>
+                    <p:cTn id="9" fill="hold">
+                      <p:stCondLst>
+                        <p:cond delay="indefinite"/>
+                      </p:stCondLst>
+                      <p:childTnLst>
+                        <p:par>
+                          <p:cTn id="10" fill="hold">
+                            <p:stCondLst>
+                              <p:cond delay="0"/>
+                            </p:stCondLst>
+                            <p:childTnLst>
+                              <p:par>
+                                <p:cTn id="11" presetID="1" presetClass="entr" presetSubtype="0" fill="hold" grpId="0" nodeType="clickEffect">
+                                  <p:stCondLst>
+                                    <p:cond delay="0"/>
+                                  </p:stCondLst>
+                                  <p:childTnLst>
+                                    <p:set>
+                                      <p:cBhvr>
+                                        <p:cTn id="12" dur="1" fill="hold">
+                                          <p:stCondLst>
+                                            <p:cond delay="0"/>
+                                          </p:stCondLst>
+                                        </p:cTn>
+                                        <p:tgtEl>
+                                          <p:spTgt spid="10"/>
+                                        </p:tgtEl>
+                                        <p:attrNameLst>
+                                          <p:attrName>style.visibility</p:attrName>
+                                        </p:attrNameLst>
+                                      </p:cBhvr>
+                                      <p:to>
+                                        <p:strVal val="visible"/>
+                                      </p:to>
+                                    </p:set>
+                                  </p:childTnLst>
+                                </p:cTn>
+                              </p:par>
+                              <p:par>
+                                <p:cTn id="13" presetID="1" presetClass="entr" presetSubtype="0" fill="hold" nodeType="withEffect">
+                                  <p:stCondLst>
+                                    <p:cond delay="0"/>
+                                  </p:stCondLst>
+                                  <p:childTnLst>
+                                    <p:set>
+                                      <p:cBhvr>
+                                        <p:cTn id="14" dur="1" fill="hold">
+                                          <p:stCondLst>
+                                            <p:cond delay="0"/>
+                                          </p:stCondLst>
+                                        </p:cTn>
+                                        <p:tgtEl>
+                                          <p:spTgt spid="13"/>
+                                        </p:tgtEl>
+                                        <p:attrNameLst>
+                                          <p:attrName>style.visibility</p:attrName>
+                                        </p:attrNameLst>
+                                      </p:cBhvr>
+                                      <p:to>
+                                        <p:strVal val="visible"/>
+                                      </p:to>
+                                    </p:set>
+                                  </p:childTnLst>
+                                </p:cTn>
+                              </p:par>
+                            </p:childTnLst>
+                          </p:cTn>
+                        </p:par>
+                      </p:childTnLst>
+                    </p:cTn>
+                  </p:par>
+                  <p:par>
+                    <p:cTn id="15" fill="hold">
+                      <p:stCondLst>
+                        <p:cond delay="indefinite"/>
+                      </p:stCondLst>
+                      <p:childTnLst>
+                        <p:par>
+                          <p:cTn id="16" fill="hold">
+                            <p:stCondLst>
+                              <p:cond delay="0"/>
+                            </p:stCondLst>
+                            <p:childTnLst>
+                              <p:par>
+                                <p:cTn id="17" presetID="1" presetClass="entr" presetSubtype="0" fill="hold" grpId="0" nodeType="clickEffect">
+                                  <p:stCondLst>
+                                    <p:cond delay="0"/>
+                                  </p:stCondLst>
+                                  <p:childTnLst>
+                                    <p:set>
+                                      <p:cBhvr>
+                                        <p:cTn id="18" dur="1" fill="hold">
+                                          <p:stCondLst>
+                                            <p:cond delay="0"/>
+                                          </p:stCondLst>
+                                        </p:cTn>
+                                        <p:tgtEl>
+                                          <p:spTgt spid="9"/>
+                                        </p:tgtEl>
+                                        <p:attrNameLst>
+                                          <p:attrName>style.visibility</p:attrName>
+                                        </p:attrNameLst>
+                                      </p:cBhvr>
+                                      <p:to>
+                                        <p:strVal val="visible"/>
+                                      </p:to>
+                                    </p:set>
+                                  </p:childTnLst>
+                                </p:cTn>
+                              </p:par>
+                              <p:par>
+                                <p:cTn id="19" presetID="1" presetClass="entr" presetSubtype="0" fill="hold" nodeType="withEffect">
+                                  <p:stCondLst>
+                                    <p:cond delay="0"/>
+                                  </p:stCondLst>
+                                  <p:childTnLst>
+                                    <p:set>
+                                      <p:cBhvr>
+                                        <p:cTn id="20" dur="1" fill="hold">
+                                          <p:stCondLst>
+                                            <p:cond delay="0"/>
+                                          </p:stCondLst>
+                                        </p:cTn>
+                                        <p:tgtEl>
+                                          <p:spTgt spid="15"/>
+                                        </p:tgtEl>
+                                        <p:attrNameLst>
+                                          <p:attrName>style.visibility</p:attrName>
+                                        </p:attrNameLst>
+                                      </p:cBhvr>
+                                      <p:to>
+                                        <p:strVal val="visible"/>
+                                      </p:to>
+                                    </p:set>
+                                  </p:childTnLst>
+                                </p:cTn>
+                              </p:par>
+                            </p:childTnLst>
+                          </p:cTn>
+                        </p:par>
+                      </p:childTnLst>
+                    </p:cTn>
+                  </p:par>
+                  <p:par>
+                    <p:cTn id="21" fill="hold">
+                      <p:stCondLst>
+                        <p:cond delay="indefinite"/>
+                      </p:stCondLst>
+                      <p:childTnLst>
+                        <p:par>
+                          <p:cTn id="22" fill="hold">
+                            <p:stCondLst>
+                              <p:cond delay="0"/>
+                            </p:stCondLst>
+                            <p:childTnLst>
+                              <p:par>
+                                <p:cTn id="23" presetID="1" presetClass="entr" presetSubtype="0" fill="hold" grpId="0" nodeType="clickEffect">
+                                  <p:stCondLst>
+                                    <p:cond delay="0"/>
+                                  </p:stCondLst>
+                                  <p:childTnLst>
+                                    <p:set>
+                                      <p:cBhvr>
+                                        <p:cTn id="24" dur="1" fill="hold">
+                                          <p:stCondLst>
+                                            <p:cond delay="0"/>
+                                          </p:stCondLst>
+                                        </p:cTn>
+                                        <p:tgtEl>
+                                          <p:spTgt spid="19"/>
+                                        </p:tgtEl>
+                                        <p:attrNameLst>
+                                          <p:attrName>style.visibility</p:attrName>
+                                        </p:attrNameLst>
+                                      </p:cBhvr>
+                                      <p:to>
+                                        <p:strVal val="visible"/>
+                                      </p:to>
+                                    </p:set>
+                                  </p:childTnLst>
+                                </p:cTn>
+                              </p:par>
+                              <p:par>
+                                <p:cTn id="25" presetID="1" presetClass="entr" presetSubtype="0" fill="hold" nodeType="withEffect">
+                                  <p:stCondLst>
+                                    <p:cond delay="0"/>
+                                  </p:stCondLst>
+                                  <p:childTnLst>
+                                    <p:set>
+                                      <p:cBhvr>
+                                        <p:cTn id="26" dur="1" fill="hold">
+                                          <p:stCondLst>
+                                            <p:cond delay="0"/>
+                                          </p:stCondLst>
+                                        </p:cTn>
+                                        <p:tgtEl>
+                                          <p:spTgt spid="20"/>
+                                        </p:tgtEl>
+                                        <p:attrNameLst>
+                                          <p:attrName>style.visibility</p:attrName>
+                                        </p:attrNameLst>
+                                      </p:cBhvr>
+                                      <p:to>
+                                        <p:strVal val="visible"/>
+                                      </p:to>
+                                    </p:set>
+                                  </p:childTnLst>
+                                </p:cTn>
+                              </p:par>
+                            </p:childTnLst>
+                          </p:cTn>
+                        </p:par>
+                      </p:childTnLst>
+                    </p:cTn>
+                  </p:par>
+                  <p:par>
+                    <p:cTn id="27" fill="hold">
+                      <p:stCondLst>
+                        <p:cond delay="indefinite"/>
+                      </p:stCondLst>
+                      <p:childTnLst>
+                        <p:par>
+                          <p:cTn id="28" fill="hold">
+                            <p:stCondLst>
+                              <p:cond delay="0"/>
+                            </p:stCondLst>
+                            <p:childTnLst>
+                              <p:par>
+                                <p:cTn id="29" presetID="1" presetClass="entr" presetSubtype="0" fill="hold" grpId="0" nodeType="clickEffect">
+                                  <p:stCondLst>
+                                    <p:cond delay="0"/>
+                                  </p:stCondLst>
+                                  <p:childTnLst>
+                                    <p:set>
+                                      <p:cBhvr>
+                                        <p:cTn id="30" dur="1" fill="hold">
+                                          <p:stCondLst>
+                                            <p:cond delay="0"/>
+                                          </p:stCondLst>
+                                        </p:cTn>
+                                        <p:tgtEl>
+                                          <p:spTgt spid="21"/>
+                                        </p:tgtEl>
+                                        <p:attrNameLst>
+                                          <p:attrName>style.visibility</p:attrName>
+                                        </p:attrNameLst>
+                                      </p:cBhvr>
+                                      <p:to>
+                                        <p:strVal val="visible"/>
+                                      </p:to>
+                                    </p:set>
+                                  </p:childTnLst>
+                                </p:cTn>
+                              </p:par>
+                            </p:childTnLst>
+                          </p:cTn>
+                        </p:par>
+                      </p:childTnLst>
+                    </p:cTn>
+                  </p:par>
+                </p:childTnLst>
+              </p:cTn>
+              <p:prevCondLst>
+                <p:cond evt="onPrev" delay="0">
+                  <p:tgtEl>
+                    <p:sldTgt/>
+                  </p:tgtEl>
+                </p:cond>
+              </p:prevCondLst>
+              <p:nextCondLst>
+                <p:cond evt="onNext" delay="0">
+                  <p:tgtEl>
+                    <p:sldTgt/>
+                  </p:tgtEl>
+                </p:cond>
+              </p:nextCondLst>
+            </p:seq>
+          </p:childTnLst>
+        </p:cTn>
       </p:par>
     </p:tnLst>
+    <p:bldLst>
+      <p:bldP spid="8" grpId="0"/>
+      <p:bldP spid="9" grpId="0"/>
+      <p:bldP spid="10" grpId="0"/>
+      <p:bldP spid="19" grpId="0"/>
+      <p:bldP spid="21" grpId="0"/>
+    </p:bldLst>
   </p:timing>
 </p:sld>
 </file>
 
-<file path=ppt/slides/slide11.xml><?xml version="1.0" encoding="utf-8"?>
+<file path=ppt/slides/slide12.xml><?xml version="1.0" encoding="utf-8"?>
 <p:sld xmlns:a="http://schemas.openxmlformats.org/drawingml/2006/main" xmlns:r="http://schemas.openxmlformats.org/officeDocument/2006/relationships" xmlns:p="http://schemas.openxmlformats.org/presentationml/2006/main">
   <p:cSld>
     <p:spTree>
@@ -3558,7 +4533,7 @@
 </p:sld>
 </file>
 
-<file path=ppt/slides/slide12.xml><?xml version="1.0" encoding="utf-8"?>
+<file path=ppt/slides/slide13.xml><?xml version="1.0" encoding="utf-8"?>
 <p:sld xmlns:a="http://schemas.openxmlformats.org/drawingml/2006/main" xmlns:r="http://schemas.openxmlformats.org/officeDocument/2006/relationships" xmlns:p="http://schemas.openxmlformats.org/presentationml/2006/main">
   <p:cSld>
     <p:spTree>
@@ -3616,6 +4591,13 @@
             <a:r>
               <a:rPr lang="en-US" dirty="0" smtClean="0"/>
               <a:t>The article suggests to initialize v randomly and pick the best results</a:t>
+            </a:r>
+            <a:br>
+              <a:rPr lang="en-US" dirty="0" smtClean="0"/>
+            </a:br>
+            <a:r>
+              <a:rPr lang="en-US" dirty="0" smtClean="0"/>
+              <a:t>it might improve the results</a:t>
             </a:r>
             <a:endParaRPr lang="en-US" dirty="0"/>
           </a:p>
@@ -3641,7 +4623,7 @@
 </p:sld>
 </file>
 
-<file path=ppt/slides/slide13.xml><?xml version="1.0" encoding="utf-8"?>
+<file path=ppt/slides/slide14.xml><?xml version="1.0" encoding="utf-8"?>
 <p:sld xmlns:a="http://schemas.openxmlformats.org/drawingml/2006/main" xmlns:r="http://schemas.openxmlformats.org/officeDocument/2006/relationships" xmlns:p="http://schemas.openxmlformats.org/presentationml/2006/main">
   <p:cSld>
     <p:spTree>
@@ -4020,7 +5002,7 @@
 </p:sld>
 </file>
 
-<file path=ppt/slides/slide14.xml><?xml version="1.0" encoding="utf-8"?>
+<file path=ppt/slides/slide15.xml><?xml version="1.0" encoding="utf-8"?>
 <p:sld xmlns:a="http://schemas.openxmlformats.org/drawingml/2006/main" xmlns:r="http://schemas.openxmlformats.org/officeDocument/2006/relationships" xmlns:p="http://schemas.openxmlformats.org/presentationml/2006/main">
   <p:cSld>
     <p:spTree>
@@ -5187,11 +6169,7 @@
             </a:r>
             <a:r>
               <a:rPr lang="en-US" dirty="0" smtClean="0"/>
-              <a:t>Laplacian </a:t>
-            </a:r>
-            <a:r>
-              <a:rPr lang="en-US" smtClean="0"/>
-              <a:t>Beltrami properties </a:t>
+              <a:t>Laplacian Beltrami properties </a:t>
             </a:r>
             <a:endParaRPr lang="en-US" dirty="0"/>
           </a:p>
@@ -5597,6 +6575,145 @@
           </a:p>
         </p:txBody>
       </p:sp>
+      <p:sp>
+        <p:nvSpPr>
+          <p:cNvPr id="3" name="Content Placeholder 2"/>
+          <p:cNvSpPr>
+            <a:spLocks noGrp="1"/>
+          </p:cNvSpPr>
+          <p:nvPr>
+            <p:ph idx="1"/>
+          </p:nvPr>
+        </p:nvSpPr>
+        <p:spPr/>
+        <p:txBody>
+          <a:bodyPr>
+            <a:normAutofit/>
+          </a:bodyPr>
+          <a:lstStyle/>
+          <a:p>
+            <a:r>
+              <a:rPr lang="en-US" dirty="0" smtClean="0"/>
+              <a:t>We will use the </a:t>
+            </a:r>
+            <a:r>
+              <a:rPr lang="en-US" dirty="0" err="1" smtClean="0"/>
+              <a:t>Dirichlet</a:t>
+            </a:r>
+            <a:r>
+              <a:rPr lang="en-US" dirty="0" smtClean="0"/>
+              <a:t> boundary condition </a:t>
+            </a:r>
+          </a:p>
+          <a:p>
+            <a:r>
+              <a:rPr lang="en-US" dirty="0" smtClean="0"/>
+              <a:t>It will keep correct </a:t>
+            </a:r>
+            <a:r>
+              <a:rPr lang="en-US" dirty="0" err="1" smtClean="0"/>
+              <a:t>eigenfunctions</a:t>
+            </a:r>
+            <a:r>
+              <a:rPr lang="en-US" dirty="0" smtClean="0"/>
+              <a:t> and eigenvalues</a:t>
+            </a:r>
+            <a:endParaRPr lang="en-US" dirty="0"/>
+          </a:p>
+        </p:txBody>
+      </p:sp>
+      <p:pic>
+        <p:nvPicPr>
+          <p:cNvPr id="4" name="Picture 3"/>
+          <p:cNvPicPr>
+            <a:picLocks noChangeAspect="1"/>
+          </p:cNvPicPr>
+          <p:nvPr/>
+        </p:nvPicPr>
+        <p:blipFill>
+          <a:blip r:embed="rId2"/>
+          <a:stretch>
+            <a:fillRect/>
+          </a:stretch>
+        </p:blipFill>
+        <p:spPr>
+          <a:xfrm>
+            <a:off x="9643575" y="1076225"/>
+            <a:ext cx="2391586" cy="2279480"/>
+          </a:xfrm>
+          <a:prstGeom prst="rect">
+            <a:avLst/>
+          </a:prstGeom>
+        </p:spPr>
+      </p:pic>
+    </p:spTree>
+    <p:extLst>
+      <p:ext uri="{BB962C8B-B14F-4D97-AF65-F5344CB8AC3E}">
+        <p14:creationId xmlns:p14="http://schemas.microsoft.com/office/powerpoint/2010/main" val="252478884"/>
+      </p:ext>
+    </p:extLst>
+  </p:cSld>
+  <p:clrMapOvr>
+    <a:masterClrMapping/>
+  </p:clrMapOvr>
+  <p:timing>
+    <p:tnLst>
+      <p:par>
+        <p:cTn id="1" dur="indefinite" restart="never" nodeType="tmRoot"/>
+      </p:par>
+    </p:tnLst>
+  </p:timing>
+</p:sld>
+</file>
+
+<file path=ppt/slides/slide7.xml><?xml version="1.0" encoding="utf-8"?>
+<p:sld xmlns:a="http://schemas.openxmlformats.org/drawingml/2006/main" xmlns:r="http://schemas.openxmlformats.org/officeDocument/2006/relationships" xmlns:p="http://schemas.openxmlformats.org/presentationml/2006/main">
+  <p:cSld>
+    <p:spTree>
+      <p:nvGrpSpPr>
+        <p:cNvPr id="1" name=""/>
+        <p:cNvGrpSpPr/>
+        <p:nvPr/>
+      </p:nvGrpSpPr>
+      <p:grpSpPr>
+        <a:xfrm>
+          <a:off x="0" y="0"/>
+          <a:ext cx="0" cy="0"/>
+          <a:chOff x="0" y="0"/>
+          <a:chExt cx="0" cy="0"/>
+        </a:xfrm>
+      </p:grpSpPr>
+      <p:sp>
+        <p:nvSpPr>
+          <p:cNvPr id="2" name="Title 1"/>
+          <p:cNvSpPr>
+            <a:spLocks noGrp="1"/>
+          </p:cNvSpPr>
+          <p:nvPr>
+            <p:ph type="title"/>
+          </p:nvPr>
+        </p:nvSpPr>
+        <p:spPr/>
+        <p:txBody>
+          <a:bodyPr/>
+          <a:lstStyle/>
+          <a:p>
+            <a:r>
+              <a:rPr lang="en-US" dirty="0" smtClean="0"/>
+              <a:t>Background-Laplacian Beltrami-with </a:t>
+            </a:r>
+            <a:r>
+              <a:rPr lang="en-US" dirty="0" err="1" smtClean="0"/>
+              <a:t>Dirichlet</a:t>
+            </a:r>
+            <a:r>
+              <a:rPr lang="en-US" dirty="0" smtClean="0"/>
+              <a:t> boundary condition </a:t>
+            </a:r>
+            <a:endParaRPr lang="en-US" dirty="0"/>
+          </a:p>
+        </p:txBody>
+      </p:sp>
       <mc:AlternateContent xmlns:mc="http://schemas.openxmlformats.org/markup-compatibility/2006">
         <mc:Choice xmlns:a14="http://schemas.microsoft.com/office/drawing/2010/main" Requires="a14">
           <p:sp>
@@ -5615,12 +6732,6 @@
                 <a:normAutofit/>
               </a:bodyPr>
               <a:lstStyle/>
-              <a:p>
-                <a:r>
-                  <a:rPr lang="en-US" dirty="0" smtClean="0"/>
-                  <a:t>Encode the geometry of the domain</a:t>
-                </a:r>
-              </a:p>
               <a:p>
                 <a:r>
                   <a:rPr lang="en-US" dirty="0" smtClean="0"/>
@@ -6801,6 +7912,10 @@
                     </m:m>
                   </m:oMath>
                 </a14:m>
+                <a:endParaRPr lang="en-US" dirty="0" smtClean="0"/>
+              </a:p>
+              <a:p>
+                <a:pPr lvl="1"/>
                 <a:endParaRPr lang="en-US" dirty="0"/>
               </a:p>
             </p:txBody>
@@ -6867,7 +7982,7 @@
     </p:spTree>
     <p:extLst>
       <p:ext uri="{BB962C8B-B14F-4D97-AF65-F5344CB8AC3E}">
-        <p14:creationId xmlns:p14="http://schemas.microsoft.com/office/powerpoint/2010/main" val="252478884"/>
+        <p14:creationId xmlns:p14="http://schemas.microsoft.com/office/powerpoint/2010/main" val="790751702"/>
       </p:ext>
     </p:extLst>
   </p:cSld>
@@ -6884,7 +7999,7 @@
 </p:sld>
 </file>
 
-<file path=ppt/slides/slide7.xml><?xml version="1.0" encoding="utf-8"?>
+<file path=ppt/slides/slide8.xml><?xml version="1.0" encoding="utf-8"?>
 <p:sld xmlns:a="http://schemas.openxmlformats.org/drawingml/2006/main" xmlns:r="http://schemas.openxmlformats.org/officeDocument/2006/relationships" xmlns:p="http://schemas.openxmlformats.org/presentationml/2006/main">
   <p:cSld>
     <p:spTree>
@@ -6968,10 +8083,17 @@
   <p:clrMapOvr>
     <a:masterClrMapping/>
   </p:clrMapOvr>
+  <p:timing>
+    <p:tnLst>
+      <p:par>
+        <p:cTn id="1" dur="indefinite" restart="never" nodeType="tmRoot"/>
+      </p:par>
+    </p:tnLst>
+  </p:timing>
 </p:sld>
 </file>
 
-<file path=ppt/slides/slide8.xml><?xml version="1.0" encoding="utf-8"?>
+<file path=ppt/slides/slide9.xml><?xml version="1.0" encoding="utf-8"?>
 <p:sld xmlns:a="http://schemas.openxmlformats.org/drawingml/2006/main" xmlns:r="http://schemas.openxmlformats.org/officeDocument/2006/relationships" xmlns:p="http://schemas.openxmlformats.org/presentationml/2006/main">
   <p:cSld>
     <p:spTree>
@@ -7033,12 +8155,14 @@
             </p:nvSpPr>
             <p:spPr/>
             <p:txBody>
-              <a:bodyPr/>
+              <a:bodyPr>
+                <a:normAutofit/>
+              </a:bodyPr>
               <a:lstStyle/>
               <a:p>
                 <a:r>
                   <a:rPr lang="en-US" dirty="0" smtClean="0"/>
-                  <a:t>Potenrial function </a:t>
+                  <a:t>Potential function </a:t>
                 </a:r>
               </a:p>
               <a:p>
@@ -7280,378 +8404,6 @@
                 </a14:m>
                 <a:endParaRPr lang="en-US" dirty="0" smtClean="0"/>
               </a:p>
-              <a:p>
-                <a14:m>
-                  <m:oMath xmlns:m="http://schemas.openxmlformats.org/officeDocument/2006/math">
-                    <m:sSub>
-                      <m:sSubPr>
-                        <m:ctrlPr>
-                          <a:rPr lang="en-US" b="0" i="1" smtClean="0">
-                            <a:latin typeface="Cambria Math" panose="02040503050406030204" pitchFamily="18" charset="0"/>
-                          </a:rPr>
-                        </m:ctrlPr>
-                      </m:sSubPr>
-                      <m:e>
-                        <m:r>
-                          <a:rPr lang="en-US" b="0" i="1" smtClean="0">
-                            <a:latin typeface="Cambria Math" panose="02040503050406030204" pitchFamily="18" charset="0"/>
-                          </a:rPr>
-                          <m:t>𝜆</m:t>
-                        </m:r>
-                      </m:e>
-                      <m:sub>
-                        <m:r>
-                          <a:rPr lang="en-US" b="0" i="1" smtClean="0">
-                            <a:latin typeface="Cambria Math" panose="02040503050406030204" pitchFamily="18" charset="0"/>
-                          </a:rPr>
-                          <m:t>𝑖</m:t>
-                        </m:r>
-                      </m:sub>
-                    </m:sSub>
-                  </m:oMath>
-                </a14:m>
-                <a:r>
-                  <a:rPr lang="en-US" dirty="0" smtClean="0"/>
-                  <a:t> is the eigenvalue of the </a:t>
-                </a:r>
-                <a:r>
-                  <a:rPr lang="en-US" dirty="0" err="1" smtClean="0"/>
-                  <a:t>Hemiltonian</a:t>
-                </a:r>
-                <a:endParaRPr lang="en-US" dirty="0" smtClean="0"/>
-              </a:p>
-              <a:p>
-                <a14:m>
-                  <m:oMath xmlns:m="http://schemas.openxmlformats.org/officeDocument/2006/math">
-                    <m:sSub>
-                      <m:sSubPr>
-                        <m:ctrlPr>
-                          <a:rPr lang="en-US" b="0" i="1" smtClean="0">
-                            <a:latin typeface="Cambria Math" panose="02040503050406030204" pitchFamily="18" charset="0"/>
-                          </a:rPr>
-                        </m:ctrlPr>
-                      </m:sSubPr>
-                      <m:e>
-                        <m:r>
-                          <a:rPr lang="en-IL" b="0" i="1" smtClean="0">
-                            <a:latin typeface="Cambria Math" panose="02040503050406030204" pitchFamily="18" charset="0"/>
-                            <a:ea typeface="Cambria Math" panose="02040503050406030204" pitchFamily="18" charset="0"/>
-                          </a:rPr>
-                          <m:t>𝜓</m:t>
-                        </m:r>
-                      </m:e>
-                      <m:sub>
-                        <m:r>
-                          <a:rPr lang="en-US" b="0" i="1" smtClean="0">
-                            <a:latin typeface="Cambria Math" panose="02040503050406030204" pitchFamily="18" charset="0"/>
-                          </a:rPr>
-                          <m:t>𝑖</m:t>
-                        </m:r>
-                      </m:sub>
-                    </m:sSub>
-                  </m:oMath>
-                </a14:m>
-                <a:r>
-                  <a:rPr lang="en-US" dirty="0" smtClean="0"/>
-                  <a:t> is the eigenvalue of the </a:t>
-                </a:r>
-                <a:r>
-                  <a:rPr lang="en-US" dirty="0" err="1" smtClean="0"/>
-                  <a:t>Hemiltonian</a:t>
-                </a:r>
-                <a:endParaRPr lang="en-US" dirty="0" smtClean="0"/>
-              </a:p>
-              <a:p>
-                <a14:m>
-                  <m:oMath xmlns:m="http://schemas.openxmlformats.org/officeDocument/2006/math">
-                    <m:sSub>
-                      <m:sSubPr>
-                        <m:ctrlPr>
-                          <a:rPr lang="en-US" b="0" i="1" smtClean="0">
-                            <a:latin typeface="Cambria Math" panose="02040503050406030204" pitchFamily="18" charset="0"/>
-                          </a:rPr>
-                        </m:ctrlPr>
-                      </m:sSubPr>
-                      <m:e>
-                        <m:r>
-                          <a:rPr lang="en-US" b="0" i="1" smtClean="0">
-                            <a:latin typeface="Cambria Math" panose="02040503050406030204" pitchFamily="18" charset="0"/>
-                          </a:rPr>
-                          <m:t>𝜆</m:t>
-                        </m:r>
-                      </m:e>
-                      <m:sub>
-                        <m:r>
-                          <a:rPr lang="en-US" b="0" i="1" smtClean="0">
-                            <a:latin typeface="Cambria Math" panose="02040503050406030204" pitchFamily="18" charset="0"/>
-                          </a:rPr>
-                          <m:t>𝑖</m:t>
-                        </m:r>
-                      </m:sub>
-                    </m:sSub>
-                    <m:sSub>
-                      <m:sSubPr>
-                        <m:ctrlPr>
-                          <a:rPr lang="en-US" b="0" i="1" smtClean="0">
-                            <a:latin typeface="Cambria Math" panose="02040503050406030204" pitchFamily="18" charset="0"/>
-                          </a:rPr>
-                        </m:ctrlPr>
-                      </m:sSubPr>
-                      <m:e>
-                        <m:r>
-                          <a:rPr lang="en-IL" b="0" i="1" smtClean="0">
-                            <a:latin typeface="Cambria Math" panose="02040503050406030204" pitchFamily="18" charset="0"/>
-                            <a:ea typeface="Cambria Math" panose="02040503050406030204" pitchFamily="18" charset="0"/>
-                          </a:rPr>
-                          <m:t>𝜓</m:t>
-                        </m:r>
-                      </m:e>
-                      <m:sub>
-                        <m:r>
-                          <a:rPr lang="en-US" b="0" i="1" smtClean="0">
-                            <a:latin typeface="Cambria Math" panose="02040503050406030204" pitchFamily="18" charset="0"/>
-                          </a:rPr>
-                          <m:t>𝑖</m:t>
-                        </m:r>
-                      </m:sub>
-                    </m:sSub>
-                    <m:r>
-                      <a:rPr lang="en-US" b="0" i="1" smtClean="0">
-                        <a:latin typeface="Cambria Math" panose="02040503050406030204" pitchFamily="18" charset="0"/>
-                      </a:rPr>
-                      <m:t>=</m:t>
-                    </m:r>
-                    <m:d>
-                      <m:dPr>
-                        <m:ctrlPr>
-                          <a:rPr lang="en-US" b="0" i="1" smtClean="0">
-                            <a:latin typeface="Cambria Math" panose="02040503050406030204" pitchFamily="18" charset="0"/>
-                            <a:ea typeface="Cambria Math" panose="02040503050406030204" pitchFamily="18" charset="0"/>
-                          </a:rPr>
-                        </m:ctrlPr>
-                      </m:dPr>
-                      <m:e>
-                        <m:sSub>
-                          <m:sSubPr>
-                            <m:ctrlPr>
-                              <a:rPr lang="en-US" b="0" i="1" smtClean="0">
-                                <a:latin typeface="Cambria Math" panose="02040503050406030204" pitchFamily="18" charset="0"/>
-                                <a:ea typeface="Cambria Math" panose="02040503050406030204" pitchFamily="18" charset="0"/>
-                              </a:rPr>
-                            </m:ctrlPr>
-                          </m:sSubPr>
-                          <m:e>
-                            <m:r>
-                              <a:rPr lang="en-IL" b="0" i="1" smtClean="0">
-                                <a:latin typeface="Cambria Math" panose="02040503050406030204" pitchFamily="18" charset="0"/>
-                                <a:ea typeface="Cambria Math" panose="02040503050406030204" pitchFamily="18" charset="0"/>
-                              </a:rPr>
-                              <m:t>∆</m:t>
-                            </m:r>
-                          </m:e>
-                          <m:sub>
-                            <m:r>
-                              <a:rPr lang="en-US" b="0" i="1" smtClean="0">
-                                <a:latin typeface="Cambria Math" panose="02040503050406030204" pitchFamily="18" charset="0"/>
-                                <a:ea typeface="Cambria Math" panose="02040503050406030204" pitchFamily="18" charset="0"/>
-                              </a:rPr>
-                              <m:t>𝑥</m:t>
-                            </m:r>
-                          </m:sub>
-                        </m:sSub>
-                        <m:r>
-                          <a:rPr lang="en-US" b="0" i="1" smtClean="0">
-                            <a:latin typeface="Cambria Math" panose="02040503050406030204" pitchFamily="18" charset="0"/>
-                            <a:ea typeface="Cambria Math" panose="02040503050406030204" pitchFamily="18" charset="0"/>
-                          </a:rPr>
-                          <m:t>+</m:t>
-                        </m:r>
-                        <m:sSub>
-                          <m:sSubPr>
-                            <m:ctrlPr>
-                              <a:rPr lang="en-US" b="0" i="1" smtClean="0">
-                                <a:latin typeface="Cambria Math" panose="02040503050406030204" pitchFamily="18" charset="0"/>
-                                <a:ea typeface="Cambria Math" panose="02040503050406030204" pitchFamily="18" charset="0"/>
-                              </a:rPr>
-                            </m:ctrlPr>
-                          </m:sSubPr>
-                          <m:e>
-                            <m:r>
-                              <a:rPr lang="en-US" b="0" i="1" smtClean="0">
-                                <a:latin typeface="Cambria Math" panose="02040503050406030204" pitchFamily="18" charset="0"/>
-                                <a:ea typeface="Cambria Math" panose="02040503050406030204" pitchFamily="18" charset="0"/>
-                              </a:rPr>
-                              <m:t>𝑣</m:t>
-                            </m:r>
-                          </m:e>
-                          <m:sub>
-                            <m:r>
-                              <a:rPr lang="en-US" b="0" i="1" smtClean="0">
-                                <a:latin typeface="Cambria Math" panose="02040503050406030204" pitchFamily="18" charset="0"/>
-                                <a:ea typeface="Cambria Math" panose="02040503050406030204" pitchFamily="18" charset="0"/>
-                              </a:rPr>
-                              <m:t>𝜏</m:t>
-                            </m:r>
-                          </m:sub>
-                        </m:sSub>
-                      </m:e>
-                    </m:d>
-                    <m:sSub>
-                      <m:sSubPr>
-                        <m:ctrlPr>
-                          <a:rPr lang="en-US" b="0" i="1" smtClean="0">
-                            <a:latin typeface="Cambria Math" panose="02040503050406030204" pitchFamily="18" charset="0"/>
-                          </a:rPr>
-                        </m:ctrlPr>
-                      </m:sSubPr>
-                      <m:e>
-                        <m:r>
-                          <a:rPr lang="en-IL" b="0" i="1" smtClean="0">
-                            <a:latin typeface="Cambria Math" panose="02040503050406030204" pitchFamily="18" charset="0"/>
-                            <a:ea typeface="Cambria Math" panose="02040503050406030204" pitchFamily="18" charset="0"/>
-                          </a:rPr>
-                          <m:t>𝜓</m:t>
-                        </m:r>
-                      </m:e>
-                      <m:sub>
-                        <m:r>
-                          <a:rPr lang="en-US" b="0" i="1" smtClean="0">
-                            <a:latin typeface="Cambria Math" panose="02040503050406030204" pitchFamily="18" charset="0"/>
-                          </a:rPr>
-                          <m:t>𝑖</m:t>
-                        </m:r>
-                      </m:sub>
-                    </m:sSub>
-                    <m:r>
-                      <a:rPr lang="en-US" b="0" i="1" smtClean="0">
-                        <a:latin typeface="Cambria Math" panose="02040503050406030204" pitchFamily="18" charset="0"/>
-                      </a:rPr>
-                      <m:t>=</m:t>
-                    </m:r>
-                    <m:sSub>
-                      <m:sSubPr>
-                        <m:ctrlPr>
-                          <a:rPr lang="en-US" b="0" i="1" smtClean="0">
-                            <a:latin typeface="Cambria Math" panose="02040503050406030204" pitchFamily="18" charset="0"/>
-                            <a:ea typeface="Cambria Math" panose="02040503050406030204" pitchFamily="18" charset="0"/>
-                          </a:rPr>
-                        </m:ctrlPr>
-                      </m:sSubPr>
-                      <m:e>
-                        <m:r>
-                          <a:rPr lang="en-IL" b="0" i="1" smtClean="0">
-                            <a:latin typeface="Cambria Math" panose="02040503050406030204" pitchFamily="18" charset="0"/>
-                            <a:ea typeface="Cambria Math" panose="02040503050406030204" pitchFamily="18" charset="0"/>
-                          </a:rPr>
-                          <m:t>∆</m:t>
-                        </m:r>
-                      </m:e>
-                      <m:sub>
-                        <m:r>
-                          <a:rPr lang="en-US" b="0" i="1" smtClean="0">
-                            <a:latin typeface="Cambria Math" panose="02040503050406030204" pitchFamily="18" charset="0"/>
-                            <a:ea typeface="Cambria Math" panose="02040503050406030204" pitchFamily="18" charset="0"/>
-                          </a:rPr>
-                          <m:t>𝑅</m:t>
-                        </m:r>
-                      </m:sub>
-                    </m:sSub>
-                    <m:sSub>
-                      <m:sSubPr>
-                        <m:ctrlPr>
-                          <a:rPr lang="en-US" b="0" i="1" smtClean="0">
-                            <a:latin typeface="Cambria Math" panose="02040503050406030204" pitchFamily="18" charset="0"/>
-                          </a:rPr>
-                        </m:ctrlPr>
-                      </m:sSubPr>
-                      <m:e>
-                        <m:r>
-                          <a:rPr lang="en-IL" b="0" i="1" smtClean="0">
-                            <a:latin typeface="Cambria Math" panose="02040503050406030204" pitchFamily="18" charset="0"/>
-                            <a:ea typeface="Cambria Math" panose="02040503050406030204" pitchFamily="18" charset="0"/>
-                          </a:rPr>
-                          <m:t>𝜓</m:t>
-                        </m:r>
-                      </m:e>
-                      <m:sub>
-                        <m:r>
-                          <a:rPr lang="en-US" b="0" i="1" smtClean="0">
-                            <a:latin typeface="Cambria Math" panose="02040503050406030204" pitchFamily="18" charset="0"/>
-                          </a:rPr>
-                          <m:t>𝑖</m:t>
-                        </m:r>
-                      </m:sub>
-                    </m:sSub>
-                    <m:r>
-                      <a:rPr lang="en-US" b="0" i="1" smtClean="0">
-                        <a:latin typeface="Cambria Math" panose="02040503050406030204" pitchFamily="18" charset="0"/>
-                      </a:rPr>
-                      <m:t>=</m:t>
-                    </m:r>
-                    <m:sSub>
-                      <m:sSubPr>
-                        <m:ctrlPr>
-                          <a:rPr lang="en-US" b="0" i="1" smtClean="0">
-                            <a:latin typeface="Cambria Math" panose="02040503050406030204" pitchFamily="18" charset="0"/>
-                          </a:rPr>
-                        </m:ctrlPr>
-                      </m:sSubPr>
-                      <m:e>
-                        <m:r>
-                          <a:rPr lang="en-US" b="0" i="1" smtClean="0">
-                            <a:latin typeface="Cambria Math" panose="02040503050406030204" pitchFamily="18" charset="0"/>
-                          </a:rPr>
-                          <m:t>𝜇</m:t>
-                        </m:r>
-                      </m:e>
-                      <m:sub>
-                        <m:r>
-                          <a:rPr lang="en-US" b="0" i="1" smtClean="0">
-                            <a:latin typeface="Cambria Math" panose="02040503050406030204" pitchFamily="18" charset="0"/>
-                          </a:rPr>
-                          <m:t>𝑖</m:t>
-                        </m:r>
-                      </m:sub>
-                    </m:sSub>
-                    <m:sSub>
-                      <m:sSubPr>
-                        <m:ctrlPr>
-                          <a:rPr lang="en-US" b="0" i="1" smtClean="0">
-                            <a:latin typeface="Cambria Math" panose="02040503050406030204" pitchFamily="18" charset="0"/>
-                          </a:rPr>
-                        </m:ctrlPr>
-                      </m:sSubPr>
-                      <m:e>
-                        <m:r>
-                          <a:rPr lang="en-US" b="0" i="1" smtClean="0">
-                            <a:latin typeface="Cambria Math" panose="02040503050406030204" pitchFamily="18" charset="0"/>
-                          </a:rPr>
-                          <m:t>𝜙</m:t>
-                        </m:r>
-                      </m:e>
-                      <m:sub>
-                        <m:r>
-                          <a:rPr lang="en-US" b="0" i="1" smtClean="0">
-                            <a:latin typeface="Cambria Math" panose="02040503050406030204" pitchFamily="18" charset="0"/>
-                          </a:rPr>
-                          <m:t>𝑖</m:t>
-                        </m:r>
-                      </m:sub>
-                    </m:sSub>
-                  </m:oMath>
-                </a14:m>
-                <a:r>
-                  <a:rPr lang="en-US" dirty="0" smtClean="0"/>
-                  <a:t> </a:t>
-                </a:r>
-              </a:p>
-              <a:p>
-                <a:pPr lvl="1"/>
-                <a:r>
-                  <a:rPr lang="en-US" dirty="0" smtClean="0"/>
-                  <a:t>Same eigenvalues !</a:t>
-                </a:r>
-              </a:p>
             </p:txBody>
           </p:sp>
         </mc:Choice>
@@ -7693,748 +8445,6 @@
     <p:extLst>
       <p:ext uri="{BB962C8B-B14F-4D97-AF65-F5344CB8AC3E}">
         <p14:creationId xmlns:p14="http://schemas.microsoft.com/office/powerpoint/2010/main" val="1833476683"/>
-      </p:ext>
-    </p:extLst>
-  </p:cSld>
-  <p:clrMapOvr>
-    <a:masterClrMapping/>
-  </p:clrMapOvr>
-  <p:timing>
-    <p:tnLst>
-      <p:par>
-        <p:cTn id="1" dur="indefinite" restart="never" nodeType="tmRoot"/>
-      </p:par>
-    </p:tnLst>
-  </p:timing>
-</p:sld>
-</file>
-
-<file path=ppt/slides/slide9.xml><?xml version="1.0" encoding="utf-8"?>
-<p:sld xmlns:a="http://schemas.openxmlformats.org/drawingml/2006/main" xmlns:r="http://schemas.openxmlformats.org/officeDocument/2006/relationships" xmlns:p="http://schemas.openxmlformats.org/presentationml/2006/main">
-  <p:cSld>
-    <p:spTree>
-      <p:nvGrpSpPr>
-        <p:cNvPr id="1" name=""/>
-        <p:cNvGrpSpPr/>
-        <p:nvPr/>
-      </p:nvGrpSpPr>
-      <p:grpSpPr>
-        <a:xfrm>
-          <a:off x="0" y="0"/>
-          <a:ext cx="0" cy="0"/>
-          <a:chOff x="0" y="0"/>
-          <a:chExt cx="0" cy="0"/>
-        </a:xfrm>
-      </p:grpSpPr>
-      <p:sp>
-        <p:nvSpPr>
-          <p:cNvPr id="2" name="Title 1"/>
-          <p:cNvSpPr>
-            <a:spLocks noGrp="1"/>
-          </p:cNvSpPr>
-          <p:nvPr>
-            <p:ph type="title"/>
-          </p:nvPr>
-        </p:nvSpPr>
-        <p:spPr/>
-        <p:txBody>
-          <a:bodyPr/>
-          <a:lstStyle/>
-          <a:p>
-            <a:r>
-              <a:rPr lang="en-US" dirty="0" err="1" smtClean="0"/>
-              <a:t>Eignevalue</a:t>
-            </a:r>
-            <a:r>
-              <a:rPr lang="en-US" dirty="0" err="1" smtClean="0"/>
-              <a:t>s</a:t>
-            </a:r>
-            <a:r>
-              <a:rPr lang="en-US" dirty="0" smtClean="0"/>
-              <a:t> of partial vs </a:t>
-            </a:r>
-            <a:r>
-              <a:rPr lang="en-US" dirty="0" err="1" smtClean="0"/>
-              <a:t>hemiltonian</a:t>
-            </a:r>
-            <a:endParaRPr lang="en-US" dirty="0"/>
-          </a:p>
-        </p:txBody>
-      </p:sp>
-      <mc:AlternateContent xmlns:mc="http://schemas.openxmlformats.org/markup-compatibility/2006">
-        <mc:Choice xmlns:a14="http://schemas.microsoft.com/office/drawing/2010/main" Requires="a14">
-          <p:sp>
-            <p:nvSpPr>
-              <p:cNvPr id="3" name="Content Placeholder 2"/>
-              <p:cNvSpPr>
-                <a:spLocks noGrp="1"/>
-              </p:cNvSpPr>
-              <p:nvPr>
-                <p:ph idx="1"/>
-              </p:nvPr>
-            </p:nvSpPr>
-            <p:spPr/>
-            <p:txBody>
-              <a:bodyPr/>
-              <a:lstStyle/>
-              <a:p>
-                <a:r>
-                  <a:rPr lang="en-US" dirty="0" smtClean="0"/>
-                  <a:t>Potenrial function </a:t>
-                </a:r>
-              </a:p>
-              <a:p>
-                <a14:m>
-                  <m:oMath xmlns:m="http://schemas.openxmlformats.org/officeDocument/2006/math">
-                    <m:sSub>
-                      <m:sSubPr>
-                        <m:ctrlPr>
-                          <a:rPr lang="en-US" b="0" i="1" smtClean="0">
-                            <a:latin typeface="Cambria Math" panose="02040503050406030204" pitchFamily="18" charset="0"/>
-                          </a:rPr>
-                        </m:ctrlPr>
-                      </m:sSubPr>
-                      <m:e>
-                        <m:r>
-                          <a:rPr lang="en-US" b="0" i="1" smtClean="0">
-                            <a:latin typeface="Cambria Math" panose="02040503050406030204" pitchFamily="18" charset="0"/>
-                          </a:rPr>
-                          <m:t>𝑣</m:t>
-                        </m:r>
-                      </m:e>
-                      <m:sub>
-                        <m:r>
-                          <a:rPr lang="en-US" b="0" i="1" smtClean="0">
-                            <a:latin typeface="Cambria Math" panose="02040503050406030204" pitchFamily="18" charset="0"/>
-                          </a:rPr>
-                          <m:t>𝜏</m:t>
-                        </m:r>
-                      </m:sub>
-                    </m:sSub>
-                    <m:r>
-                      <a:rPr lang="en-US" b="0" i="1" smtClean="0">
-                        <a:latin typeface="Cambria Math" panose="02040503050406030204" pitchFamily="18" charset="0"/>
-                      </a:rPr>
-                      <m:t>=</m:t>
-                    </m:r>
-                    <m:d>
-                      <m:dPr>
-                        <m:begChr m:val="{"/>
-                        <m:endChr m:val=""/>
-                        <m:ctrlPr>
-                          <a:rPr lang="en-IL" b="0" i="1" smtClean="0">
-                            <a:latin typeface="Cambria Math" panose="02040503050406030204" pitchFamily="18" charset="0"/>
-                          </a:rPr>
-                        </m:ctrlPr>
-                      </m:dPr>
-                      <m:e>
-                        <m:eqArr>
-                          <m:eqArrPr>
-                            <m:ctrlPr>
-                              <a:rPr lang="en-US" b="0" i="1" smtClean="0">
-                                <a:latin typeface="Cambria Math" panose="02040503050406030204" pitchFamily="18" charset="0"/>
-                              </a:rPr>
-                            </m:ctrlPr>
-                          </m:eqArrPr>
-                          <m:e>
-                            <m:r>
-                              <a:rPr lang="en-US" b="0" i="1" smtClean="0">
-                                <a:latin typeface="Cambria Math" panose="02040503050406030204" pitchFamily="18" charset="0"/>
-                              </a:rPr>
-                              <m:t>0</m:t>
-                            </m:r>
-                          </m:e>
-                          <m:e>
-                            <m:r>
-                              <a:rPr lang="en-US" b="0" i="1" smtClean="0">
-                                <a:latin typeface="Cambria Math" panose="02040503050406030204" pitchFamily="18" charset="0"/>
-                              </a:rPr>
-                              <m:t>𝜏</m:t>
-                            </m:r>
-                          </m:e>
-                        </m:eqArr>
-                      </m:e>
-                    </m:d>
-                  </m:oMath>
-                </a14:m>
-                <a:r>
-                  <a:rPr lang="en-US" dirty="0" smtClean="0"/>
-                  <a:t>   </a:t>
-                </a:r>
-                <a14:m>
-                  <m:oMath xmlns:m="http://schemas.openxmlformats.org/officeDocument/2006/math">
-                    <m:m>
-                      <m:mPr>
-                        <m:mcs>
-                          <m:mc>
-                            <m:mcPr>
-                              <m:count m:val="1"/>
-                              <m:mcJc m:val="center"/>
-                            </m:mcPr>
-                          </m:mc>
-                        </m:mcs>
-                        <m:ctrlPr>
-                          <a:rPr lang="en-IL" i="1" dirty="0" smtClean="0">
-                            <a:latin typeface="Cambria Math" panose="02040503050406030204" pitchFamily="18" charset="0"/>
-                          </a:rPr>
-                        </m:ctrlPr>
-                      </m:mPr>
-                      <m:mr>
-                        <m:e>
-                          <m:r>
-                            <m:rPr>
-                              <m:brk m:alnAt="7"/>
-                            </m:rPr>
-                            <a:rPr lang="en-US" b="0" i="1" dirty="0" smtClean="0">
-                              <a:latin typeface="Cambria Math" panose="02040503050406030204" pitchFamily="18" charset="0"/>
-                            </a:rPr>
-                            <m:t>𝑥</m:t>
-                          </m:r>
-                          <m:r>
-                            <a:rPr lang="en-IL" b="0" i="1" dirty="0" smtClean="0">
-                              <a:latin typeface="Cambria Math" panose="02040503050406030204" pitchFamily="18" charset="0"/>
-                              <a:ea typeface="Cambria Math" panose="02040503050406030204" pitchFamily="18" charset="0"/>
-                            </a:rPr>
-                            <m:t>∈</m:t>
-                          </m:r>
-                          <m:r>
-                            <a:rPr lang="en-US" b="0" i="1" dirty="0" smtClean="0">
-                              <a:latin typeface="Cambria Math" panose="02040503050406030204" pitchFamily="18" charset="0"/>
-                              <a:ea typeface="Cambria Math" panose="02040503050406030204" pitchFamily="18" charset="0"/>
-                            </a:rPr>
-                            <m:t>𝑅</m:t>
-                          </m:r>
-                        </m:e>
-                      </m:mr>
-                      <m:mr>
-                        <m:e>
-                          <m:r>
-                            <a:rPr lang="en-US" b="0" i="1" dirty="0" smtClean="0">
-                              <a:latin typeface="Cambria Math" panose="02040503050406030204" pitchFamily="18" charset="0"/>
-                            </a:rPr>
-                            <m:t>𝑒𝑙𝑠𝑒</m:t>
-                          </m:r>
-                        </m:e>
-                      </m:mr>
-                    </m:m>
-                  </m:oMath>
-                </a14:m>
-                <a:endParaRPr lang="en-US" dirty="0" smtClean="0"/>
-              </a:p>
-              <a:p>
-                <a14:m>
-                  <m:oMath xmlns:m="http://schemas.openxmlformats.org/officeDocument/2006/math">
-                    <m:sSub>
-                      <m:sSubPr>
-                        <m:ctrlPr>
-                          <a:rPr lang="en-US" b="0" i="1" smtClean="0">
-                            <a:latin typeface="Cambria Math" panose="02040503050406030204" pitchFamily="18" charset="0"/>
-                          </a:rPr>
-                        </m:ctrlPr>
-                      </m:sSubPr>
-                      <m:e>
-                        <m:r>
-                          <a:rPr lang="en-US" b="0" i="1" smtClean="0">
-                            <a:latin typeface="Cambria Math" panose="02040503050406030204" pitchFamily="18" charset="0"/>
-                          </a:rPr>
-                          <m:t>𝐻</m:t>
-                        </m:r>
-                      </m:e>
-                      <m:sub>
-                        <m:r>
-                          <a:rPr lang="en-US" b="0" i="1" smtClean="0">
-                            <a:latin typeface="Cambria Math" panose="02040503050406030204" pitchFamily="18" charset="0"/>
-                          </a:rPr>
-                          <m:t>𝑥</m:t>
-                        </m:r>
-                      </m:sub>
-                    </m:sSub>
-                    <m:r>
-                      <a:rPr lang="en-US" b="0" i="1" smtClean="0">
-                        <a:latin typeface="Cambria Math" panose="02040503050406030204" pitchFamily="18" charset="0"/>
-                      </a:rPr>
-                      <m:t>= </m:t>
-                    </m:r>
-                    <m:sSub>
-                      <m:sSubPr>
-                        <m:ctrlPr>
-                          <a:rPr lang="en-US" b="0" i="1" smtClean="0">
-                            <a:latin typeface="Cambria Math" panose="02040503050406030204" pitchFamily="18" charset="0"/>
-                            <a:ea typeface="Cambria Math" panose="02040503050406030204" pitchFamily="18" charset="0"/>
-                          </a:rPr>
-                        </m:ctrlPr>
-                      </m:sSubPr>
-                      <m:e>
-                        <m:r>
-                          <a:rPr lang="en-IL" b="0" i="1" smtClean="0">
-                            <a:latin typeface="Cambria Math" panose="02040503050406030204" pitchFamily="18" charset="0"/>
-                            <a:ea typeface="Cambria Math" panose="02040503050406030204" pitchFamily="18" charset="0"/>
-                          </a:rPr>
-                          <m:t>∆</m:t>
-                        </m:r>
-                      </m:e>
-                      <m:sub>
-                        <m:r>
-                          <a:rPr lang="en-US" b="0" i="1" smtClean="0">
-                            <a:latin typeface="Cambria Math" panose="02040503050406030204" pitchFamily="18" charset="0"/>
-                            <a:ea typeface="Cambria Math" panose="02040503050406030204" pitchFamily="18" charset="0"/>
-                          </a:rPr>
-                          <m:t>𝑥</m:t>
-                        </m:r>
-                      </m:sub>
-                    </m:sSub>
-                    <m:r>
-                      <a:rPr lang="en-US" b="0" i="1" smtClean="0">
-                        <a:latin typeface="Cambria Math" panose="02040503050406030204" pitchFamily="18" charset="0"/>
-                        <a:ea typeface="Cambria Math" panose="02040503050406030204" pitchFamily="18" charset="0"/>
-                      </a:rPr>
-                      <m:t>+</m:t>
-                    </m:r>
-                    <m:sSub>
-                      <m:sSubPr>
-                        <m:ctrlPr>
-                          <a:rPr lang="en-US" b="0" i="1" smtClean="0">
-                            <a:latin typeface="Cambria Math" panose="02040503050406030204" pitchFamily="18" charset="0"/>
-                            <a:ea typeface="Cambria Math" panose="02040503050406030204" pitchFamily="18" charset="0"/>
-                          </a:rPr>
-                        </m:ctrlPr>
-                      </m:sSubPr>
-                      <m:e>
-                        <m:r>
-                          <a:rPr lang="en-US" b="0" i="1" smtClean="0">
-                            <a:latin typeface="Cambria Math" panose="02040503050406030204" pitchFamily="18" charset="0"/>
-                            <a:ea typeface="Cambria Math" panose="02040503050406030204" pitchFamily="18" charset="0"/>
-                          </a:rPr>
-                          <m:t>𝑣</m:t>
-                        </m:r>
-                      </m:e>
-                      <m:sub>
-                        <m:r>
-                          <a:rPr lang="en-US" b="0" i="1" smtClean="0">
-                            <a:latin typeface="Cambria Math" panose="02040503050406030204" pitchFamily="18" charset="0"/>
-                            <a:ea typeface="Cambria Math" panose="02040503050406030204" pitchFamily="18" charset="0"/>
-                          </a:rPr>
-                          <m:t>𝜏</m:t>
-                        </m:r>
-                      </m:sub>
-                    </m:sSub>
-                  </m:oMath>
-                </a14:m>
-                <a:endParaRPr lang="en-US" dirty="0" smtClean="0"/>
-              </a:p>
-              <a:p>
-                <a14:m>
-                  <m:oMath xmlns:m="http://schemas.openxmlformats.org/officeDocument/2006/math">
-                    <m:sSub>
-                      <m:sSubPr>
-                        <m:ctrlPr>
-                          <a:rPr lang="en-US" b="0" i="1" smtClean="0">
-                            <a:latin typeface="Cambria Math" panose="02040503050406030204" pitchFamily="18" charset="0"/>
-                          </a:rPr>
-                        </m:ctrlPr>
-                      </m:sSubPr>
-                      <m:e>
-                        <m:r>
-                          <a:rPr lang="en-US" b="0" i="1" smtClean="0">
-                            <a:latin typeface="Cambria Math" panose="02040503050406030204" pitchFamily="18" charset="0"/>
-                          </a:rPr>
-                          <m:t>𝜆</m:t>
-                        </m:r>
-                      </m:e>
-                      <m:sub>
-                        <m:r>
-                          <a:rPr lang="en-US" b="0" i="1" smtClean="0">
-                            <a:latin typeface="Cambria Math" panose="02040503050406030204" pitchFamily="18" charset="0"/>
-                          </a:rPr>
-                          <m:t>𝑖</m:t>
-                        </m:r>
-                      </m:sub>
-                    </m:sSub>
-                  </m:oMath>
-                </a14:m>
-                <a:r>
-                  <a:rPr lang="en-US" dirty="0" smtClean="0"/>
-                  <a:t> is the eigenvalue of the </a:t>
-                </a:r>
-                <a:r>
-                  <a:rPr lang="en-US" dirty="0" err="1" smtClean="0"/>
-                  <a:t>Hemiltonian</a:t>
-                </a:r>
-                <a:endParaRPr lang="en-US" dirty="0" smtClean="0"/>
-              </a:p>
-              <a:p>
-                <a14:m>
-                  <m:oMath xmlns:m="http://schemas.openxmlformats.org/officeDocument/2006/math">
-                    <m:sSub>
-                      <m:sSubPr>
-                        <m:ctrlPr>
-                          <a:rPr lang="en-US" b="0" i="1" smtClean="0">
-                            <a:latin typeface="Cambria Math" panose="02040503050406030204" pitchFamily="18" charset="0"/>
-                          </a:rPr>
-                        </m:ctrlPr>
-                      </m:sSubPr>
-                      <m:e>
-                        <m:r>
-                          <a:rPr lang="en-IL" b="0" i="1" smtClean="0">
-                            <a:latin typeface="Cambria Math" panose="02040503050406030204" pitchFamily="18" charset="0"/>
-                            <a:ea typeface="Cambria Math" panose="02040503050406030204" pitchFamily="18" charset="0"/>
-                          </a:rPr>
-                          <m:t>𝜓</m:t>
-                        </m:r>
-                      </m:e>
-                      <m:sub>
-                        <m:r>
-                          <a:rPr lang="en-US" b="0" i="1" smtClean="0">
-                            <a:latin typeface="Cambria Math" panose="02040503050406030204" pitchFamily="18" charset="0"/>
-                          </a:rPr>
-                          <m:t>𝑖</m:t>
-                        </m:r>
-                      </m:sub>
-                    </m:sSub>
-                  </m:oMath>
-                </a14:m>
-                <a:r>
-                  <a:rPr lang="en-US" dirty="0" smtClean="0"/>
-                  <a:t> is the eigenvalue of the </a:t>
-                </a:r>
-                <a:r>
-                  <a:rPr lang="en-US" dirty="0" err="1" smtClean="0"/>
-                  <a:t>Hemiltonian</a:t>
-                </a:r>
-                <a:endParaRPr lang="en-US" dirty="0" smtClean="0"/>
-              </a:p>
-              <a:p>
-                <a14:m>
-                  <m:oMath xmlns:m="http://schemas.openxmlformats.org/officeDocument/2006/math">
-                    <m:sSub>
-                      <m:sSubPr>
-                        <m:ctrlPr>
-                          <a:rPr lang="en-US" b="0" i="1" smtClean="0">
-                            <a:latin typeface="Cambria Math" panose="02040503050406030204" pitchFamily="18" charset="0"/>
-                          </a:rPr>
-                        </m:ctrlPr>
-                      </m:sSubPr>
-                      <m:e>
-                        <m:r>
-                          <a:rPr lang="en-US" b="0" i="1" smtClean="0">
-                            <a:latin typeface="Cambria Math" panose="02040503050406030204" pitchFamily="18" charset="0"/>
-                          </a:rPr>
-                          <m:t>𝜆</m:t>
-                        </m:r>
-                      </m:e>
-                      <m:sub>
-                        <m:r>
-                          <a:rPr lang="en-US" b="0" i="1" smtClean="0">
-                            <a:latin typeface="Cambria Math" panose="02040503050406030204" pitchFamily="18" charset="0"/>
-                          </a:rPr>
-                          <m:t>𝑖</m:t>
-                        </m:r>
-                      </m:sub>
-                    </m:sSub>
-                    <m:sSub>
-                      <m:sSubPr>
-                        <m:ctrlPr>
-                          <a:rPr lang="en-US" b="0" i="1" smtClean="0">
-                            <a:latin typeface="Cambria Math" panose="02040503050406030204" pitchFamily="18" charset="0"/>
-                          </a:rPr>
-                        </m:ctrlPr>
-                      </m:sSubPr>
-                      <m:e>
-                        <m:r>
-                          <a:rPr lang="en-IL" b="0" i="1" smtClean="0">
-                            <a:latin typeface="Cambria Math" panose="02040503050406030204" pitchFamily="18" charset="0"/>
-                            <a:ea typeface="Cambria Math" panose="02040503050406030204" pitchFamily="18" charset="0"/>
-                          </a:rPr>
-                          <m:t>𝜓</m:t>
-                        </m:r>
-                      </m:e>
-                      <m:sub>
-                        <m:r>
-                          <a:rPr lang="en-US" b="0" i="1" smtClean="0">
-                            <a:latin typeface="Cambria Math" panose="02040503050406030204" pitchFamily="18" charset="0"/>
-                          </a:rPr>
-                          <m:t>𝑖</m:t>
-                        </m:r>
-                      </m:sub>
-                    </m:sSub>
-                    <m:r>
-                      <a:rPr lang="en-US" b="0" i="1" smtClean="0">
-                        <a:latin typeface="Cambria Math" panose="02040503050406030204" pitchFamily="18" charset="0"/>
-                      </a:rPr>
-                      <m:t>=</m:t>
-                    </m:r>
-                    <m:d>
-                      <m:dPr>
-                        <m:ctrlPr>
-                          <a:rPr lang="en-US" b="0" i="1" smtClean="0">
-                            <a:latin typeface="Cambria Math" panose="02040503050406030204" pitchFamily="18" charset="0"/>
-                            <a:ea typeface="Cambria Math" panose="02040503050406030204" pitchFamily="18" charset="0"/>
-                          </a:rPr>
-                        </m:ctrlPr>
-                      </m:dPr>
-                      <m:e>
-                        <m:sSub>
-                          <m:sSubPr>
-                            <m:ctrlPr>
-                              <a:rPr lang="en-US" b="0" i="1" smtClean="0">
-                                <a:latin typeface="Cambria Math" panose="02040503050406030204" pitchFamily="18" charset="0"/>
-                                <a:ea typeface="Cambria Math" panose="02040503050406030204" pitchFamily="18" charset="0"/>
-                              </a:rPr>
-                            </m:ctrlPr>
-                          </m:sSubPr>
-                          <m:e>
-                            <m:r>
-                              <a:rPr lang="en-IL" b="0" i="1" smtClean="0">
-                                <a:latin typeface="Cambria Math" panose="02040503050406030204" pitchFamily="18" charset="0"/>
-                                <a:ea typeface="Cambria Math" panose="02040503050406030204" pitchFamily="18" charset="0"/>
-                              </a:rPr>
-                              <m:t>∆</m:t>
-                            </m:r>
-                          </m:e>
-                          <m:sub>
-                            <m:r>
-                              <a:rPr lang="en-US" b="0" i="1" smtClean="0">
-                                <a:latin typeface="Cambria Math" panose="02040503050406030204" pitchFamily="18" charset="0"/>
-                                <a:ea typeface="Cambria Math" panose="02040503050406030204" pitchFamily="18" charset="0"/>
-                              </a:rPr>
-                              <m:t>𝑥</m:t>
-                            </m:r>
-                          </m:sub>
-                        </m:sSub>
-                        <m:r>
-                          <a:rPr lang="en-US" b="0" i="1" smtClean="0">
-                            <a:latin typeface="Cambria Math" panose="02040503050406030204" pitchFamily="18" charset="0"/>
-                            <a:ea typeface="Cambria Math" panose="02040503050406030204" pitchFamily="18" charset="0"/>
-                          </a:rPr>
-                          <m:t>+</m:t>
-                        </m:r>
-                        <m:sSub>
-                          <m:sSubPr>
-                            <m:ctrlPr>
-                              <a:rPr lang="en-US" b="0" i="1" smtClean="0">
-                                <a:latin typeface="Cambria Math" panose="02040503050406030204" pitchFamily="18" charset="0"/>
-                                <a:ea typeface="Cambria Math" panose="02040503050406030204" pitchFamily="18" charset="0"/>
-                              </a:rPr>
-                            </m:ctrlPr>
-                          </m:sSubPr>
-                          <m:e>
-                            <m:r>
-                              <a:rPr lang="en-US" b="0" i="1" smtClean="0">
-                                <a:latin typeface="Cambria Math" panose="02040503050406030204" pitchFamily="18" charset="0"/>
-                                <a:ea typeface="Cambria Math" panose="02040503050406030204" pitchFamily="18" charset="0"/>
-                              </a:rPr>
-                              <m:t>𝑣</m:t>
-                            </m:r>
-                          </m:e>
-                          <m:sub>
-                            <m:r>
-                              <a:rPr lang="en-US" b="0" i="1" smtClean="0">
-                                <a:latin typeface="Cambria Math" panose="02040503050406030204" pitchFamily="18" charset="0"/>
-                                <a:ea typeface="Cambria Math" panose="02040503050406030204" pitchFamily="18" charset="0"/>
-                              </a:rPr>
-                              <m:t>𝜏</m:t>
-                            </m:r>
-                          </m:sub>
-                        </m:sSub>
-                      </m:e>
-                    </m:d>
-                    <m:sSub>
-                      <m:sSubPr>
-                        <m:ctrlPr>
-                          <a:rPr lang="en-US" b="0" i="1" smtClean="0">
-                            <a:latin typeface="Cambria Math" panose="02040503050406030204" pitchFamily="18" charset="0"/>
-                          </a:rPr>
-                        </m:ctrlPr>
-                      </m:sSubPr>
-                      <m:e>
-                        <m:r>
-                          <a:rPr lang="en-IL" b="0" i="1" smtClean="0">
-                            <a:latin typeface="Cambria Math" panose="02040503050406030204" pitchFamily="18" charset="0"/>
-                            <a:ea typeface="Cambria Math" panose="02040503050406030204" pitchFamily="18" charset="0"/>
-                          </a:rPr>
-                          <m:t>𝜓</m:t>
-                        </m:r>
-                      </m:e>
-                      <m:sub>
-                        <m:r>
-                          <a:rPr lang="en-US" b="0" i="1" smtClean="0">
-                            <a:latin typeface="Cambria Math" panose="02040503050406030204" pitchFamily="18" charset="0"/>
-                          </a:rPr>
-                          <m:t>𝑖</m:t>
-                        </m:r>
-                      </m:sub>
-                    </m:sSub>
-                    <m:r>
-                      <a:rPr lang="en-US" b="0" i="1" smtClean="0">
-                        <a:latin typeface="Cambria Math" panose="02040503050406030204" pitchFamily="18" charset="0"/>
-                      </a:rPr>
-                      <m:t>=</m:t>
-                    </m:r>
-                    <m:sSub>
-                      <m:sSubPr>
-                        <m:ctrlPr>
-                          <a:rPr lang="en-US" b="0" i="1" smtClean="0">
-                            <a:latin typeface="Cambria Math" panose="02040503050406030204" pitchFamily="18" charset="0"/>
-                            <a:ea typeface="Cambria Math" panose="02040503050406030204" pitchFamily="18" charset="0"/>
-                          </a:rPr>
-                        </m:ctrlPr>
-                      </m:sSubPr>
-                      <m:e>
-                        <m:r>
-                          <a:rPr lang="en-IL" b="0" i="1" smtClean="0">
-                            <a:latin typeface="Cambria Math" panose="02040503050406030204" pitchFamily="18" charset="0"/>
-                            <a:ea typeface="Cambria Math" panose="02040503050406030204" pitchFamily="18" charset="0"/>
-                          </a:rPr>
-                          <m:t>∆</m:t>
-                        </m:r>
-                      </m:e>
-                      <m:sub>
-                        <m:r>
-                          <a:rPr lang="en-US" b="0" i="1" smtClean="0">
-                            <a:latin typeface="Cambria Math" panose="02040503050406030204" pitchFamily="18" charset="0"/>
-                            <a:ea typeface="Cambria Math" panose="02040503050406030204" pitchFamily="18" charset="0"/>
-                          </a:rPr>
-                          <m:t>𝑅</m:t>
-                        </m:r>
-                      </m:sub>
-                    </m:sSub>
-                    <m:sSub>
-                      <m:sSubPr>
-                        <m:ctrlPr>
-                          <a:rPr lang="en-US" b="0" i="1" smtClean="0">
-                            <a:latin typeface="Cambria Math" panose="02040503050406030204" pitchFamily="18" charset="0"/>
-                          </a:rPr>
-                        </m:ctrlPr>
-                      </m:sSubPr>
-                      <m:e>
-                        <m:r>
-                          <a:rPr lang="en-IL" b="0" i="1" smtClean="0">
-                            <a:latin typeface="Cambria Math" panose="02040503050406030204" pitchFamily="18" charset="0"/>
-                            <a:ea typeface="Cambria Math" panose="02040503050406030204" pitchFamily="18" charset="0"/>
-                          </a:rPr>
-                          <m:t>𝜓</m:t>
-                        </m:r>
-                      </m:e>
-                      <m:sub>
-                        <m:r>
-                          <a:rPr lang="en-US" b="0" i="1" smtClean="0">
-                            <a:latin typeface="Cambria Math" panose="02040503050406030204" pitchFamily="18" charset="0"/>
-                          </a:rPr>
-                          <m:t>𝑖</m:t>
-                        </m:r>
-                      </m:sub>
-                    </m:sSub>
-                    <m:r>
-                      <a:rPr lang="en-US" b="0" i="1" smtClean="0">
-                        <a:latin typeface="Cambria Math" panose="02040503050406030204" pitchFamily="18" charset="0"/>
-                      </a:rPr>
-                      <m:t>=</m:t>
-                    </m:r>
-                    <m:sSub>
-                      <m:sSubPr>
-                        <m:ctrlPr>
-                          <a:rPr lang="en-US" b="0" i="1" smtClean="0">
-                            <a:latin typeface="Cambria Math" panose="02040503050406030204" pitchFamily="18" charset="0"/>
-                          </a:rPr>
-                        </m:ctrlPr>
-                      </m:sSubPr>
-                      <m:e>
-                        <m:r>
-                          <a:rPr lang="en-US" b="0" i="1" smtClean="0">
-                            <a:latin typeface="Cambria Math" panose="02040503050406030204" pitchFamily="18" charset="0"/>
-                          </a:rPr>
-                          <m:t>𝜇</m:t>
-                        </m:r>
-                      </m:e>
-                      <m:sub>
-                        <m:r>
-                          <a:rPr lang="en-US" b="0" i="1" smtClean="0">
-                            <a:latin typeface="Cambria Math" panose="02040503050406030204" pitchFamily="18" charset="0"/>
-                          </a:rPr>
-                          <m:t>𝑖</m:t>
-                        </m:r>
-                      </m:sub>
-                    </m:sSub>
-                    <m:sSub>
-                      <m:sSubPr>
-                        <m:ctrlPr>
-                          <a:rPr lang="en-US" b="0" i="1" smtClean="0">
-                            <a:latin typeface="Cambria Math" panose="02040503050406030204" pitchFamily="18" charset="0"/>
-                          </a:rPr>
-                        </m:ctrlPr>
-                      </m:sSubPr>
-                      <m:e>
-                        <m:r>
-                          <a:rPr lang="en-US" b="0" i="1" smtClean="0">
-                            <a:latin typeface="Cambria Math" panose="02040503050406030204" pitchFamily="18" charset="0"/>
-                          </a:rPr>
-                          <m:t>𝜙</m:t>
-                        </m:r>
-                      </m:e>
-                      <m:sub>
-                        <m:r>
-                          <a:rPr lang="en-US" b="0" i="1" smtClean="0">
-                            <a:latin typeface="Cambria Math" panose="02040503050406030204" pitchFamily="18" charset="0"/>
-                          </a:rPr>
-                          <m:t>𝑖</m:t>
-                        </m:r>
-                      </m:sub>
-                    </m:sSub>
-                  </m:oMath>
-                </a14:m>
-                <a:r>
-                  <a:rPr lang="en-US" dirty="0" smtClean="0"/>
-                  <a:t> </a:t>
-                </a:r>
-              </a:p>
-              <a:p>
-                <a:pPr lvl="1"/>
-                <a:r>
-                  <a:rPr lang="en-US" dirty="0" smtClean="0"/>
-                  <a:t>Same eigenvalues !</a:t>
-                </a:r>
-              </a:p>
-            </p:txBody>
-          </p:sp>
-        </mc:Choice>
-        <mc:Fallback>
-          <p:sp>
-            <p:nvSpPr>
-              <p:cNvPr id="3" name="Content Placeholder 2"/>
-              <p:cNvSpPr>
-                <a:spLocks noGrp="1" noRot="1" noChangeAspect="1" noMove="1" noResize="1" noEditPoints="1" noAdjustHandles="1" noChangeArrowheads="1" noChangeShapeType="1" noTextEdit="1"/>
-              </p:cNvSpPr>
-              <p:nvPr>
-                <p:ph idx="1"/>
-              </p:nvPr>
-            </p:nvSpPr>
-            <p:spPr>
-              <a:blipFill>
-                <a:blip r:embed="rId2"/>
-                <a:stretch>
-                  <a:fillRect l="-1043" t="-2241"/>
-                </a:stretch>
-              </a:blipFill>
-            </p:spPr>
-            <p:txBody>
-              <a:bodyPr/>
-              <a:lstStyle/>
-              <a:p>
-                <a:r>
-                  <a:rPr lang="en-US">
-                    <a:noFill/>
-                  </a:rPr>
-                  <a:t> </a:t>
-                </a:r>
-              </a:p>
-            </p:txBody>
-          </p:sp>
-        </mc:Fallback>
-      </mc:AlternateContent>
-    </p:spTree>
-    <p:extLst>
-      <p:ext uri="{BB962C8B-B14F-4D97-AF65-F5344CB8AC3E}">
-        <p14:creationId xmlns:p14="http://schemas.microsoft.com/office/powerpoint/2010/main" val="3624126027"/>
       </p:ext>
     </p:extLst>
   </p:cSld>

--- a/Presentation.pptx
+++ b/Presentation.pptx
@@ -5237,7 +5237,7 @@
             </a:r>
             <a:r>
               <a:rPr lang="en-US" dirty="0" smtClean="0"/>
-              <a:t>Laplacian Beltrami</a:t>
+              <a:t>Laplace Beltrami</a:t>
             </a:r>
             <a:endParaRPr lang="en-US" dirty="0"/>
           </a:p>
@@ -6169,7 +6169,7 @@
             </a:r>
             <a:r>
               <a:rPr lang="en-US" dirty="0" smtClean="0"/>
-              <a:t>Laplacian Beltrami properties </a:t>
+              <a:t>Laplace Beltrami properties </a:t>
             </a:r>
             <a:endParaRPr lang="en-US" dirty="0"/>
           </a:p>
@@ -6561,7 +6561,7 @@
           <a:p>
             <a:r>
               <a:rPr lang="en-US" dirty="0" smtClean="0"/>
-              <a:t>Background-Laplacian Beltrami-with </a:t>
+              <a:t>Background-Laplace Beltrami-with </a:t>
             </a:r>
             <a:r>
               <a:rPr lang="en-US" dirty="0" err="1" smtClean="0"/>

--- a/Presentation.pptx
+++ b/Presentation.pptx
@@ -16,10 +16,9 @@
     <p:sldId id="263" r:id="rId10"/>
     <p:sldId id="264" r:id="rId11"/>
     <p:sldId id="269" r:id="rId12"/>
-    <p:sldId id="266" r:id="rId13"/>
-    <p:sldId id="270" r:id="rId14"/>
-    <p:sldId id="268" r:id="rId15"/>
-    <p:sldId id="271" r:id="rId16"/>
+    <p:sldId id="275" r:id="rId13"/>
+    <p:sldId id="268" r:id="rId14"/>
+    <p:sldId id="271" r:id="rId15"/>
   </p:sldIdLst>
   <p:sldSz cx="12192000" cy="6858000"/>
   <p:notesSz cx="6858000" cy="9144000"/>
@@ -118,6 +117,11 @@
       </a:defRPr>
     </a:lvl9pPr>
   </p:defaultTextStyle>
+  <p:extLst>
+    <p:ext uri="{EFAFB233-063F-42B5-8137-9DF3F51BA10A}">
+      <p15:sldGuideLst xmlns:p15="http://schemas.microsoft.com/office/powerpoint/2012/main"/>
+    </p:ext>
+  </p:extLst>
 </p:presentation>
 </file>
 
@@ -163,10 +167,9 @@
           </a:lstStyle>
           <a:p>
             <a:r>
-              <a:rPr lang="en-US" smtClean="0"/>
+              <a:rPr lang="en-US"/>
               <a:t>Click to edit Master title style</a:t>
             </a:r>
-            <a:endParaRPr lang="en-US"/>
           </a:p>
         </p:txBody>
       </p:sp>
@@ -228,10 +231,9 @@
           </a:lstStyle>
           <a:p>
             <a:r>
-              <a:rPr lang="en-US" smtClean="0"/>
+              <a:rPr lang="en-US"/>
               <a:t>Click to edit Master subtitle style</a:t>
             </a:r>
-            <a:endParaRPr lang="en-US"/>
           </a:p>
         </p:txBody>
       </p:sp>
@@ -252,7 +254,7 @@
           <a:p>
             <a:fld id="{A163D8B6-6496-4287-996E-B74D6BE7CCAF}" type="datetimeFigureOut">
               <a:rPr lang="en-US" smtClean="0"/>
-              <a:t>2/23/2020</a:t>
+              <a:t>3/10/2020</a:t>
             </a:fld>
             <a:endParaRPr lang="en-US"/>
           </a:p>
@@ -346,10 +348,9 @@
           <a:lstStyle/>
           <a:p>
             <a:r>
-              <a:rPr lang="en-US" smtClean="0"/>
+              <a:rPr lang="en-US"/>
               <a:t>Click to edit Master title style</a:t>
             </a:r>
-            <a:endParaRPr lang="en-US"/>
           </a:p>
         </p:txBody>
       </p:sp>
@@ -370,38 +371,37 @@
           <a:p>
             <a:pPr lvl="0"/>
             <a:r>
-              <a:rPr lang="en-US" smtClean="0"/>
+              <a:rPr lang="en-US"/>
               <a:t>Edit Master text styles</a:t>
             </a:r>
           </a:p>
           <a:p>
             <a:pPr lvl="1"/>
             <a:r>
-              <a:rPr lang="en-US" smtClean="0"/>
+              <a:rPr lang="en-US"/>
               <a:t>Second level</a:t>
             </a:r>
           </a:p>
           <a:p>
             <a:pPr lvl="2"/>
             <a:r>
-              <a:rPr lang="en-US" smtClean="0"/>
+              <a:rPr lang="en-US"/>
               <a:t>Third level</a:t>
             </a:r>
           </a:p>
           <a:p>
             <a:pPr lvl="3"/>
             <a:r>
-              <a:rPr lang="en-US" smtClean="0"/>
+              <a:rPr lang="en-US"/>
               <a:t>Fourth level</a:t>
             </a:r>
           </a:p>
           <a:p>
             <a:pPr lvl="4"/>
             <a:r>
-              <a:rPr lang="en-US" smtClean="0"/>
+              <a:rPr lang="en-US"/>
               <a:t>Fifth level</a:t>
             </a:r>
-            <a:endParaRPr lang="en-US"/>
           </a:p>
         </p:txBody>
       </p:sp>
@@ -422,7 +422,7 @@
           <a:p>
             <a:fld id="{A163D8B6-6496-4287-996E-B74D6BE7CCAF}" type="datetimeFigureOut">
               <a:rPr lang="en-US" smtClean="0"/>
-              <a:t>2/23/2020</a:t>
+              <a:t>3/10/2020</a:t>
             </a:fld>
             <a:endParaRPr lang="en-US"/>
           </a:p>
@@ -521,10 +521,9 @@
           <a:lstStyle/>
           <a:p>
             <a:r>
-              <a:rPr lang="en-US" smtClean="0"/>
+              <a:rPr lang="en-US"/>
               <a:t>Click to edit Master title style</a:t>
             </a:r>
-            <a:endParaRPr lang="en-US"/>
           </a:p>
         </p:txBody>
       </p:sp>
@@ -550,38 +549,37 @@
           <a:p>
             <a:pPr lvl="0"/>
             <a:r>
-              <a:rPr lang="en-US" smtClean="0"/>
+              <a:rPr lang="en-US"/>
               <a:t>Edit Master text styles</a:t>
             </a:r>
           </a:p>
           <a:p>
             <a:pPr lvl="1"/>
             <a:r>
-              <a:rPr lang="en-US" smtClean="0"/>
+              <a:rPr lang="en-US"/>
               <a:t>Second level</a:t>
             </a:r>
           </a:p>
           <a:p>
             <a:pPr lvl="2"/>
             <a:r>
-              <a:rPr lang="en-US" smtClean="0"/>
+              <a:rPr lang="en-US"/>
               <a:t>Third level</a:t>
             </a:r>
           </a:p>
           <a:p>
             <a:pPr lvl="3"/>
             <a:r>
-              <a:rPr lang="en-US" smtClean="0"/>
+              <a:rPr lang="en-US"/>
               <a:t>Fourth level</a:t>
             </a:r>
           </a:p>
           <a:p>
             <a:pPr lvl="4"/>
             <a:r>
-              <a:rPr lang="en-US" smtClean="0"/>
+              <a:rPr lang="en-US"/>
               <a:t>Fifth level</a:t>
             </a:r>
-            <a:endParaRPr lang="en-US"/>
           </a:p>
         </p:txBody>
       </p:sp>
@@ -602,7 +600,7 @@
           <a:p>
             <a:fld id="{A163D8B6-6496-4287-996E-B74D6BE7CCAF}" type="datetimeFigureOut">
               <a:rPr lang="en-US" smtClean="0"/>
-              <a:t>2/23/2020</a:t>
+              <a:t>3/10/2020</a:t>
             </a:fld>
             <a:endParaRPr lang="en-US"/>
           </a:p>
@@ -696,10 +694,9 @@
           <a:lstStyle/>
           <a:p>
             <a:r>
-              <a:rPr lang="en-US" smtClean="0"/>
+              <a:rPr lang="en-US"/>
               <a:t>Click to edit Master title style</a:t>
             </a:r>
-            <a:endParaRPr lang="en-US"/>
           </a:p>
         </p:txBody>
       </p:sp>
@@ -720,38 +717,37 @@
           <a:p>
             <a:pPr lvl="0"/>
             <a:r>
-              <a:rPr lang="en-US" smtClean="0"/>
+              <a:rPr lang="en-US"/>
               <a:t>Edit Master text styles</a:t>
             </a:r>
           </a:p>
           <a:p>
             <a:pPr lvl="1"/>
             <a:r>
-              <a:rPr lang="en-US" smtClean="0"/>
+              <a:rPr lang="en-US"/>
               <a:t>Second level</a:t>
             </a:r>
           </a:p>
           <a:p>
             <a:pPr lvl="2"/>
             <a:r>
-              <a:rPr lang="en-US" smtClean="0"/>
+              <a:rPr lang="en-US"/>
               <a:t>Third level</a:t>
             </a:r>
           </a:p>
           <a:p>
             <a:pPr lvl="3"/>
             <a:r>
-              <a:rPr lang="en-US" smtClean="0"/>
+              <a:rPr lang="en-US"/>
               <a:t>Fourth level</a:t>
             </a:r>
           </a:p>
           <a:p>
             <a:pPr lvl="4"/>
             <a:r>
-              <a:rPr lang="en-US" smtClean="0"/>
+              <a:rPr lang="en-US"/>
               <a:t>Fifth level</a:t>
             </a:r>
-            <a:endParaRPr lang="en-US"/>
           </a:p>
         </p:txBody>
       </p:sp>
@@ -772,7 +768,7 @@
           <a:p>
             <a:fld id="{A163D8B6-6496-4287-996E-B74D6BE7CCAF}" type="datetimeFigureOut">
               <a:rPr lang="en-US" smtClean="0"/>
-              <a:t>2/23/2020</a:t>
+              <a:t>3/10/2020</a:t>
             </a:fld>
             <a:endParaRPr lang="en-US"/>
           </a:p>
@@ -875,10 +871,9 @@
           </a:lstStyle>
           <a:p>
             <a:r>
-              <a:rPr lang="en-US" smtClean="0"/>
+              <a:rPr lang="en-US"/>
               <a:t>Click to edit Master title style</a:t>
             </a:r>
-            <a:endParaRPr lang="en-US"/>
           </a:p>
         </p:txBody>
       </p:sp>
@@ -995,7 +990,7 @@
           <a:p>
             <a:pPr lvl="0"/>
             <a:r>
-              <a:rPr lang="en-US" smtClean="0"/>
+              <a:rPr lang="en-US"/>
               <a:t>Edit Master text styles</a:t>
             </a:r>
           </a:p>
@@ -1018,7 +1013,7 @@
           <a:p>
             <a:fld id="{A163D8B6-6496-4287-996E-B74D6BE7CCAF}" type="datetimeFigureOut">
               <a:rPr lang="en-US" smtClean="0"/>
-              <a:t>2/23/2020</a:t>
+              <a:t>3/10/2020</a:t>
             </a:fld>
             <a:endParaRPr lang="en-US"/>
           </a:p>
@@ -1112,10 +1107,9 @@
           <a:lstStyle/>
           <a:p>
             <a:r>
-              <a:rPr lang="en-US" smtClean="0"/>
+              <a:rPr lang="en-US"/>
               <a:t>Click to edit Master title style</a:t>
             </a:r>
-            <a:endParaRPr lang="en-US"/>
           </a:p>
         </p:txBody>
       </p:sp>
@@ -1141,38 +1135,37 @@
           <a:p>
             <a:pPr lvl="0"/>
             <a:r>
-              <a:rPr lang="en-US" smtClean="0"/>
+              <a:rPr lang="en-US"/>
               <a:t>Edit Master text styles</a:t>
             </a:r>
           </a:p>
           <a:p>
             <a:pPr lvl="1"/>
             <a:r>
-              <a:rPr lang="en-US" smtClean="0"/>
+              <a:rPr lang="en-US"/>
               <a:t>Second level</a:t>
             </a:r>
           </a:p>
           <a:p>
             <a:pPr lvl="2"/>
             <a:r>
-              <a:rPr lang="en-US" smtClean="0"/>
+              <a:rPr lang="en-US"/>
               <a:t>Third level</a:t>
             </a:r>
           </a:p>
           <a:p>
             <a:pPr lvl="3"/>
             <a:r>
-              <a:rPr lang="en-US" smtClean="0"/>
+              <a:rPr lang="en-US"/>
               <a:t>Fourth level</a:t>
             </a:r>
           </a:p>
           <a:p>
             <a:pPr lvl="4"/>
             <a:r>
-              <a:rPr lang="en-US" smtClean="0"/>
+              <a:rPr lang="en-US"/>
               <a:t>Fifth level</a:t>
             </a:r>
-            <a:endParaRPr lang="en-US"/>
           </a:p>
         </p:txBody>
       </p:sp>
@@ -1198,38 +1191,37 @@
           <a:p>
             <a:pPr lvl="0"/>
             <a:r>
-              <a:rPr lang="en-US" smtClean="0"/>
+              <a:rPr lang="en-US"/>
               <a:t>Edit Master text styles</a:t>
             </a:r>
           </a:p>
           <a:p>
             <a:pPr lvl="1"/>
             <a:r>
-              <a:rPr lang="en-US" smtClean="0"/>
+              <a:rPr lang="en-US"/>
               <a:t>Second level</a:t>
             </a:r>
           </a:p>
           <a:p>
             <a:pPr lvl="2"/>
             <a:r>
-              <a:rPr lang="en-US" smtClean="0"/>
+              <a:rPr lang="en-US"/>
               <a:t>Third level</a:t>
             </a:r>
           </a:p>
           <a:p>
             <a:pPr lvl="3"/>
             <a:r>
-              <a:rPr lang="en-US" smtClean="0"/>
+              <a:rPr lang="en-US"/>
               <a:t>Fourth level</a:t>
             </a:r>
           </a:p>
           <a:p>
             <a:pPr lvl="4"/>
             <a:r>
-              <a:rPr lang="en-US" smtClean="0"/>
+              <a:rPr lang="en-US"/>
               <a:t>Fifth level</a:t>
             </a:r>
-            <a:endParaRPr lang="en-US"/>
           </a:p>
         </p:txBody>
       </p:sp>
@@ -1250,7 +1242,7 @@
           <a:p>
             <a:fld id="{A163D8B6-6496-4287-996E-B74D6BE7CCAF}" type="datetimeFigureOut">
               <a:rPr lang="en-US" smtClean="0"/>
-              <a:t>2/23/2020</a:t>
+              <a:t>3/10/2020</a:t>
             </a:fld>
             <a:endParaRPr lang="en-US"/>
           </a:p>
@@ -1349,10 +1341,9 @@
           <a:lstStyle/>
           <a:p>
             <a:r>
-              <a:rPr lang="en-US" smtClean="0"/>
+              <a:rPr lang="en-US"/>
               <a:t>Click to edit Master title style</a:t>
             </a:r>
-            <a:endParaRPr lang="en-US"/>
           </a:p>
         </p:txBody>
       </p:sp>
@@ -1415,7 +1406,7 @@
           <a:p>
             <a:pPr lvl="0"/>
             <a:r>
-              <a:rPr lang="en-US" smtClean="0"/>
+              <a:rPr lang="en-US"/>
               <a:t>Edit Master text styles</a:t>
             </a:r>
           </a:p>
@@ -1443,38 +1434,37 @@
           <a:p>
             <a:pPr lvl="0"/>
             <a:r>
-              <a:rPr lang="en-US" smtClean="0"/>
+              <a:rPr lang="en-US"/>
               <a:t>Edit Master text styles</a:t>
             </a:r>
           </a:p>
           <a:p>
             <a:pPr lvl="1"/>
             <a:r>
-              <a:rPr lang="en-US" smtClean="0"/>
+              <a:rPr lang="en-US"/>
               <a:t>Second level</a:t>
             </a:r>
           </a:p>
           <a:p>
             <a:pPr lvl="2"/>
             <a:r>
-              <a:rPr lang="en-US" smtClean="0"/>
+              <a:rPr lang="en-US"/>
               <a:t>Third level</a:t>
             </a:r>
           </a:p>
           <a:p>
             <a:pPr lvl="3"/>
             <a:r>
-              <a:rPr lang="en-US" smtClean="0"/>
+              <a:rPr lang="en-US"/>
               <a:t>Fourth level</a:t>
             </a:r>
           </a:p>
           <a:p>
             <a:pPr lvl="4"/>
             <a:r>
-              <a:rPr lang="en-US" smtClean="0"/>
+              <a:rPr lang="en-US"/>
               <a:t>Fifth level</a:t>
             </a:r>
-            <a:endParaRPr lang="en-US"/>
           </a:p>
         </p:txBody>
       </p:sp>
@@ -1537,7 +1527,7 @@
           <a:p>
             <a:pPr lvl="0"/>
             <a:r>
-              <a:rPr lang="en-US" smtClean="0"/>
+              <a:rPr lang="en-US"/>
               <a:t>Edit Master text styles</a:t>
             </a:r>
           </a:p>
@@ -1565,38 +1555,37 @@
           <a:p>
             <a:pPr lvl="0"/>
             <a:r>
-              <a:rPr lang="en-US" smtClean="0"/>
+              <a:rPr lang="en-US"/>
               <a:t>Edit Master text styles</a:t>
             </a:r>
           </a:p>
           <a:p>
             <a:pPr lvl="1"/>
             <a:r>
-              <a:rPr lang="en-US" smtClean="0"/>
+              <a:rPr lang="en-US"/>
               <a:t>Second level</a:t>
             </a:r>
           </a:p>
           <a:p>
             <a:pPr lvl="2"/>
             <a:r>
-              <a:rPr lang="en-US" smtClean="0"/>
+              <a:rPr lang="en-US"/>
               <a:t>Third level</a:t>
             </a:r>
           </a:p>
           <a:p>
             <a:pPr lvl="3"/>
             <a:r>
-              <a:rPr lang="en-US" smtClean="0"/>
+              <a:rPr lang="en-US"/>
               <a:t>Fourth level</a:t>
             </a:r>
           </a:p>
           <a:p>
             <a:pPr lvl="4"/>
             <a:r>
-              <a:rPr lang="en-US" smtClean="0"/>
+              <a:rPr lang="en-US"/>
               <a:t>Fifth level</a:t>
             </a:r>
-            <a:endParaRPr lang="en-US"/>
           </a:p>
         </p:txBody>
       </p:sp>
@@ -1617,7 +1606,7 @@
           <a:p>
             <a:fld id="{A163D8B6-6496-4287-996E-B74D6BE7CCAF}" type="datetimeFigureOut">
               <a:rPr lang="en-US" smtClean="0"/>
-              <a:t>2/23/2020</a:t>
+              <a:t>3/10/2020</a:t>
             </a:fld>
             <a:endParaRPr lang="en-US"/>
           </a:p>
@@ -1711,10 +1700,9 @@
           <a:lstStyle/>
           <a:p>
             <a:r>
-              <a:rPr lang="en-US" smtClean="0"/>
+              <a:rPr lang="en-US"/>
               <a:t>Click to edit Master title style</a:t>
             </a:r>
-            <a:endParaRPr lang="en-US"/>
           </a:p>
         </p:txBody>
       </p:sp>
@@ -1735,7 +1723,7 @@
           <a:p>
             <a:fld id="{A163D8B6-6496-4287-996E-B74D6BE7CCAF}" type="datetimeFigureOut">
               <a:rPr lang="en-US" smtClean="0"/>
-              <a:t>2/23/2020</a:t>
+              <a:t>3/10/2020</a:t>
             </a:fld>
             <a:endParaRPr lang="en-US"/>
           </a:p>
@@ -1830,7 +1818,7 @@
           <a:p>
             <a:fld id="{A163D8B6-6496-4287-996E-B74D6BE7CCAF}" type="datetimeFigureOut">
               <a:rPr lang="en-US" smtClean="0"/>
-              <a:t>2/23/2020</a:t>
+              <a:t>3/10/2020</a:t>
             </a:fld>
             <a:endParaRPr lang="en-US"/>
           </a:p>
@@ -1933,10 +1921,9 @@
           </a:lstStyle>
           <a:p>
             <a:r>
-              <a:rPr lang="en-US" smtClean="0"/>
+              <a:rPr lang="en-US"/>
               <a:t>Click to edit Master title style</a:t>
             </a:r>
-            <a:endParaRPr lang="en-US"/>
           </a:p>
         </p:txBody>
       </p:sp>
@@ -1990,38 +1977,37 @@
           <a:p>
             <a:pPr lvl="0"/>
             <a:r>
-              <a:rPr lang="en-US" smtClean="0"/>
+              <a:rPr lang="en-US"/>
               <a:t>Edit Master text styles</a:t>
             </a:r>
           </a:p>
           <a:p>
             <a:pPr lvl="1"/>
             <a:r>
-              <a:rPr lang="en-US" smtClean="0"/>
+              <a:rPr lang="en-US"/>
               <a:t>Second level</a:t>
             </a:r>
           </a:p>
           <a:p>
             <a:pPr lvl="2"/>
             <a:r>
-              <a:rPr lang="en-US" smtClean="0"/>
+              <a:rPr lang="en-US"/>
               <a:t>Third level</a:t>
             </a:r>
           </a:p>
           <a:p>
             <a:pPr lvl="3"/>
             <a:r>
-              <a:rPr lang="en-US" smtClean="0"/>
+              <a:rPr lang="en-US"/>
               <a:t>Fourth level</a:t>
             </a:r>
           </a:p>
           <a:p>
             <a:pPr lvl="4"/>
             <a:r>
-              <a:rPr lang="en-US" smtClean="0"/>
+              <a:rPr lang="en-US"/>
               <a:t>Fifth level</a:t>
             </a:r>
-            <a:endParaRPr lang="en-US"/>
           </a:p>
         </p:txBody>
       </p:sp>
@@ -2084,7 +2070,7 @@
           <a:p>
             <a:pPr lvl="0"/>
             <a:r>
-              <a:rPr lang="en-US" smtClean="0"/>
+              <a:rPr lang="en-US"/>
               <a:t>Edit Master text styles</a:t>
             </a:r>
           </a:p>
@@ -2107,7 +2093,7 @@
           <a:p>
             <a:fld id="{A163D8B6-6496-4287-996E-B74D6BE7CCAF}" type="datetimeFigureOut">
               <a:rPr lang="en-US" smtClean="0"/>
-              <a:t>2/23/2020</a:t>
+              <a:t>3/10/2020</a:t>
             </a:fld>
             <a:endParaRPr lang="en-US"/>
           </a:p>
@@ -2210,10 +2196,9 @@
           </a:lstStyle>
           <a:p>
             <a:r>
-              <a:rPr lang="en-US" smtClean="0"/>
+              <a:rPr lang="en-US"/>
               <a:t>Click to edit Master title style</a:t>
             </a:r>
-            <a:endParaRPr lang="en-US"/>
           </a:p>
         </p:txBody>
       </p:sp>
@@ -2337,7 +2322,7 @@
           <a:p>
             <a:pPr lvl="0"/>
             <a:r>
-              <a:rPr lang="en-US" smtClean="0"/>
+              <a:rPr lang="en-US"/>
               <a:t>Edit Master text styles</a:t>
             </a:r>
           </a:p>
@@ -2360,7 +2345,7 @@
           <a:p>
             <a:fld id="{A163D8B6-6496-4287-996E-B74D6BE7CCAF}" type="datetimeFigureOut">
               <a:rPr lang="en-US" smtClean="0"/>
-              <a:t>2/23/2020</a:t>
+              <a:t>3/10/2020</a:t>
             </a:fld>
             <a:endParaRPr lang="en-US"/>
           </a:p>
@@ -2469,10 +2454,9 @@
           <a:lstStyle/>
           <a:p>
             <a:r>
-              <a:rPr lang="en-US" smtClean="0"/>
+              <a:rPr lang="en-US"/>
               <a:t>Click to edit Master title style</a:t>
             </a:r>
-            <a:endParaRPr lang="en-US"/>
           </a:p>
         </p:txBody>
       </p:sp>
@@ -2503,38 +2487,37 @@
           <a:p>
             <a:pPr lvl="0"/>
             <a:r>
-              <a:rPr lang="en-US" smtClean="0"/>
+              <a:rPr lang="en-US"/>
               <a:t>Edit Master text styles</a:t>
             </a:r>
           </a:p>
           <a:p>
             <a:pPr lvl="1"/>
             <a:r>
-              <a:rPr lang="en-US" smtClean="0"/>
+              <a:rPr lang="en-US"/>
               <a:t>Second level</a:t>
             </a:r>
           </a:p>
           <a:p>
             <a:pPr lvl="2"/>
             <a:r>
-              <a:rPr lang="en-US" smtClean="0"/>
+              <a:rPr lang="en-US"/>
               <a:t>Third level</a:t>
             </a:r>
           </a:p>
           <a:p>
             <a:pPr lvl="3"/>
             <a:r>
-              <a:rPr lang="en-US" smtClean="0"/>
+              <a:rPr lang="en-US"/>
               <a:t>Fourth level</a:t>
             </a:r>
           </a:p>
           <a:p>
             <a:pPr lvl="4"/>
             <a:r>
-              <a:rPr lang="en-US" smtClean="0"/>
+              <a:rPr lang="en-US"/>
               <a:t>Fifth level</a:t>
             </a:r>
-            <a:endParaRPr lang="en-US"/>
           </a:p>
         </p:txBody>
       </p:sp>
@@ -2573,7 +2556,7 @@
           <a:p>
             <a:fld id="{A163D8B6-6496-4287-996E-B74D6BE7CCAF}" type="datetimeFigureOut">
               <a:rPr lang="en-US" smtClean="0"/>
-              <a:t>2/23/2020</a:t>
+              <a:t>3/10/2020</a:t>
             </a:fld>
             <a:endParaRPr lang="en-US"/>
           </a:p>
@@ -3001,17 +2984,16 @@
           <a:lstStyle/>
           <a:p>
             <a:r>
-              <a:rPr lang="en-US" dirty="0" smtClean="0"/>
+              <a:rPr lang="en-US" dirty="0"/>
               <a:t>Implementation for</a:t>
             </a:r>
             <a:br>
-              <a:rPr lang="en-US" dirty="0" smtClean="0"/>
+              <a:rPr lang="en-US" dirty="0"/>
             </a:br>
             <a:r>
-              <a:rPr lang="en-US" sz="3200" dirty="0" smtClean="0"/>
+              <a:rPr lang="en-US" sz="3200" dirty="0"/>
               <a:t>“Correspondence-Free Region Localization for Partial Shape Similarity via Hamiltonian Spectrum Alignment”</a:t>
             </a:r>
-            <a:endParaRPr lang="en-US" sz="3200" dirty="0"/>
           </a:p>
         </p:txBody>
       </p:sp>
@@ -3037,43 +3019,55 @@
           <a:p>
             <a:pPr algn="l"/>
             <a:r>
-              <a:rPr lang="en-US" dirty="0" smtClean="0"/>
+              <a:rPr lang="en-US" dirty="0"/>
               <a:t>By </a:t>
             </a:r>
             <a:r>
-              <a:rPr lang="en-US" dirty="0" err="1" smtClean="0"/>
+              <a:rPr lang="en-US" dirty="0" err="1"/>
               <a:t>Tsachi</a:t>
             </a:r>
             <a:r>
-              <a:rPr lang="en-US" dirty="0" smtClean="0"/>
+              <a:rPr lang="en-US" dirty="0"/>
               <a:t> </a:t>
             </a:r>
             <a:r>
-              <a:rPr lang="en-US" dirty="0" err="1" smtClean="0"/>
+              <a:rPr lang="en-US" dirty="0" err="1"/>
               <a:t>Blau</a:t>
             </a:r>
-            <a:endParaRPr lang="en-US" dirty="0" smtClean="0"/>
+            <a:endParaRPr lang="en-US" dirty="0"/>
           </a:p>
         </p:txBody>
       </p:sp>
       <p:pic>
         <p:nvPicPr>
-          <p:cNvPr id="7" name="Picture 6"/>
+          <p:cNvPr id="6" name="Picture 5" descr="A picture containing animal, dog, black, riding&#10;&#10;Description automatically generated">
+            <a:extLst>
+              <a:ext uri="{FF2B5EF4-FFF2-40B4-BE49-F238E27FC236}">
+                <a16:creationId xmlns:a16="http://schemas.microsoft.com/office/drawing/2014/main" id="{3624B2F3-DD81-4A71-9982-147E573CD65A}"/>
+              </a:ext>
+            </a:extLst>
+          </p:cNvPr>
           <p:cNvPicPr>
             <a:picLocks noChangeAspect="1"/>
           </p:cNvPicPr>
           <p:nvPr/>
         </p:nvPicPr>
         <p:blipFill>
-          <a:blip r:embed="rId2"/>
+          <a:blip r:embed="rId2">
+            <a:extLst>
+              <a:ext uri="{28A0092B-C50C-407E-A947-70E740481C1C}">
+                <a14:useLocalDpi xmlns:a14="http://schemas.microsoft.com/office/drawing/2010/main" val="0"/>
+              </a:ext>
+            </a:extLst>
+          </a:blip>
           <a:stretch>
             <a:fillRect/>
           </a:stretch>
         </p:blipFill>
         <p:spPr>
           <a:xfrm>
-            <a:off x="4228591" y="3030291"/>
-            <a:ext cx="3648075" cy="3019425"/>
+            <a:off x="3739993" y="2958865"/>
+            <a:ext cx="4712013" cy="3534010"/>
           </a:xfrm>
           <a:prstGeom prst="rect">
             <a:avLst/>
@@ -3090,13 +3084,6 @@
   <p:clrMapOvr>
     <a:masterClrMapping/>
   </p:clrMapOvr>
-  <p:timing>
-    <p:tnLst>
-      <p:par>
-        <p:cTn id="1" dur="indefinite" restart="never" nodeType="tmRoot"/>
-      </p:par>
-    </p:tnLst>
-  </p:timing>
 </p:sld>
 </file>
 
@@ -3133,23 +3120,22 @@
           <a:lstStyle/>
           <a:p>
             <a:r>
-              <a:rPr lang="en-US" dirty="0" smtClean="0"/>
+              <a:rPr lang="en-US" dirty="0"/>
               <a:t>Background-</a:t>
             </a:r>
             <a:r>
-              <a:rPr lang="en-US" dirty="0" err="1" smtClean="0"/>
+              <a:rPr lang="en-US" dirty="0" err="1"/>
               <a:t>Hemiltonian</a:t>
             </a:r>
             <a:r>
-              <a:rPr lang="en-US" dirty="0" smtClean="0"/>
+              <a:rPr lang="en-US" dirty="0"/>
               <a:t> </a:t>
             </a:r>
-            <a:endParaRPr lang="en-US" dirty="0"/>
           </a:p>
         </p:txBody>
       </p:sp>
-      <mc:AlternateContent xmlns:mc="http://schemas.openxmlformats.org/markup-compatibility/2006">
-        <mc:Choice xmlns:a14="http://schemas.microsoft.com/office/drawing/2010/main" Requires="a14">
+      <mc:AlternateContent xmlns:mc="http://schemas.openxmlformats.org/markup-compatibility/2006" xmlns:a14="http://schemas.microsoft.com/office/drawing/2010/main">
+        <mc:Choice Requires="a14">
           <p:sp>
             <p:nvSpPr>
               <p:cNvPr id="3" name="Content Placeholder 2"/>
@@ -3197,11 +3183,11 @@
                   </m:oMath>
                 </a14:m>
                 <a:r>
-                  <a:rPr lang="en-US" dirty="0" smtClean="0"/>
+                  <a:rPr lang="en-US" dirty="0"/>
                   <a:t> is the eigenvalue of the </a:t>
                 </a:r>
                 <a:r>
-                  <a:rPr lang="en-US" dirty="0" err="1" smtClean="0"/>
+                  <a:rPr lang="en-US" dirty="0" err="1"/>
                   <a:t>Hemiltonian</a:t>
                 </a:r>
                 <a:endParaRPr lang="en-US" dirty="0"/>
@@ -3237,7 +3223,7 @@
                   </m:oMath>
                 </a14:m>
                 <a:r>
-                  <a:rPr lang="en-US" dirty="0" smtClean="0"/>
+                  <a:rPr lang="en-US" dirty="0"/>
                   <a:t> is the eigenvalue of the partial </a:t>
                 </a:r>
               </a:p>
@@ -3273,14 +3259,14 @@
                   </m:oMath>
                 </a14:m>
                 <a:r>
-                  <a:rPr lang="en-US" dirty="0" smtClean="0"/>
+                  <a:rPr lang="en-US" dirty="0"/>
                   <a:t> is the eigenvalue of the </a:t>
                 </a:r>
                 <a:r>
-                  <a:rPr lang="en-US" dirty="0" err="1" smtClean="0"/>
+                  <a:rPr lang="en-US" dirty="0" err="1"/>
                   <a:t>Hemiltonian</a:t>
                 </a:r>
-                <a:endParaRPr lang="en-US" dirty="0" smtClean="0"/>
+                <a:endParaRPr lang="en-US" dirty="0"/>
               </a:p>
               <a:p>
                 <a14:m>
@@ -3313,7 +3299,7 @@
                   </m:oMath>
                 </a14:m>
                 <a:r>
-                  <a:rPr lang="en-US" dirty="0" smtClean="0"/>
+                  <a:rPr lang="en-US" dirty="0"/>
                   <a:t> is the eigenvalue of the partial</a:t>
                 </a:r>
               </a:p>
@@ -3597,21 +3583,21 @@
                   </m:oMath>
                 </a14:m>
                 <a:r>
-                  <a:rPr lang="en-US" dirty="0" smtClean="0"/>
+                  <a:rPr lang="en-US" dirty="0"/>
                   <a:t> </a:t>
                 </a:r>
               </a:p>
               <a:p>
                 <a:pPr lvl="1"/>
                 <a:r>
-                  <a:rPr lang="en-US" dirty="0" smtClean="0"/>
+                  <a:rPr lang="en-US" dirty="0"/>
                   <a:t>Same eigenvalues !</a:t>
                 </a:r>
               </a:p>
             </p:txBody>
           </p:sp>
         </mc:Choice>
-        <mc:Fallback>
+        <mc:Fallback xmlns="">
           <p:sp>
             <p:nvSpPr>
               <p:cNvPr id="3" name="Content Placeholder 2"/>
@@ -3655,13 +3641,6 @@
   <p:clrMapOvr>
     <a:masterClrMapping/>
   </p:clrMapOvr>
-  <p:timing>
-    <p:tnLst>
-      <p:par>
-        <p:cTn id="1" dur="indefinite" restart="never" nodeType="tmRoot"/>
-      </p:par>
-    </p:tnLst>
-  </p:timing>
 </p:sld>
 </file>
 
@@ -3698,39 +3677,79 @@
           <a:lstStyle/>
           <a:p>
             <a:r>
-              <a:rPr lang="en-US" dirty="0" smtClean="0"/>
+              <a:rPr lang="en-US" dirty="0"/>
               <a:t>Experiment </a:t>
             </a:r>
             <a:r>
-              <a:rPr lang="en-IL" dirty="0" smtClean="0"/>
+              <a:rPr lang="en-IL" dirty="0"/>
               <a:t>–</a:t>
             </a:r>
             <a:r>
-              <a:rPr lang="en-US" dirty="0" smtClean="0"/>
+              <a:rPr lang="en-US" dirty="0"/>
               <a:t> Sanity check </a:t>
             </a:r>
-            <a:endParaRPr lang="en-US" dirty="0"/>
+          </a:p>
+        </p:txBody>
+      </p:sp>
+      <p:sp>
+        <p:nvSpPr>
+          <p:cNvPr id="19" name="TextBox 18"/>
+          <p:cNvSpPr txBox="1"/>
+          <p:nvPr/>
+        </p:nvSpPr>
+        <p:spPr>
+          <a:xfrm>
+            <a:off x="6126100" y="1776206"/>
+            <a:ext cx="3705225" cy="369332"/>
+          </a:xfrm>
+          <a:prstGeom prst="rect">
+            <a:avLst/>
+          </a:prstGeom>
+          <a:noFill/>
+        </p:spPr>
+        <p:txBody>
+          <a:bodyPr wrap="square" rtlCol="0">
+            <a:spAutoFit/>
+          </a:bodyPr>
+          <a:lstStyle/>
+          <a:p>
+            <a:r>
+              <a:rPr lang="en-US" dirty="0"/>
+              <a:t>The eigenvalues are not equal</a:t>
+            </a:r>
           </a:p>
         </p:txBody>
       </p:sp>
       <p:pic>
         <p:nvPicPr>
-          <p:cNvPr id="4" name="Picture 3"/>
+          <p:cNvPr id="5" name="Picture 4" descr="A close up of a map&#10;&#10;Description automatically generated">
+            <a:extLst>
+              <a:ext uri="{FF2B5EF4-FFF2-40B4-BE49-F238E27FC236}">
+                <a16:creationId xmlns:a16="http://schemas.microsoft.com/office/drawing/2014/main" id="{EA716429-2BD6-4726-94E6-FA1ACDA7D246}"/>
+              </a:ext>
+            </a:extLst>
+          </p:cNvPr>
           <p:cNvPicPr>
             <a:picLocks noChangeAspect="1"/>
           </p:cNvPicPr>
           <p:nvPr/>
         </p:nvPicPr>
         <p:blipFill>
-          <a:blip r:embed="rId2"/>
+          <a:blip r:embed="rId2">
+            <a:extLst>
+              <a:ext uri="{28A0092B-C50C-407E-A947-70E740481C1C}">
+                <a14:useLocalDpi xmlns:a14="http://schemas.microsoft.com/office/drawing/2010/main" val="0"/>
+              </a:ext>
+            </a:extLst>
+          </a:blip>
           <a:stretch>
             <a:fillRect/>
           </a:stretch>
         </p:blipFill>
         <p:spPr>
           <a:xfrm>
-            <a:off x="838200" y="1806769"/>
-            <a:ext cx="10341773" cy="4164982"/>
+            <a:off x="7018060" y="2949803"/>
+            <a:ext cx="4203457" cy="3152593"/>
           </a:xfrm>
           <a:prstGeom prst="rect">
             <a:avLst/>
@@ -3739,14 +3758,16 @@
       </p:pic>
       <p:cxnSp>
         <p:nvCxnSpPr>
-          <p:cNvPr id="7" name="Straight Arrow Connector 6"/>
-          <p:cNvCxnSpPr/>
+          <p:cNvPr id="20" name="Straight Arrow Connector 19"/>
+          <p:cNvCxnSpPr>
+            <a:cxnSpLocks/>
+          </p:cNvCxnSpPr>
           <p:nvPr/>
         </p:nvCxnSpPr>
         <p:spPr>
           <a:xfrm>
-            <a:off x="1666875" y="1998881"/>
-            <a:ext cx="590550" cy="538411"/>
+            <a:off x="7363500" y="2365138"/>
+            <a:ext cx="1255384" cy="1770482"/>
           </a:xfrm>
           <a:prstGeom prst="straightConnector1">
             <a:avLst/>
@@ -3770,279 +3791,42 @@
           </a:fontRef>
         </p:style>
       </p:cxnSp>
-      <p:sp>
-        <p:nvSpPr>
-          <p:cNvPr id="8" name="TextBox 7"/>
-          <p:cNvSpPr txBox="1"/>
+      <p:pic>
+        <p:nvPicPr>
+          <p:cNvPr id="23" name="Picture 22" descr="A close up of a map&#10;&#10;Description automatically generated">
+            <a:extLst>
+              <a:ext uri="{FF2B5EF4-FFF2-40B4-BE49-F238E27FC236}">
+                <a16:creationId xmlns:a16="http://schemas.microsoft.com/office/drawing/2014/main" id="{8F610637-24D7-4801-A7A7-F3E707722169}"/>
+              </a:ext>
+            </a:extLst>
+          </p:cNvPr>
+          <p:cNvPicPr>
+            <a:picLocks noChangeAspect="1"/>
+          </p:cNvPicPr>
           <p:nvPr/>
-        </p:nvSpPr>
+        </p:nvPicPr>
+        <p:blipFill>
+          <a:blip r:embed="rId3">
+            <a:extLst>
+              <a:ext uri="{28A0092B-C50C-407E-A947-70E740481C1C}">
+                <a14:useLocalDpi xmlns:a14="http://schemas.microsoft.com/office/drawing/2010/main" val="0"/>
+              </a:ext>
+            </a:extLst>
+          </a:blip>
+          <a:stretch>
+            <a:fillRect/>
+          </a:stretch>
+        </p:blipFill>
         <p:spPr>
           <a:xfrm>
-            <a:off x="571500" y="1352550"/>
-            <a:ext cx="2905125" cy="646331"/>
+            <a:off x="1088892" y="2949803"/>
+            <a:ext cx="4203456" cy="3152592"/>
           </a:xfrm>
           <a:prstGeom prst="rect">
             <a:avLst/>
           </a:prstGeom>
-          <a:noFill/>
         </p:spPr>
-        <p:txBody>
-          <a:bodyPr wrap="square" rtlCol="0">
-            <a:spAutoFit/>
-          </a:bodyPr>
-          <a:lstStyle/>
-          <a:p>
-            <a:r>
-              <a:rPr lang="en-US" dirty="0" smtClean="0"/>
-              <a:t>The error is not zero.. As expected.</a:t>
-            </a:r>
-            <a:endParaRPr lang="en-US" dirty="0"/>
-          </a:p>
-        </p:txBody>
-      </p:sp>
-      <p:sp>
-        <p:nvSpPr>
-          <p:cNvPr id="9" name="TextBox 8"/>
-          <p:cNvSpPr txBox="1"/>
-          <p:nvPr/>
-        </p:nvSpPr>
-        <p:spPr>
-          <a:xfrm>
-            <a:off x="276225" y="3732040"/>
-            <a:ext cx="3705225" cy="369332"/>
-          </a:xfrm>
-          <a:prstGeom prst="rect">
-            <a:avLst/>
-          </a:prstGeom>
-          <a:noFill/>
-        </p:spPr>
-        <p:txBody>
-          <a:bodyPr wrap="square" rtlCol="0">
-            <a:spAutoFit/>
-          </a:bodyPr>
-          <a:lstStyle/>
-          <a:p>
-            <a:r>
-              <a:rPr lang="en-US" dirty="0" smtClean="0"/>
-              <a:t>We don</a:t>
-            </a:r>
-            <a:r>
-              <a:rPr lang="en-IL" dirty="0" smtClean="0"/>
-              <a:t>’</a:t>
-            </a:r>
-            <a:r>
-              <a:rPr lang="en-US" dirty="0" smtClean="0"/>
-              <a:t>t change any point in v</a:t>
-            </a:r>
-            <a:endParaRPr lang="en-US" dirty="0"/>
-          </a:p>
-        </p:txBody>
-      </p:sp>
-      <p:sp>
-        <p:nvSpPr>
-          <p:cNvPr id="10" name="TextBox 9"/>
-          <p:cNvSpPr txBox="1"/>
-          <p:nvPr/>
-        </p:nvSpPr>
-        <p:spPr>
-          <a:xfrm>
-            <a:off x="6829425" y="1321356"/>
-            <a:ext cx="4067175" cy="369332"/>
-          </a:xfrm>
-          <a:prstGeom prst="rect">
-            <a:avLst/>
-          </a:prstGeom>
-          <a:noFill/>
-        </p:spPr>
-        <p:txBody>
-          <a:bodyPr wrap="square" rtlCol="0">
-            <a:spAutoFit/>
-          </a:bodyPr>
-          <a:lstStyle/>
-          <a:p>
-            <a:r>
-              <a:rPr lang="en-US" dirty="0" smtClean="0"/>
-              <a:t>The point we choose remains the same</a:t>
-            </a:r>
-            <a:endParaRPr lang="en-US" dirty="0"/>
-          </a:p>
-        </p:txBody>
-      </p:sp>
-      <p:cxnSp>
-        <p:nvCxnSpPr>
-          <p:cNvPr id="13" name="Straight Arrow Connector 12"/>
-          <p:cNvCxnSpPr/>
-          <p:nvPr/>
-        </p:nvCxnSpPr>
-        <p:spPr>
-          <a:xfrm>
-            <a:off x="8410575" y="1690688"/>
-            <a:ext cx="238125" cy="747712"/>
-          </a:xfrm>
-          <a:prstGeom prst="straightConnector1">
-            <a:avLst/>
-          </a:prstGeom>
-          <a:ln w="57150">
-            <a:tailEnd type="triangle"/>
-          </a:ln>
-        </p:spPr>
-        <p:style>
-          <a:lnRef idx="3">
-            <a:schemeClr val="accent1"/>
-          </a:lnRef>
-          <a:fillRef idx="0">
-            <a:schemeClr val="accent1"/>
-          </a:fillRef>
-          <a:effectRef idx="2">
-            <a:schemeClr val="accent1"/>
-          </a:effectRef>
-          <a:fontRef idx="minor">
-            <a:schemeClr val="tx1"/>
-          </a:fontRef>
-        </p:style>
-      </p:cxnSp>
-      <p:cxnSp>
-        <p:nvCxnSpPr>
-          <p:cNvPr id="15" name="Straight Arrow Connector 14"/>
-          <p:cNvCxnSpPr/>
-          <p:nvPr/>
-        </p:nvCxnSpPr>
-        <p:spPr>
-          <a:xfrm>
-            <a:off x="1390650" y="4150133"/>
-            <a:ext cx="1200150" cy="512572"/>
-          </a:xfrm>
-          <a:prstGeom prst="straightConnector1">
-            <a:avLst/>
-          </a:prstGeom>
-          <a:ln w="57150">
-            <a:tailEnd type="triangle"/>
-          </a:ln>
-        </p:spPr>
-        <p:style>
-          <a:lnRef idx="3">
-            <a:schemeClr val="accent1"/>
-          </a:lnRef>
-          <a:fillRef idx="0">
-            <a:schemeClr val="accent1"/>
-          </a:fillRef>
-          <a:effectRef idx="2">
-            <a:schemeClr val="accent1"/>
-          </a:effectRef>
-          <a:fontRef idx="minor">
-            <a:schemeClr val="tx1"/>
-          </a:fontRef>
-        </p:style>
-      </p:cxnSp>
-      <p:sp>
-        <p:nvSpPr>
-          <p:cNvPr id="19" name="TextBox 18"/>
-          <p:cNvSpPr txBox="1"/>
-          <p:nvPr/>
-        </p:nvSpPr>
-        <p:spPr>
-          <a:xfrm>
-            <a:off x="6629400" y="3555077"/>
-            <a:ext cx="3705225" cy="369332"/>
-          </a:xfrm>
-          <a:prstGeom prst="rect">
-            <a:avLst/>
-          </a:prstGeom>
-          <a:noFill/>
-        </p:spPr>
-        <p:txBody>
-          <a:bodyPr wrap="square" rtlCol="0">
-            <a:spAutoFit/>
-          </a:bodyPr>
-          <a:lstStyle/>
-          <a:p>
-            <a:r>
-              <a:rPr lang="en-US" dirty="0" smtClean="0"/>
-              <a:t>The eigenvalues are not equal</a:t>
-            </a:r>
-            <a:endParaRPr lang="en-US" dirty="0"/>
-          </a:p>
-        </p:txBody>
-      </p:sp>
-      <p:cxnSp>
-        <p:nvCxnSpPr>
-          <p:cNvPr id="20" name="Straight Arrow Connector 19"/>
-          <p:cNvCxnSpPr/>
-          <p:nvPr/>
-        </p:nvCxnSpPr>
-        <p:spPr>
-          <a:xfrm>
-            <a:off x="7743825" y="3973170"/>
-            <a:ext cx="1200150" cy="512572"/>
-          </a:xfrm>
-          <a:prstGeom prst="straightConnector1">
-            <a:avLst/>
-          </a:prstGeom>
-          <a:ln w="57150">
-            <a:tailEnd type="triangle"/>
-          </a:ln>
-        </p:spPr>
-        <p:style>
-          <a:lnRef idx="3">
-            <a:schemeClr val="accent1"/>
-          </a:lnRef>
-          <a:fillRef idx="0">
-            <a:schemeClr val="accent1"/>
-          </a:fillRef>
-          <a:effectRef idx="2">
-            <a:schemeClr val="accent1"/>
-          </a:effectRef>
-          <a:fontRef idx="minor">
-            <a:schemeClr val="tx1"/>
-          </a:fontRef>
-        </p:style>
-      </p:cxnSp>
-      <p:sp>
-        <p:nvSpPr>
-          <p:cNvPr id="21" name="TextBox 20"/>
-          <p:cNvSpPr txBox="1"/>
-          <p:nvPr/>
-        </p:nvSpPr>
-        <p:spPr>
-          <a:xfrm>
-            <a:off x="6677024" y="5697690"/>
-            <a:ext cx="3705225" cy="923330"/>
-          </a:xfrm>
-          <a:prstGeom prst="rect">
-            <a:avLst/>
-          </a:prstGeom>
-          <a:noFill/>
-        </p:spPr>
-        <p:txBody>
-          <a:bodyPr wrap="square" rtlCol="0">
-            <a:spAutoFit/>
-          </a:bodyPr>
-          <a:lstStyle/>
-          <a:p>
-            <a:r>
-              <a:rPr lang="en-US" dirty="0" smtClean="0"/>
-              <a:t>Probably cause we don</a:t>
-            </a:r>
-            <a:r>
-              <a:rPr lang="en-IL" dirty="0" smtClean="0"/>
-              <a:t>’</a:t>
-            </a:r>
-            <a:r>
-              <a:rPr lang="en-US" dirty="0" smtClean="0"/>
-              <a:t>t use </a:t>
-            </a:r>
-            <a:r>
-              <a:rPr lang="en-US" dirty="0" err="1" smtClean="0"/>
-              <a:t>Dirichlet</a:t>
-            </a:r>
-            <a:r>
-              <a:rPr lang="en-US" dirty="0" smtClean="0"/>
-              <a:t> boundary condition with consideration to the potential v</a:t>
-            </a:r>
-            <a:endParaRPr lang="en-US" dirty="0"/>
-          </a:p>
-        </p:txBody>
-      </p:sp>
+      </p:pic>
     </p:spTree>
     <p:extLst>
       <p:ext uri="{BB962C8B-B14F-4D97-AF65-F5344CB8AC3E}">
@@ -4087,7 +3871,7 @@
                                           </p:stCondLst>
                                         </p:cTn>
                                         <p:tgtEl>
-                                          <p:spTgt spid="8"/>
+                                          <p:spTgt spid="19"/>
                                         </p:tgtEl>
                                         <p:attrNameLst>
                                           <p:attrName>style.visibility</p:attrName>
@@ -4114,268 +3898,7 @@
                                           </p:stCondLst>
                                         </p:cTn>
                                         <p:tgtEl>
-                                          <p:spTgt spid="7"/>
-                                        </p:tgtEl>
-                                        <p:attrNameLst>
-                                          <p:attrName>style.visibility</p:attrName>
-                                        </p:attrNameLst>
-                                      </p:cBhvr>
-                                      <p:to>
-                                        <p:strVal val="visible"/>
-                                      </p:to>
-                                    </p:set>
-                                  </p:childTnLst>
-                                </p:cTn>
-                              </p:par>
-                            </p:childTnLst>
-                          </p:cTn>
-                        </p:par>
-                      </p:childTnLst>
-                    </p:cTn>
-                  </p:par>
-                  <p:par>
-                    <p:cTn id="9" fill="hold">
-                      <p:stCondLst>
-                        <p:cond delay="indefinite"/>
-                      </p:stCondLst>
-                      <p:childTnLst>
-                        <p:par>
-                          <p:cTn id="10" fill="hold">
-                            <p:stCondLst>
-                              <p:cond delay="0"/>
-                            </p:stCondLst>
-                            <p:childTnLst>
-                              <p:par>
-                                <p:cTn id="11" presetID="1" presetClass="entr" presetSubtype="0" fill="hold" grpId="0" nodeType="clickEffect">
-                                  <p:stCondLst>
-                                    <p:cond delay="0"/>
-                                  </p:stCondLst>
-                                  <p:childTnLst>
-                                    <p:set>
-                                      <p:cBhvr>
-                                        <p:cTn id="12" dur="1" fill="hold">
-                                          <p:stCondLst>
-                                            <p:cond delay="0"/>
-                                          </p:stCondLst>
-                                        </p:cTn>
-                                        <p:tgtEl>
-                                          <p:spTgt spid="10"/>
-                                        </p:tgtEl>
-                                        <p:attrNameLst>
-                                          <p:attrName>style.visibility</p:attrName>
-                                        </p:attrNameLst>
-                                      </p:cBhvr>
-                                      <p:to>
-                                        <p:strVal val="visible"/>
-                                      </p:to>
-                                    </p:set>
-                                  </p:childTnLst>
-                                </p:cTn>
-                              </p:par>
-                              <p:par>
-                                <p:cTn id="13" presetID="1" presetClass="entr" presetSubtype="0" fill="hold" nodeType="withEffect">
-                                  <p:stCondLst>
-                                    <p:cond delay="0"/>
-                                  </p:stCondLst>
-                                  <p:childTnLst>
-                                    <p:set>
-                                      <p:cBhvr>
-                                        <p:cTn id="14" dur="1" fill="hold">
-                                          <p:stCondLst>
-                                            <p:cond delay="0"/>
-                                          </p:stCondLst>
-                                        </p:cTn>
-                                        <p:tgtEl>
-                                          <p:spTgt spid="13"/>
-                                        </p:tgtEl>
-                                        <p:attrNameLst>
-                                          <p:attrName>style.visibility</p:attrName>
-                                        </p:attrNameLst>
-                                      </p:cBhvr>
-                                      <p:to>
-                                        <p:strVal val="visible"/>
-                                      </p:to>
-                                    </p:set>
-                                  </p:childTnLst>
-                                </p:cTn>
-                              </p:par>
-                            </p:childTnLst>
-                          </p:cTn>
-                        </p:par>
-                      </p:childTnLst>
-                    </p:cTn>
-                  </p:par>
-                  <p:par>
-                    <p:cTn id="15" fill="hold">
-                      <p:stCondLst>
-                        <p:cond delay="indefinite"/>
-                      </p:stCondLst>
-                      <p:childTnLst>
-                        <p:par>
-                          <p:cTn id="16" fill="hold">
-                            <p:stCondLst>
-                              <p:cond delay="0"/>
-                            </p:stCondLst>
-                            <p:childTnLst>
-                              <p:par>
-                                <p:cTn id="17" presetID="1" presetClass="entr" presetSubtype="0" fill="hold" grpId="0" nodeType="clickEffect">
-                                  <p:stCondLst>
-                                    <p:cond delay="0"/>
-                                  </p:stCondLst>
-                                  <p:childTnLst>
-                                    <p:set>
-                                      <p:cBhvr>
-                                        <p:cTn id="18" dur="1" fill="hold">
-                                          <p:stCondLst>
-                                            <p:cond delay="0"/>
-                                          </p:stCondLst>
-                                        </p:cTn>
-                                        <p:tgtEl>
-                                          <p:spTgt spid="9"/>
-                                        </p:tgtEl>
-                                        <p:attrNameLst>
-                                          <p:attrName>style.visibility</p:attrName>
-                                        </p:attrNameLst>
-                                      </p:cBhvr>
-                                      <p:to>
-                                        <p:strVal val="visible"/>
-                                      </p:to>
-                                    </p:set>
-                                  </p:childTnLst>
-                                </p:cTn>
-                              </p:par>
-                              <p:par>
-                                <p:cTn id="19" presetID="1" presetClass="entr" presetSubtype="0" fill="hold" nodeType="withEffect">
-                                  <p:stCondLst>
-                                    <p:cond delay="0"/>
-                                  </p:stCondLst>
-                                  <p:childTnLst>
-                                    <p:set>
-                                      <p:cBhvr>
-                                        <p:cTn id="20" dur="1" fill="hold">
-                                          <p:stCondLst>
-                                            <p:cond delay="0"/>
-                                          </p:stCondLst>
-                                        </p:cTn>
-                                        <p:tgtEl>
-                                          <p:spTgt spid="15"/>
-                                        </p:tgtEl>
-                                        <p:attrNameLst>
-                                          <p:attrName>style.visibility</p:attrName>
-                                        </p:attrNameLst>
-                                      </p:cBhvr>
-                                      <p:to>
-                                        <p:strVal val="visible"/>
-                                      </p:to>
-                                    </p:set>
-                                  </p:childTnLst>
-                                </p:cTn>
-                              </p:par>
-                            </p:childTnLst>
-                          </p:cTn>
-                        </p:par>
-                      </p:childTnLst>
-                    </p:cTn>
-                  </p:par>
-                  <p:par>
-                    <p:cTn id="21" fill="hold">
-                      <p:stCondLst>
-                        <p:cond delay="indefinite"/>
-                      </p:stCondLst>
-                      <p:childTnLst>
-                        <p:par>
-                          <p:cTn id="22" fill="hold">
-                            <p:stCondLst>
-                              <p:cond delay="0"/>
-                            </p:stCondLst>
-                            <p:childTnLst>
-                              <p:par>
-                                <p:cTn id="23" presetID="1" presetClass="entr" presetSubtype="0" fill="hold" grpId="0" nodeType="clickEffect">
-                                  <p:stCondLst>
-                                    <p:cond delay="0"/>
-                                  </p:stCondLst>
-                                  <p:childTnLst>
-                                    <p:set>
-                                      <p:cBhvr>
-                                        <p:cTn id="24" dur="1" fill="hold">
-                                          <p:stCondLst>
-                                            <p:cond delay="0"/>
-                                          </p:stCondLst>
-                                        </p:cTn>
-                                        <p:tgtEl>
-                                          <p:spTgt spid="19"/>
-                                        </p:tgtEl>
-                                        <p:attrNameLst>
-                                          <p:attrName>style.visibility</p:attrName>
-                                        </p:attrNameLst>
-                                      </p:cBhvr>
-                                      <p:to>
-                                        <p:strVal val="visible"/>
-                                      </p:to>
-                                    </p:set>
-                                  </p:childTnLst>
-                                </p:cTn>
-                              </p:par>
-                              <p:par>
-                                <p:cTn id="25" presetID="1" presetClass="entr" presetSubtype="0" fill="hold" nodeType="withEffect">
-                                  <p:stCondLst>
-                                    <p:cond delay="0"/>
-                                  </p:stCondLst>
-                                  <p:childTnLst>
-                                    <p:set>
-                                      <p:cBhvr>
-                                        <p:cTn id="26" dur="1" fill="hold">
-                                          <p:stCondLst>
-                                            <p:cond delay="0"/>
-                                          </p:stCondLst>
-                                        </p:cTn>
-                                        <p:tgtEl>
                                           <p:spTgt spid="20"/>
-                                        </p:tgtEl>
-                                        <p:attrNameLst>
-                                          <p:attrName>style.visibility</p:attrName>
-                                        </p:attrNameLst>
-                                      </p:cBhvr>
-                                      <p:to>
-                                        <p:strVal val="visible"/>
-                                      </p:to>
-                                    </p:set>
-                                  </p:childTnLst>
-                                </p:cTn>
-                              </p:par>
-                            </p:childTnLst>
-                          </p:cTn>
-                        </p:par>
-                      </p:childTnLst>
-                    </p:cTn>
-                  </p:par>
-                  <p:par>
-                    <p:cTn id="27" fill="hold">
-                      <p:stCondLst>
-                        <p:cond delay="indefinite"/>
-                      </p:stCondLst>
-                      <p:childTnLst>
-                        <p:par>
-                          <p:cTn id="28" fill="hold">
-                            <p:stCondLst>
-                              <p:cond delay="0"/>
-                            </p:stCondLst>
-                            <p:childTnLst>
-                              <p:par>
-                                <p:cTn id="29" presetID="1" presetClass="entr" presetSubtype="0" fill="hold" grpId="0" nodeType="clickEffect">
-                                  <p:stCondLst>
-                                    <p:cond delay="0"/>
-                                  </p:stCondLst>
-                                  <p:childTnLst>
-                                    <p:set>
-                                      <p:cBhvr>
-                                        <p:cTn id="30" dur="1" fill="hold">
-                                          <p:stCondLst>
-                                            <p:cond delay="0"/>
-                                          </p:stCondLst>
-                                        </p:cTn>
-                                        <p:tgtEl>
-                                          <p:spTgt spid="21"/>
                                         </p:tgtEl>
                                         <p:attrNameLst>
                                           <p:attrName>style.visibility</p:attrName>
@@ -4416,11 +3939,7 @@
       </p:par>
     </p:tnLst>
     <p:bldLst>
-      <p:bldP spid="8" grpId="0"/>
-      <p:bldP spid="9" grpId="0"/>
-      <p:bldP spid="10" grpId="0"/>
       <p:bldP spid="19" grpId="0"/>
-      <p:bldP spid="21" grpId="0"/>
     </p:bldLst>
   </p:timing>
 </p:sld>
@@ -4459,54 +3978,46 @@
           <a:lstStyle/>
           <a:p>
             <a:r>
-              <a:rPr lang="en-US" dirty="0" smtClean="0"/>
-              <a:t>Experiment</a:t>
-            </a:r>
-            <a:endParaRPr lang="en-US" dirty="0"/>
-          </a:p>
-        </p:txBody>
-      </p:sp>
-      <p:sp>
-        <p:nvSpPr>
-          <p:cNvPr id="3" name="Content Placeholder 2"/>
-          <p:cNvSpPr>
-            <a:spLocks noGrp="1"/>
-          </p:cNvSpPr>
-          <p:nvPr>
-            <p:ph idx="1"/>
-          </p:nvPr>
-        </p:nvSpPr>
-        <p:spPr/>
-        <p:txBody>
-          <a:bodyPr/>
-          <a:lstStyle/>
-          <a:p>
-            <a:r>
-              <a:rPr lang="en-US" dirty="0" smtClean="0"/>
-              <a:t>Start with constant V</a:t>
-            </a:r>
-            <a:endParaRPr lang="en-US" dirty="0"/>
+              <a:rPr lang="en-US" dirty="0" err="1"/>
+              <a:t>Initilization</a:t>
+            </a:r>
+            <a:r>
+              <a:rPr lang="en-US" dirty="0"/>
+              <a:t> </a:t>
+            </a:r>
           </a:p>
         </p:txBody>
       </p:sp>
       <p:pic>
         <p:nvPicPr>
-          <p:cNvPr id="8" name="Picture 7"/>
+          <p:cNvPr id="6" name="Picture 5" descr="A picture containing red, photo, table, dog&#10;&#10;Description automatically generated">
+            <a:extLst>
+              <a:ext uri="{FF2B5EF4-FFF2-40B4-BE49-F238E27FC236}">
+                <a16:creationId xmlns:a16="http://schemas.microsoft.com/office/drawing/2014/main" id="{9B3D8D1D-B81E-4B56-AED3-5D78CF79EAD3}"/>
+              </a:ext>
+            </a:extLst>
+          </p:cNvPr>
           <p:cNvPicPr>
             <a:picLocks noChangeAspect="1"/>
           </p:cNvPicPr>
           <p:nvPr/>
         </p:nvPicPr>
         <p:blipFill>
-          <a:blip r:embed="rId2"/>
+          <a:blip r:embed="rId2">
+            <a:extLst>
+              <a:ext uri="{28A0092B-C50C-407E-A947-70E740481C1C}">
+                <a14:useLocalDpi xmlns:a14="http://schemas.microsoft.com/office/drawing/2010/main" val="0"/>
+              </a:ext>
+            </a:extLst>
+          </a:blip>
           <a:stretch>
             <a:fillRect/>
           </a:stretch>
         </p:blipFill>
         <p:spPr>
           <a:xfrm>
-            <a:off x="-447675" y="2052424"/>
-            <a:ext cx="12420582" cy="5002188"/>
+            <a:off x="3429000" y="1885560"/>
+            <a:ext cx="5334000" cy="4000500"/>
           </a:xfrm>
           <a:prstGeom prst="rect">
             <a:avLst/>
@@ -4516,20 +4027,13 @@
     </p:spTree>
     <p:extLst>
       <p:ext uri="{BB962C8B-B14F-4D97-AF65-F5344CB8AC3E}">
-        <p14:creationId xmlns:p14="http://schemas.microsoft.com/office/powerpoint/2010/main" val="1070724005"/>
+        <p14:creationId xmlns:p14="http://schemas.microsoft.com/office/powerpoint/2010/main" val="246129834"/>
       </p:ext>
     </p:extLst>
   </p:cSld>
   <p:clrMapOvr>
     <a:masterClrMapping/>
   </p:clrMapOvr>
-  <p:timing>
-    <p:tnLst>
-      <p:par>
-        <p:cTn id="1" dur="indefinite" restart="never" nodeType="tmRoot"/>
-      </p:par>
-    </p:tnLst>
-  </p:timing>
 </p:sld>
 </file>
 
@@ -4566,105 +4070,14 @@
           <a:lstStyle/>
           <a:p>
             <a:r>
-              <a:rPr lang="en-US" dirty="0" smtClean="0"/>
-              <a:t>Doesn’t works</a:t>
-            </a:r>
-            <a:endParaRPr lang="en-US" dirty="0"/>
+              <a:rPr lang="en-US" dirty="0"/>
+              <a:t>Future work </a:t>
+            </a:r>
           </a:p>
         </p:txBody>
       </p:sp>
-      <p:sp>
-        <p:nvSpPr>
-          <p:cNvPr id="3" name="Content Placeholder 2"/>
-          <p:cNvSpPr>
-            <a:spLocks noGrp="1"/>
-          </p:cNvSpPr>
-          <p:nvPr>
-            <p:ph idx="1"/>
-          </p:nvPr>
-        </p:nvSpPr>
-        <p:spPr/>
-        <p:txBody>
-          <a:bodyPr/>
-          <a:lstStyle/>
-          <a:p>
-            <a:r>
-              <a:rPr lang="en-US" dirty="0" smtClean="0"/>
-              <a:t>The article suggests to initialize v randomly and pick the best results</a:t>
-            </a:r>
-            <a:br>
-              <a:rPr lang="en-US" dirty="0" smtClean="0"/>
-            </a:br>
-            <a:r>
-              <a:rPr lang="en-US" dirty="0" smtClean="0"/>
-              <a:t>it might improve the results</a:t>
-            </a:r>
-            <a:endParaRPr lang="en-US" dirty="0"/>
-          </a:p>
-        </p:txBody>
-      </p:sp>
-    </p:spTree>
-    <p:extLst>
-      <p:ext uri="{BB962C8B-B14F-4D97-AF65-F5344CB8AC3E}">
-        <p14:creationId xmlns:p14="http://schemas.microsoft.com/office/powerpoint/2010/main" val="3690720587"/>
-      </p:ext>
-    </p:extLst>
-  </p:cSld>
-  <p:clrMapOvr>
-    <a:masterClrMapping/>
-  </p:clrMapOvr>
-  <p:timing>
-    <p:tnLst>
-      <p:par>
-        <p:cTn id="1" dur="indefinite" restart="never" nodeType="tmRoot"/>
-      </p:par>
-    </p:tnLst>
-  </p:timing>
-</p:sld>
-</file>
-
-<file path=ppt/slides/slide14.xml><?xml version="1.0" encoding="utf-8"?>
-<p:sld xmlns:a="http://schemas.openxmlformats.org/drawingml/2006/main" xmlns:r="http://schemas.openxmlformats.org/officeDocument/2006/relationships" xmlns:p="http://schemas.openxmlformats.org/presentationml/2006/main">
-  <p:cSld>
-    <p:spTree>
-      <p:nvGrpSpPr>
-        <p:cNvPr id="1" name=""/>
-        <p:cNvGrpSpPr/>
-        <p:nvPr/>
-      </p:nvGrpSpPr>
-      <p:grpSpPr>
-        <a:xfrm>
-          <a:off x="0" y="0"/>
-          <a:ext cx="0" cy="0"/>
-          <a:chOff x="0" y="0"/>
-          <a:chExt cx="0" cy="0"/>
-        </a:xfrm>
-      </p:grpSpPr>
-      <p:sp>
-        <p:nvSpPr>
-          <p:cNvPr id="2" name="Title 1"/>
-          <p:cNvSpPr>
-            <a:spLocks noGrp="1"/>
-          </p:cNvSpPr>
-          <p:nvPr>
-            <p:ph type="title"/>
-          </p:nvPr>
-        </p:nvSpPr>
-        <p:spPr/>
-        <p:txBody>
-          <a:bodyPr/>
-          <a:lstStyle/>
-          <a:p>
-            <a:r>
-              <a:rPr lang="en-US" dirty="0" smtClean="0"/>
-              <a:t>Future work </a:t>
-            </a:r>
-            <a:endParaRPr lang="en-US" dirty="0"/>
-          </a:p>
-        </p:txBody>
-      </p:sp>
-      <mc:AlternateContent xmlns:mc="http://schemas.openxmlformats.org/markup-compatibility/2006">
-        <mc:Choice xmlns:a14="http://schemas.microsoft.com/office/drawing/2010/main" Requires="a14">
+      <mc:AlternateContent xmlns:mc="http://schemas.openxmlformats.org/markup-compatibility/2006" xmlns:a14="http://schemas.microsoft.com/office/drawing/2010/main">
+        <mc:Choice Requires="a14">
           <p:sp>
             <p:nvSpPr>
               <p:cNvPr id="3" name="Content Placeholder 2"/>
@@ -4681,7 +4094,7 @@
               <a:lstStyle/>
               <a:p>
                 <a:r>
-                  <a:rPr lang="en-US" dirty="0" smtClean="0"/>
+                  <a:rPr lang="en-US" dirty="0"/>
                   <a:t>Add another constraint on V </a:t>
                 </a:r>
               </a:p>
@@ -4692,7 +4105,7 @@
                     <m:limLow>
                       <m:limLowPr>
                         <m:ctrlPr>
-                          <a:rPr lang="en-US" b="0" i="0" smtClean="0">
+                          <a:rPr lang="en-US" b="0" i="1" smtClean="0">
                             <a:latin typeface="Cambria Math" panose="02040503050406030204" pitchFamily="18" charset="0"/>
                           </a:rPr>
                         </m:ctrlPr>
@@ -4927,7 +4340,7 @@
                     </m:d>
                   </m:oMath>
                 </a14:m>
-                <a:endParaRPr lang="en-US" dirty="0" smtClean="0"/>
+                <a:endParaRPr lang="en-US" dirty="0"/>
               </a:p>
               <a:p>
                 <a:pPr lvl="1"/>
@@ -4935,7 +4348,7 @@
               </a:p>
               <a:p>
                 <a:r>
-                  <a:rPr lang="en-US" dirty="0" smtClean="0"/>
+                  <a:rPr lang="en-US" dirty="0"/>
                   <a:t>Add scale invariant Laplacian </a:t>
                 </a:r>
               </a:p>
@@ -4948,7 +4361,7 @@
             </p:txBody>
           </p:sp>
         </mc:Choice>
-        <mc:Fallback>
+        <mc:Fallback xmlns="">
           <p:sp>
             <p:nvSpPr>
               <p:cNvPr id="3" name="Content Placeholder 2"/>
@@ -4992,17 +4405,10 @@
   <p:clrMapOvr>
     <a:masterClrMapping/>
   </p:clrMapOvr>
-  <p:timing>
-    <p:tnLst>
-      <p:par>
-        <p:cTn id="1" dur="indefinite" restart="never" nodeType="tmRoot"/>
-      </p:par>
-    </p:tnLst>
-  </p:timing>
 </p:sld>
 </file>
 
-<file path=ppt/slides/slide15.xml><?xml version="1.0" encoding="utf-8"?>
+<file path=ppt/slides/slide14.xml><?xml version="1.0" encoding="utf-8"?>
 <p:sld xmlns:a="http://schemas.openxmlformats.org/drawingml/2006/main" xmlns:r="http://schemas.openxmlformats.org/officeDocument/2006/relationships" xmlns:p="http://schemas.openxmlformats.org/presentationml/2006/main">
   <p:cSld>
     <p:spTree>
@@ -5035,31 +4441,42 @@
           <a:lstStyle/>
           <a:p>
             <a:r>
-              <a:rPr lang="en-US" dirty="0" smtClean="0"/>
+              <a:rPr lang="en-US" dirty="0"/>
               <a:t>Questions</a:t>
             </a:r>
-            <a:endParaRPr lang="en-US" dirty="0"/>
           </a:p>
         </p:txBody>
       </p:sp>
       <p:pic>
         <p:nvPicPr>
-          <p:cNvPr id="5" name="Picture 4"/>
+          <p:cNvPr id="4" name="Picture 3" descr="A picture containing animal, dog, black, riding&#10;&#10;Description automatically generated">
+            <a:extLst>
+              <a:ext uri="{FF2B5EF4-FFF2-40B4-BE49-F238E27FC236}">
+                <a16:creationId xmlns:a16="http://schemas.microsoft.com/office/drawing/2014/main" id="{041721F7-FAE0-47E8-8C50-71544CC3180D}"/>
+              </a:ext>
+            </a:extLst>
+          </p:cNvPr>
           <p:cNvPicPr>
             <a:picLocks noChangeAspect="1"/>
           </p:cNvPicPr>
           <p:nvPr/>
         </p:nvPicPr>
         <p:blipFill>
-          <a:blip r:embed="rId2"/>
+          <a:blip r:embed="rId2">
+            <a:extLst>
+              <a:ext uri="{28A0092B-C50C-407E-A947-70E740481C1C}">
+                <a14:useLocalDpi xmlns:a14="http://schemas.microsoft.com/office/drawing/2010/main" val="0"/>
+              </a:ext>
+            </a:extLst>
+          </a:blip>
           <a:stretch>
             <a:fillRect/>
           </a:stretch>
         </p:blipFill>
         <p:spPr>
           <a:xfrm>
-            <a:off x="1943030" y="1690688"/>
-            <a:ext cx="7943919" cy="3790950"/>
+            <a:off x="2801885" y="1551702"/>
+            <a:ext cx="6588230" cy="4941173"/>
           </a:xfrm>
           <a:prstGeom prst="rect">
             <a:avLst/>
@@ -5076,13 +4493,6 @@
   <p:clrMapOvr>
     <a:masterClrMapping/>
   </p:clrMapOvr>
-  <p:timing>
-    <p:tnLst>
-      <p:par>
-        <p:cTn id="1" dur="indefinite" restart="never" nodeType="tmRoot"/>
-      </p:par>
-    </p:tnLst>
-  </p:timing>
 </p:sld>
 </file>
 
@@ -5119,10 +4529,9 @@
           <a:lstStyle/>
           <a:p>
             <a:r>
-              <a:rPr lang="en-US" dirty="0" smtClean="0"/>
+              <a:rPr lang="en-US" dirty="0"/>
               <a:t>Goal </a:t>
             </a:r>
-            <a:endParaRPr lang="en-US" dirty="0"/>
           </a:p>
         </p:txBody>
       </p:sp>
@@ -5142,37 +4551,48 @@
           <a:lstStyle/>
           <a:p>
             <a:r>
-              <a:rPr lang="en-US" dirty="0" smtClean="0"/>
+              <a:rPr lang="en-US" dirty="0"/>
               <a:t>We are given a full shape and a partial shape</a:t>
             </a:r>
           </a:p>
           <a:p>
             <a:r>
-              <a:rPr lang="en-US" dirty="0" smtClean="0"/>
+              <a:rPr lang="en-US" dirty="0"/>
               <a:t>Find the corresponding vertices of the partial shape on the full shape </a:t>
             </a:r>
-            <a:endParaRPr lang="en-US" dirty="0"/>
           </a:p>
         </p:txBody>
       </p:sp>
       <p:pic>
         <p:nvPicPr>
-          <p:cNvPr id="4" name="Picture 3"/>
+          <p:cNvPr id="7" name="Picture 6" descr="A picture containing animal, dog, black, riding&#10;&#10;Description automatically generated">
+            <a:extLst>
+              <a:ext uri="{FF2B5EF4-FFF2-40B4-BE49-F238E27FC236}">
+                <a16:creationId xmlns:a16="http://schemas.microsoft.com/office/drawing/2014/main" id="{09D8E8FF-03C6-46E9-8AB3-3B4BD69BFBC5}"/>
+              </a:ext>
+            </a:extLst>
+          </p:cNvPr>
           <p:cNvPicPr>
             <a:picLocks noChangeAspect="1"/>
           </p:cNvPicPr>
           <p:nvPr/>
         </p:nvPicPr>
         <p:blipFill>
-          <a:blip r:embed="rId2"/>
+          <a:blip r:embed="rId2">
+            <a:extLst>
+              <a:ext uri="{28A0092B-C50C-407E-A947-70E740481C1C}">
+                <a14:useLocalDpi xmlns:a14="http://schemas.microsoft.com/office/drawing/2010/main" val="0"/>
+              </a:ext>
+            </a:extLst>
+          </a:blip>
           <a:stretch>
             <a:fillRect/>
           </a:stretch>
         </p:blipFill>
         <p:spPr>
           <a:xfrm>
-            <a:off x="3142694" y="3289397"/>
-            <a:ext cx="5430868" cy="2618138"/>
+            <a:off x="3739993" y="2958865"/>
+            <a:ext cx="4712013" cy="3534010"/>
           </a:xfrm>
           <a:prstGeom prst="rect">
             <a:avLst/>
@@ -5189,13 +4609,6 @@
   <p:clrMapOvr>
     <a:masterClrMapping/>
   </p:clrMapOvr>
-  <p:timing>
-    <p:tnLst>
-      <p:par>
-        <p:cTn id="1" dur="indefinite" restart="never" nodeType="tmRoot"/>
-      </p:par>
-    </p:tnLst>
-  </p:timing>
 </p:sld>
 </file>
 
@@ -5232,19 +4645,14 @@
           <a:lstStyle/>
           <a:p>
             <a:r>
-              <a:rPr lang="en-US" dirty="0" smtClean="0"/>
-              <a:t>Background-</a:t>
-            </a:r>
-            <a:r>
-              <a:rPr lang="en-US" dirty="0" smtClean="0"/>
-              <a:t>Laplace Beltrami</a:t>
-            </a:r>
-            <a:endParaRPr lang="en-US" dirty="0"/>
+              <a:rPr lang="en-US" dirty="0"/>
+              <a:t>Background-Laplace Beltrami</a:t>
+            </a:r>
           </a:p>
         </p:txBody>
       </p:sp>
-      <mc:AlternateContent xmlns:mc="http://schemas.openxmlformats.org/markup-compatibility/2006">
-        <mc:Choice xmlns:a14="http://schemas.microsoft.com/office/drawing/2010/main" Requires="a14">
+      <mc:AlternateContent xmlns:mc="http://schemas.openxmlformats.org/markup-compatibility/2006" xmlns:a14="http://schemas.microsoft.com/office/drawing/2010/main">
+        <mc:Choice Requires="a14">
           <p:sp>
             <p:nvSpPr>
               <p:cNvPr id="3" name="Content Placeholder 2"/>
@@ -5261,13 +4669,13 @@
               <a:lstStyle/>
               <a:p>
                 <a:r>
-                  <a:rPr lang="en-US" dirty="0" smtClean="0"/>
+                  <a:rPr lang="en-US" dirty="0"/>
                   <a:t>Encode the geometry of the domain</a:t>
                 </a:r>
               </a:p>
               <a:p>
                 <a:r>
-                  <a:rPr lang="en-US" dirty="0" smtClean="0"/>
+                  <a:rPr lang="en-US" dirty="0"/>
                   <a:t>Define as </a:t>
                 </a:r>
               </a:p>
@@ -5700,7 +5108,7 @@
                   </m:oMath>
                 </a14:m>
                 <a:r>
-                  <a:rPr lang="en-US" dirty="0" smtClean="0"/>
+                  <a:rPr lang="en-US" dirty="0"/>
                   <a:t>              </a:t>
                 </a:r>
                 <a14:m>
@@ -5838,13 +5246,13 @@
                     </m:m>
                   </m:oMath>
                 </a14:m>
-                <a:endParaRPr lang="en-US" dirty="0" smtClean="0"/>
+                <a:endParaRPr lang="en-US" dirty="0"/>
               </a:p>
               <a:p>
                 <a:pPr marL="457200" lvl="1" indent="0">
                   <a:buNone/>
                 </a:pPr>
-                <a:endParaRPr lang="en-US" dirty="0" smtClean="0"/>
+                <a:endParaRPr lang="en-US" dirty="0"/>
               </a:p>
               <a:p>
                 <a:pPr lvl="1"/>
@@ -5941,7 +5349,7 @@
                   </m:oMath>
                 </a14:m>
                 <a:r>
-                  <a:rPr lang="en-US" dirty="0" smtClean="0"/>
+                  <a:rPr lang="en-US" dirty="0"/>
                   <a:t>              </a:t>
                 </a:r>
                 <a14:m>
@@ -6053,7 +5461,7 @@
             </p:txBody>
           </p:sp>
         </mc:Choice>
-        <mc:Fallback>
+        <mc:Fallback xmlns="">
           <p:sp>
             <p:nvSpPr>
               <p:cNvPr id="3" name="Content Placeholder 2"/>
@@ -6121,13 +5529,6 @@
   <p:clrMapOvr>
     <a:masterClrMapping/>
   </p:clrMapOvr>
-  <p:timing>
-    <p:tnLst>
-      <p:par>
-        <p:cTn id="1" dur="indefinite" restart="never" nodeType="tmRoot"/>
-      </p:par>
-    </p:tnLst>
-  </p:timing>
 </p:sld>
 </file>
 
@@ -6164,19 +5565,14 @@
           <a:lstStyle/>
           <a:p>
             <a:r>
-              <a:rPr lang="en-US" dirty="0" smtClean="0"/>
-              <a:t>Background-</a:t>
-            </a:r>
-            <a:r>
-              <a:rPr lang="en-US" dirty="0" smtClean="0"/>
-              <a:t>Laplace Beltrami properties </a:t>
-            </a:r>
-            <a:endParaRPr lang="en-US" dirty="0"/>
+              <a:rPr lang="en-US" dirty="0"/>
+              <a:t>Background-Laplace Beltrami properties </a:t>
+            </a:r>
           </a:p>
         </p:txBody>
       </p:sp>
-      <mc:AlternateContent xmlns:mc="http://schemas.openxmlformats.org/markup-compatibility/2006">
-        <mc:Choice xmlns:a14="http://schemas.microsoft.com/office/drawing/2010/main" Requires="a14">
+      <mc:AlternateContent xmlns:mc="http://schemas.openxmlformats.org/markup-compatibility/2006" xmlns:a14="http://schemas.microsoft.com/office/drawing/2010/main">
+        <mc:Choice Requires="a14">
           <p:sp>
             <p:nvSpPr>
               <p:cNvPr id="3" name="Content Placeholder 2"/>
@@ -6318,38 +5714,38 @@
                     </m:sSub>
                   </m:oMath>
                 </a14:m>
-                <a:endParaRPr lang="en-US" dirty="0" smtClean="0"/>
+                <a:endParaRPr lang="en-US" dirty="0"/>
               </a:p>
               <a:p>
                 <a:r>
-                  <a:rPr lang="en-US" dirty="0" smtClean="0"/>
+                  <a:rPr lang="en-US" dirty="0"/>
                   <a:t>Eigenvalues of the Laplacian corresponding to the frequencies </a:t>
                 </a:r>
               </a:p>
               <a:p>
                 <a:r>
-                  <a:rPr lang="en-US" dirty="0" smtClean="0"/>
+                  <a:rPr lang="en-US" dirty="0"/>
                   <a:t>The </a:t>
                 </a:r>
                 <a:r>
-                  <a:rPr lang="en-US" dirty="0" err="1" smtClean="0"/>
+                  <a:rPr lang="en-US" dirty="0" err="1"/>
                   <a:t>eigenfunctions</a:t>
                 </a:r>
                 <a:r>
-                  <a:rPr lang="en-US" dirty="0" smtClean="0"/>
+                  <a:rPr lang="en-US" dirty="0"/>
                   <a:t>  are orthogonal to each other </a:t>
                 </a:r>
               </a:p>
               <a:p>
                 <a:r>
-                  <a:rPr lang="en-US" dirty="0" smtClean="0"/>
+                  <a:rPr lang="en-US" dirty="0"/>
                   <a:t>The Laplacian Beltrami is isometry invariant</a:t>
                 </a:r>
               </a:p>
             </p:txBody>
           </p:sp>
         </mc:Choice>
-        <mc:Fallback>
+        <mc:Fallback xmlns="">
           <p:sp>
             <p:nvSpPr>
               <p:cNvPr id="3" name="Content Placeholder 2"/>
@@ -6393,13 +5789,6 @@
   <p:clrMapOvr>
     <a:masterClrMapping/>
   </p:clrMapOvr>
-  <p:timing>
-    <p:tnLst>
-      <p:par>
-        <p:cTn id="1" dur="indefinite" restart="never" nodeType="tmRoot"/>
-      </p:par>
-    </p:tnLst>
-  </p:timing>
 </p:sld>
 </file>
 
@@ -6436,10 +5825,9 @@
           <a:lstStyle/>
           <a:p>
             <a:r>
-              <a:rPr lang="en-US" dirty="0" smtClean="0"/>
+              <a:rPr lang="en-US" dirty="0"/>
               <a:t>Background-Laplacian Beltrami</a:t>
             </a:r>
-            <a:endParaRPr lang="en-US" dirty="0"/>
           </a:p>
         </p:txBody>
       </p:sp>
@@ -6459,25 +5847,25 @@
           <a:lstStyle/>
           <a:p>
             <a:r>
-              <a:rPr lang="en-US" dirty="0" smtClean="0"/>
+              <a:rPr lang="en-US" dirty="0"/>
               <a:t>Every </a:t>
             </a:r>
             <a:r>
-              <a:rPr lang="en-US" dirty="0" err="1" smtClean="0"/>
+              <a:rPr lang="en-US" dirty="0" err="1"/>
               <a:t>eigenfunctions</a:t>
             </a:r>
             <a:r>
-              <a:rPr lang="en-US" dirty="0" smtClean="0"/>
+              <a:rPr lang="en-US" dirty="0"/>
               <a:t> corresponding to some frequency</a:t>
             </a:r>
           </a:p>
           <a:p>
             <a:r>
-              <a:rPr lang="en-US" dirty="0" smtClean="0"/>
+              <a:rPr lang="en-US" dirty="0"/>
               <a:t>Sorted in ascending order </a:t>
             </a:r>
             <a:br>
-              <a:rPr lang="en-US" dirty="0" smtClean="0"/>
+              <a:rPr lang="en-US" dirty="0"/>
             </a:br>
             <a:endParaRPr lang="en-US" dirty="0"/>
           </a:p>
@@ -6485,22 +5873,34 @@
       </p:sp>
       <p:pic>
         <p:nvPicPr>
-          <p:cNvPr id="4" name="Picture 3"/>
+          <p:cNvPr id="6" name="Picture 5" descr="A close up of a logo&#10;&#10;Description automatically generated">
+            <a:extLst>
+              <a:ext uri="{FF2B5EF4-FFF2-40B4-BE49-F238E27FC236}">
+                <a16:creationId xmlns:a16="http://schemas.microsoft.com/office/drawing/2014/main" id="{3E6C9B80-8042-4D2D-B43D-2656842D19AD}"/>
+              </a:ext>
+            </a:extLst>
+          </p:cNvPr>
           <p:cNvPicPr>
             <a:picLocks noChangeAspect="1"/>
           </p:cNvPicPr>
           <p:nvPr/>
         </p:nvPicPr>
         <p:blipFill>
-          <a:blip r:embed="rId2"/>
+          <a:blip r:embed="rId2">
+            <a:extLst>
+              <a:ext uri="{28A0092B-C50C-407E-A947-70E740481C1C}">
+                <a14:useLocalDpi xmlns:a14="http://schemas.microsoft.com/office/drawing/2010/main" val="0"/>
+              </a:ext>
+            </a:extLst>
+          </a:blip>
           <a:stretch>
             <a:fillRect/>
           </a:stretch>
         </p:blipFill>
         <p:spPr>
           <a:xfrm>
-            <a:off x="1627655" y="3042557"/>
-            <a:ext cx="8936690" cy="3605893"/>
+            <a:off x="2143592" y="2798359"/>
+            <a:ext cx="8219607" cy="4355635"/>
           </a:xfrm>
           <a:prstGeom prst="rect">
             <a:avLst/>
@@ -6517,13 +5917,6 @@
   <p:clrMapOvr>
     <a:masterClrMapping/>
   </p:clrMapOvr>
-  <p:timing>
-    <p:tnLst>
-      <p:par>
-        <p:cTn id="1" dur="indefinite" restart="never" nodeType="tmRoot"/>
-      </p:par>
-    </p:tnLst>
-  </p:timing>
 </p:sld>
 </file>
 
@@ -6560,18 +5953,17 @@
           <a:lstStyle/>
           <a:p>
             <a:r>
-              <a:rPr lang="en-US" dirty="0" smtClean="0"/>
+              <a:rPr lang="en-US" dirty="0"/>
               <a:t>Background-Laplace Beltrami-with </a:t>
             </a:r>
             <a:r>
-              <a:rPr lang="en-US" dirty="0" err="1" smtClean="0"/>
+              <a:rPr lang="en-US" dirty="0" err="1"/>
               <a:t>Dirichlet</a:t>
             </a:r>
             <a:r>
-              <a:rPr lang="en-US" dirty="0" smtClean="0"/>
+              <a:rPr lang="en-US" dirty="0"/>
               <a:t> boundary condition </a:t>
             </a:r>
-            <a:endParaRPr lang="en-US" dirty="0"/>
           </a:p>
         </p:txBody>
       </p:sp>
@@ -6593,32 +5985,31 @@
           <a:lstStyle/>
           <a:p>
             <a:r>
-              <a:rPr lang="en-US" dirty="0" smtClean="0"/>
+              <a:rPr lang="en-US" dirty="0"/>
               <a:t>We will use the </a:t>
             </a:r>
             <a:r>
-              <a:rPr lang="en-US" dirty="0" err="1" smtClean="0"/>
+              <a:rPr lang="en-US" dirty="0" err="1"/>
               <a:t>Dirichlet</a:t>
             </a:r>
             <a:r>
-              <a:rPr lang="en-US" dirty="0" smtClean="0"/>
+              <a:rPr lang="en-US" dirty="0"/>
               <a:t> boundary condition </a:t>
             </a:r>
           </a:p>
           <a:p>
             <a:r>
-              <a:rPr lang="en-US" dirty="0" smtClean="0"/>
+              <a:rPr lang="en-US" dirty="0"/>
               <a:t>It will keep correct </a:t>
             </a:r>
             <a:r>
-              <a:rPr lang="en-US" dirty="0" err="1" smtClean="0"/>
+              <a:rPr lang="en-US" dirty="0" err="1"/>
               <a:t>eigenfunctions</a:t>
             </a:r>
             <a:r>
-              <a:rPr lang="en-US" dirty="0" smtClean="0"/>
+              <a:rPr lang="en-US" dirty="0"/>
               <a:t> and eigenvalues</a:t>
             </a:r>
-            <a:endParaRPr lang="en-US" dirty="0"/>
           </a:p>
         </p:txBody>
       </p:sp>
@@ -6656,13 +6047,6 @@
   <p:clrMapOvr>
     <a:masterClrMapping/>
   </p:clrMapOvr>
-  <p:timing>
-    <p:tnLst>
-      <p:par>
-        <p:cTn id="1" dur="indefinite" restart="never" nodeType="tmRoot"/>
-      </p:par>
-    </p:tnLst>
-  </p:timing>
 </p:sld>
 </file>
 
@@ -6699,23 +6083,22 @@
           <a:lstStyle/>
           <a:p>
             <a:r>
-              <a:rPr lang="en-US" dirty="0" smtClean="0"/>
+              <a:rPr lang="en-US" dirty="0"/>
               <a:t>Background-Laplacian Beltrami-with </a:t>
             </a:r>
             <a:r>
-              <a:rPr lang="en-US" dirty="0" err="1" smtClean="0"/>
+              <a:rPr lang="en-US" dirty="0" err="1"/>
               <a:t>Dirichlet</a:t>
             </a:r>
             <a:r>
-              <a:rPr lang="en-US" dirty="0" smtClean="0"/>
+              <a:rPr lang="en-US" dirty="0"/>
               <a:t> boundary condition </a:t>
             </a:r>
-            <a:endParaRPr lang="en-US" dirty="0"/>
           </a:p>
         </p:txBody>
       </p:sp>
-      <mc:AlternateContent xmlns:mc="http://schemas.openxmlformats.org/markup-compatibility/2006">
-        <mc:Choice xmlns:a14="http://schemas.microsoft.com/office/drawing/2010/main" Requires="a14">
+      <mc:AlternateContent xmlns:mc="http://schemas.openxmlformats.org/markup-compatibility/2006" xmlns:a14="http://schemas.microsoft.com/office/drawing/2010/main">
+        <mc:Choice Requires="a14">
           <p:sp>
             <p:nvSpPr>
               <p:cNvPr id="3" name="Content Placeholder 2"/>
@@ -6734,7 +6117,7 @@
               <a:lstStyle/>
               <a:p>
                 <a:r>
-                  <a:rPr lang="en-US" dirty="0" smtClean="0"/>
+                  <a:rPr lang="en-US" dirty="0"/>
                   <a:t>Define as </a:t>
                 </a:r>
               </a:p>
@@ -7175,7 +6558,7 @@
                   </m:oMath>
                 </a14:m>
                 <a:r>
-                  <a:rPr lang="en-US" dirty="0" smtClean="0"/>
+                  <a:rPr lang="en-US" dirty="0"/>
                   <a:t>              </a:t>
                 </a:r>
                 <a14:m>
@@ -7225,7 +6608,13 @@
                                 <a:rPr lang="en-US" b="0" i="1" dirty="0" smtClean="0">
                                   <a:latin typeface="Cambria Math" panose="02040503050406030204" pitchFamily="18" charset="0"/>
                                 </a:rPr>
-                                <m:t>𝑖𝑗</m:t>
+                                <m:t>𝑖</m:t>
+                              </m:r>
+                              <m:r>
+                                <a:rPr lang="en-US" b="0" i="1" dirty="0" smtClean="0">
+                                  <a:latin typeface="Cambria Math" panose="02040503050406030204" pitchFamily="18" charset="0"/>
+                                </a:rPr>
+                                <m:t>𝑗</m:t>
                               </m:r>
                             </m:sub>
                           </m:sSub>
@@ -7269,7 +6658,14 @@
                                   <a:latin typeface="Cambria Math" panose="02040503050406030204" pitchFamily="18" charset="0"/>
                                   <a:ea typeface="Cambria Math" panose="02040503050406030204" pitchFamily="18" charset="0"/>
                                 </a:rPr>
-                                <m:t>𝑖𝑛𝑡</m:t>
+                                <m:t>𝑖</m:t>
+                              </m:r>
+                              <m:r>
+                                <a:rPr lang="en-US" b="0" i="1" dirty="0" smtClean="0">
+                                  <a:latin typeface="Cambria Math" panose="02040503050406030204" pitchFamily="18" charset="0"/>
+                                  <a:ea typeface="Cambria Math" panose="02040503050406030204" pitchFamily="18" charset="0"/>
+                                </a:rPr>
+                                <m:t>𝑛𝑡</m:t>
                               </m:r>
                             </m:sub>
                           </m:sSub>
@@ -7657,13 +7053,13 @@
                     </m:m>
                   </m:oMath>
                 </a14:m>
-                <a:endParaRPr lang="en-US" dirty="0" smtClean="0"/>
+                <a:endParaRPr lang="en-US" dirty="0"/>
               </a:p>
               <a:p>
                 <a:pPr marL="457200" lvl="1" indent="0">
                   <a:buNone/>
                 </a:pPr>
-                <a:endParaRPr lang="en-US" dirty="0" smtClean="0"/>
+                <a:endParaRPr lang="en-US" dirty="0"/>
               </a:p>
               <a:p>
                 <a:pPr lvl="1"/>
@@ -7760,7 +7156,7 @@
                   </m:oMath>
                 </a14:m>
                 <a:r>
-                  <a:rPr lang="en-US" dirty="0" smtClean="0"/>
+                  <a:rPr lang="en-US" dirty="0"/>
                   <a:t>              </a:t>
                 </a:r>
                 <a14:m>
@@ -7912,7 +7308,7 @@
                     </m:m>
                   </m:oMath>
                 </a14:m>
-                <a:endParaRPr lang="en-US" dirty="0" smtClean="0"/>
+                <a:endParaRPr lang="en-US" dirty="0"/>
               </a:p>
               <a:p>
                 <a:pPr lvl="1"/>
@@ -7921,7 +7317,7 @@
             </p:txBody>
           </p:sp>
         </mc:Choice>
-        <mc:Fallback>
+        <mc:Fallback xmlns="">
           <p:sp>
             <p:nvSpPr>
               <p:cNvPr id="3" name="Content Placeholder 2"/>
@@ -7989,13 +7385,6 @@
   <p:clrMapOvr>
     <a:masterClrMapping/>
   </p:clrMapOvr>
-  <p:timing>
-    <p:tnLst>
-      <p:par>
-        <p:cTn id="1" dur="indefinite" restart="never" nodeType="tmRoot"/>
-      </p:par>
-    </p:tnLst>
-  </p:timing>
 </p:sld>
 </file>
 
@@ -8032,24 +7421,29 @@
           <a:lstStyle/>
           <a:p>
             <a:r>
-              <a:rPr lang="en-US" dirty="0" smtClean="0"/>
+              <a:rPr lang="en-US" dirty="0"/>
               <a:t>Background-Laplacian Beltrami-with </a:t>
             </a:r>
             <a:r>
-              <a:rPr lang="en-US" dirty="0" err="1" smtClean="0"/>
+              <a:rPr lang="en-US" dirty="0" err="1"/>
               <a:t>Dirichlet</a:t>
             </a:r>
             <a:r>
-              <a:rPr lang="en-US" dirty="0" smtClean="0"/>
+              <a:rPr lang="en-US" dirty="0"/>
               <a:t> boundary condition </a:t>
             </a:r>
-            <a:endParaRPr lang="en-US" dirty="0"/>
           </a:p>
         </p:txBody>
       </p:sp>
       <p:pic>
         <p:nvPicPr>
-          <p:cNvPr id="5" name="Content Placeholder 4"/>
+          <p:cNvPr id="7" name="Content Placeholder 6" descr="A screenshot of a cell phone&#10;&#10;Description automatically generated">
+            <a:extLst>
+              <a:ext uri="{FF2B5EF4-FFF2-40B4-BE49-F238E27FC236}">
+                <a16:creationId xmlns:a16="http://schemas.microsoft.com/office/drawing/2014/main" id="{945AB502-4D3D-435E-9FD3-726E84F2A4F0}"/>
+              </a:ext>
+            </a:extLst>
+          </p:cNvPr>
           <p:cNvPicPr>
             <a:picLocks noGrp="1" noChangeAspect="1"/>
           </p:cNvPicPr>
@@ -8058,19 +7452,22 @@
           </p:nvPr>
         </p:nvPicPr>
         <p:blipFill>
-          <a:blip r:embed="rId2"/>
+          <a:blip r:embed="rId2">
+            <a:extLst>
+              <a:ext uri="{28A0092B-C50C-407E-A947-70E740481C1C}">
+                <a14:useLocalDpi xmlns:a14="http://schemas.microsoft.com/office/drawing/2010/main" val="0"/>
+              </a:ext>
+            </a:extLst>
+          </a:blip>
           <a:stretch>
             <a:fillRect/>
           </a:stretch>
         </p:blipFill>
         <p:spPr>
           <a:xfrm>
-            <a:off x="838200" y="1830534"/>
-            <a:ext cx="10515600" cy="4234987"/>
+            <a:off x="1990251" y="1825625"/>
+            <a:ext cx="8211497" cy="4351338"/>
           </a:xfrm>
-          <a:prstGeom prst="rect">
-            <a:avLst/>
-          </a:prstGeom>
         </p:spPr>
       </p:pic>
     </p:spTree>
@@ -8083,13 +7480,6 @@
   <p:clrMapOvr>
     <a:masterClrMapping/>
   </p:clrMapOvr>
-  <p:timing>
-    <p:tnLst>
-      <p:par>
-        <p:cTn id="1" dur="indefinite" restart="never" nodeType="tmRoot"/>
-      </p:par>
-    </p:tnLst>
-  </p:timing>
 </p:sld>
 </file>
 
@@ -8126,23 +7516,22 @@
           <a:lstStyle/>
           <a:p>
             <a:r>
-              <a:rPr lang="en-US" dirty="0" smtClean="0"/>
+              <a:rPr lang="en-US" dirty="0"/>
               <a:t>Background-</a:t>
             </a:r>
             <a:r>
-              <a:rPr lang="en-US" dirty="0" err="1" smtClean="0"/>
+              <a:rPr lang="en-US" dirty="0" err="1"/>
               <a:t>Hemiltonian</a:t>
             </a:r>
             <a:r>
-              <a:rPr lang="en-US" dirty="0" smtClean="0"/>
+              <a:rPr lang="en-US" dirty="0"/>
               <a:t> </a:t>
             </a:r>
-            <a:endParaRPr lang="en-US" dirty="0"/>
           </a:p>
         </p:txBody>
       </p:sp>
-      <mc:AlternateContent xmlns:mc="http://schemas.openxmlformats.org/markup-compatibility/2006">
-        <mc:Choice xmlns:a14="http://schemas.microsoft.com/office/drawing/2010/main" Requires="a14">
+      <mc:AlternateContent xmlns:mc="http://schemas.openxmlformats.org/markup-compatibility/2006" xmlns:a14="http://schemas.microsoft.com/office/drawing/2010/main">
+        <mc:Choice Requires="a14">
           <p:sp>
             <p:nvSpPr>
               <p:cNvPr id="3" name="Content Placeholder 2"/>
@@ -8161,7 +7550,7 @@
               <a:lstStyle/>
               <a:p>
                 <a:r>
-                  <a:rPr lang="en-US" dirty="0" smtClean="0"/>
+                  <a:rPr lang="en-US" dirty="0"/>
                   <a:t>Potential function </a:t>
                 </a:r>
               </a:p>
@@ -8240,7 +7629,7 @@
                   </m:oMath>
                 </a14:m>
                 <a:r>
-                  <a:rPr lang="en-US" dirty="0" smtClean="0"/>
+                  <a:rPr lang="en-US" dirty="0"/>
                   <a:t>   </a:t>
                 </a:r>
                 <a14:m>
@@ -8301,7 +7690,7 @@
                     </m:m>
                   </m:oMath>
                 </a14:m>
-                <a:endParaRPr lang="en-US" dirty="0" smtClean="0"/>
+                <a:endParaRPr lang="en-US" dirty="0"/>
               </a:p>
               <a:p>
                 <a14:m>
@@ -8402,12 +7791,12 @@
                     </m:sSub>
                   </m:oMath>
                 </a14:m>
-                <a:endParaRPr lang="en-US" dirty="0" smtClean="0"/>
+                <a:endParaRPr lang="en-US" dirty="0"/>
               </a:p>
             </p:txBody>
           </p:sp>
         </mc:Choice>
-        <mc:Fallback>
+        <mc:Fallback xmlns="">
           <p:sp>
             <p:nvSpPr>
               <p:cNvPr id="3" name="Content Placeholder 2"/>
@@ -8451,13 +7840,6 @@
   <p:clrMapOvr>
     <a:masterClrMapping/>
   </p:clrMapOvr>
-  <p:timing>
-    <p:tnLst>
-      <p:par>
-        <p:cTn id="1" dur="indefinite" restart="never" nodeType="tmRoot"/>
-      </p:par>
-    </p:tnLst>
-  </p:timing>
 </p:sld>
 </file>
 
